--- a/Documentation/advisor.pptx
+++ b/Documentation/advisor.pptx
@@ -5,7 +5,7 @@
     <p:sldMasterId id="2147483648" r:id="rId1"/>
   </p:sldMasterIdLst>
   <p:notesMasterIdLst>
-    <p:notesMasterId r:id="rId22"/>
+    <p:notesMasterId r:id="rId30"/>
   </p:notesMasterIdLst>
   <p:sldIdLst>
     <p:sldId id="256" r:id="rId2"/>
@@ -25,9 +25,17 @@
     <p:sldId id="277" r:id="rId16"/>
     <p:sldId id="278" r:id="rId17"/>
     <p:sldId id="279" r:id="rId18"/>
-    <p:sldId id="280" r:id="rId19"/>
-    <p:sldId id="281" r:id="rId20"/>
-    <p:sldId id="282" r:id="rId21"/>
+    <p:sldId id="285" r:id="rId19"/>
+    <p:sldId id="286" r:id="rId20"/>
+    <p:sldId id="280" r:id="rId21"/>
+    <p:sldId id="287" r:id="rId22"/>
+    <p:sldId id="288" r:id="rId23"/>
+    <p:sldId id="290" r:id="rId24"/>
+    <p:sldId id="289" r:id="rId25"/>
+    <p:sldId id="284" r:id="rId26"/>
+    <p:sldId id="281" r:id="rId27"/>
+    <p:sldId id="282" r:id="rId28"/>
+    <p:sldId id="283" r:id="rId29"/>
   </p:sldIdLst>
   <p:sldSz cx="12192000" cy="6858000"/>
   <p:notesSz cx="6858000" cy="9144000"/>
@@ -216,7 +224,7 @@
           <a:p>
             <a:fld id="{4A2E66E2-6563-4914-877E-48AE5752BDE7}" type="datetimeFigureOut">
               <a:rPr lang="en-US" smtClean="0"/>
-              <a:t>1/27/2018</a:t>
+              <a:t>1/28/18</a:t>
             </a:fld>
             <a:endParaRPr lang="en-US"/>
           </a:p>
@@ -549,6 +557,90 @@
           <a:p>
             <a:fld id="{3ECAFC20-3B04-48D0-8F76-C15FDB891BC6}" type="slidenum">
               <a:rPr lang="en-US" smtClean="0"/>
+              <a:t>1</a:t>
+            </a:fld>
+            <a:endParaRPr lang="en-US"/>
+          </a:p>
+        </p:txBody>
+      </p:sp>
+    </p:spTree>
+    <p:extLst>
+      <p:ext uri="{BB962C8B-B14F-4D97-AF65-F5344CB8AC3E}">
+        <p14:creationId xmlns:p14="http://schemas.microsoft.com/office/powerpoint/2010/main" val="1592630340"/>
+      </p:ext>
+    </p:extLst>
+  </p:cSld>
+  <p:clrMapOvr>
+    <a:masterClrMapping/>
+  </p:clrMapOvr>
+</p:notes>
+</file>
+
+<file path=ppt/notesSlides/notesSlide2.xml><?xml version="1.0" encoding="utf-8"?>
+<p:notes xmlns:a="http://schemas.openxmlformats.org/drawingml/2006/main" xmlns:r="http://schemas.openxmlformats.org/officeDocument/2006/relationships" xmlns:p="http://schemas.openxmlformats.org/presentationml/2006/main">
+  <p:cSld>
+    <p:spTree>
+      <p:nvGrpSpPr>
+        <p:cNvPr id="1" name=""/>
+        <p:cNvGrpSpPr/>
+        <p:nvPr/>
+      </p:nvGrpSpPr>
+      <p:grpSpPr>
+        <a:xfrm>
+          <a:off x="0" y="0"/>
+          <a:ext cx="0" cy="0"/>
+          <a:chOff x="0" y="0"/>
+          <a:chExt cx="0" cy="0"/>
+        </a:xfrm>
+      </p:grpSpPr>
+      <p:sp>
+        <p:nvSpPr>
+          <p:cNvPr id="2" name="Slide Image Placeholder 1"/>
+          <p:cNvSpPr>
+            <a:spLocks noGrp="1" noRot="1" noChangeAspect="1"/>
+          </p:cNvSpPr>
+          <p:nvPr>
+            <p:ph type="sldImg"/>
+          </p:nvPr>
+        </p:nvSpPr>
+        <p:spPr/>
+      </p:sp>
+      <p:sp>
+        <p:nvSpPr>
+          <p:cNvPr id="3" name="Notes Placeholder 2"/>
+          <p:cNvSpPr>
+            <a:spLocks noGrp="1"/>
+          </p:cNvSpPr>
+          <p:nvPr>
+            <p:ph type="body" idx="1"/>
+          </p:nvPr>
+        </p:nvSpPr>
+        <p:spPr/>
+        <p:txBody>
+          <a:bodyPr/>
+          <a:lstStyle/>
+          <a:p>
+            <a:endParaRPr lang="en-US" dirty="0"/>
+          </a:p>
+        </p:txBody>
+      </p:sp>
+      <p:sp>
+        <p:nvSpPr>
+          <p:cNvPr id="4" name="Slide Number Placeholder 3"/>
+          <p:cNvSpPr>
+            <a:spLocks noGrp="1"/>
+          </p:cNvSpPr>
+          <p:nvPr>
+            <p:ph type="sldNum" sz="quarter" idx="10"/>
+          </p:nvPr>
+        </p:nvSpPr>
+        <p:spPr/>
+        <p:txBody>
+          <a:bodyPr/>
+          <a:lstStyle/>
+          <a:p>
+            <a:fld id="{3ECAFC20-3B04-48D0-8F76-C15FDB891BC6}" type="slidenum">
+              <a:rPr lang="en-US" smtClean="0"/>
               <a:t>4</a:t>
             </a:fld>
             <a:endParaRPr lang="en-US"/>
@@ -559,6 +651,90 @@
     <p:extLst>
       <p:ext uri="{BB962C8B-B14F-4D97-AF65-F5344CB8AC3E}">
         <p14:creationId xmlns:p14="http://schemas.microsoft.com/office/powerpoint/2010/main" val="1039006509"/>
+      </p:ext>
+    </p:extLst>
+  </p:cSld>
+  <p:clrMapOvr>
+    <a:masterClrMapping/>
+  </p:clrMapOvr>
+</p:notes>
+</file>
+
+<file path=ppt/notesSlides/notesSlide3.xml><?xml version="1.0" encoding="utf-8"?>
+<p:notes xmlns:a="http://schemas.openxmlformats.org/drawingml/2006/main" xmlns:r="http://schemas.openxmlformats.org/officeDocument/2006/relationships" xmlns:p="http://schemas.openxmlformats.org/presentationml/2006/main">
+  <p:cSld>
+    <p:spTree>
+      <p:nvGrpSpPr>
+        <p:cNvPr id="1" name=""/>
+        <p:cNvGrpSpPr/>
+        <p:nvPr/>
+      </p:nvGrpSpPr>
+      <p:grpSpPr>
+        <a:xfrm>
+          <a:off x="0" y="0"/>
+          <a:ext cx="0" cy="0"/>
+          <a:chOff x="0" y="0"/>
+          <a:chExt cx="0" cy="0"/>
+        </a:xfrm>
+      </p:grpSpPr>
+      <p:sp>
+        <p:nvSpPr>
+          <p:cNvPr id="2" name="Slide Image Placeholder 1"/>
+          <p:cNvSpPr>
+            <a:spLocks noGrp="1" noRot="1" noChangeAspect="1"/>
+          </p:cNvSpPr>
+          <p:nvPr>
+            <p:ph type="sldImg"/>
+          </p:nvPr>
+        </p:nvSpPr>
+        <p:spPr/>
+      </p:sp>
+      <p:sp>
+        <p:nvSpPr>
+          <p:cNvPr id="3" name="Notes Placeholder 2"/>
+          <p:cNvSpPr>
+            <a:spLocks noGrp="1"/>
+          </p:cNvSpPr>
+          <p:nvPr>
+            <p:ph type="body" idx="1"/>
+          </p:nvPr>
+        </p:nvSpPr>
+        <p:spPr/>
+        <p:txBody>
+          <a:bodyPr/>
+          <a:lstStyle/>
+          <a:p>
+            <a:endParaRPr lang="en-US" dirty="0"/>
+          </a:p>
+        </p:txBody>
+      </p:sp>
+      <p:sp>
+        <p:nvSpPr>
+          <p:cNvPr id="4" name="Slide Number Placeholder 3"/>
+          <p:cNvSpPr>
+            <a:spLocks noGrp="1"/>
+          </p:cNvSpPr>
+          <p:nvPr>
+            <p:ph type="sldNum" sz="quarter" idx="10"/>
+          </p:nvPr>
+        </p:nvSpPr>
+        <p:spPr/>
+        <p:txBody>
+          <a:bodyPr/>
+          <a:lstStyle/>
+          <a:p>
+            <a:fld id="{3ECAFC20-3B04-48D0-8F76-C15FDB891BC6}" type="slidenum">
+              <a:rPr lang="en-US" smtClean="0"/>
+              <a:t>8</a:t>
+            </a:fld>
+            <a:endParaRPr lang="en-US"/>
+          </a:p>
+        </p:txBody>
+      </p:sp>
+    </p:spTree>
+    <p:extLst>
+      <p:ext uri="{BB962C8B-B14F-4D97-AF65-F5344CB8AC3E}">
+        <p14:creationId xmlns:p14="http://schemas.microsoft.com/office/powerpoint/2010/main" val="1817129560"/>
       </p:ext>
     </p:extLst>
   </p:cSld>
@@ -695,7 +871,7 @@
           <a:p>
             <a:fld id="{56F0D5F6-43D3-4247-A320-5080F1587815}" type="datetimeFigureOut">
               <a:rPr lang="en-US" smtClean="0"/>
-              <a:t>1/27/2018</a:t>
+              <a:t>1/28/18</a:t>
             </a:fld>
             <a:endParaRPr lang="en-US"/>
           </a:p>
@@ -872,7 +1048,7 @@
           <a:p>
             <a:fld id="{56F0D5F6-43D3-4247-A320-5080F1587815}" type="datetimeFigureOut">
               <a:rPr lang="en-US" smtClean="0"/>
-              <a:t>1/27/2018</a:t>
+              <a:t>1/28/18</a:t>
             </a:fld>
             <a:endParaRPr lang="en-US"/>
           </a:p>
@@ -1052,7 +1228,7 @@
           <a:p>
             <a:fld id="{56F0D5F6-43D3-4247-A320-5080F1587815}" type="datetimeFigureOut">
               <a:rPr lang="en-US" smtClean="0"/>
-              <a:t>1/27/2018</a:t>
+              <a:t>1/28/18</a:t>
             </a:fld>
             <a:endParaRPr lang="en-US"/>
           </a:p>
@@ -1222,7 +1398,7 @@
           <a:p>
             <a:fld id="{56F0D5F6-43D3-4247-A320-5080F1587815}" type="datetimeFigureOut">
               <a:rPr lang="en-US" smtClean="0"/>
-              <a:t>1/27/2018</a:t>
+              <a:t>1/28/18</a:t>
             </a:fld>
             <a:endParaRPr lang="en-US"/>
           </a:p>
@@ -1468,7 +1644,7 @@
           <a:p>
             <a:fld id="{56F0D5F6-43D3-4247-A320-5080F1587815}" type="datetimeFigureOut">
               <a:rPr lang="en-US" smtClean="0"/>
-              <a:t>1/27/2018</a:t>
+              <a:t>1/28/18</a:t>
             </a:fld>
             <a:endParaRPr lang="en-US"/>
           </a:p>
@@ -1700,7 +1876,7 @@
           <a:p>
             <a:fld id="{56F0D5F6-43D3-4247-A320-5080F1587815}" type="datetimeFigureOut">
               <a:rPr lang="en-US" smtClean="0"/>
-              <a:t>1/27/2018</a:t>
+              <a:t>1/28/18</a:t>
             </a:fld>
             <a:endParaRPr lang="en-US"/>
           </a:p>
@@ -2067,7 +2243,7 @@
           <a:p>
             <a:fld id="{56F0D5F6-43D3-4247-A320-5080F1587815}" type="datetimeFigureOut">
               <a:rPr lang="en-US" smtClean="0"/>
-              <a:t>1/27/2018</a:t>
+              <a:t>1/28/18</a:t>
             </a:fld>
             <a:endParaRPr lang="en-US"/>
           </a:p>
@@ -2185,7 +2361,7 @@
           <a:p>
             <a:fld id="{56F0D5F6-43D3-4247-A320-5080F1587815}" type="datetimeFigureOut">
               <a:rPr lang="en-US" smtClean="0"/>
-              <a:t>1/27/2018</a:t>
+              <a:t>1/28/18</a:t>
             </a:fld>
             <a:endParaRPr lang="en-US"/>
           </a:p>
@@ -2280,7 +2456,7 @@
           <a:p>
             <a:fld id="{56F0D5F6-43D3-4247-A320-5080F1587815}" type="datetimeFigureOut">
               <a:rPr lang="en-US" smtClean="0"/>
-              <a:t>1/27/2018</a:t>
+              <a:t>1/28/18</a:t>
             </a:fld>
             <a:endParaRPr lang="en-US"/>
           </a:p>
@@ -2557,7 +2733,7 @@
           <a:p>
             <a:fld id="{56F0D5F6-43D3-4247-A320-5080F1587815}" type="datetimeFigureOut">
               <a:rPr lang="en-US" smtClean="0"/>
-              <a:t>1/27/2018</a:t>
+              <a:t>1/28/18</a:t>
             </a:fld>
             <a:endParaRPr lang="en-US"/>
           </a:p>
@@ -2810,7 +2986,7 @@
           <a:p>
             <a:fld id="{56F0D5F6-43D3-4247-A320-5080F1587815}" type="datetimeFigureOut">
               <a:rPr lang="en-US" smtClean="0"/>
-              <a:t>1/27/2018</a:t>
+              <a:t>1/28/18</a:t>
             </a:fld>
             <a:endParaRPr lang="en-US"/>
           </a:p>
@@ -3037,7 +3213,7 @@
           <a:p>
             <a:fld id="{56F0D5F6-43D3-4247-A320-5080F1587815}" type="datetimeFigureOut">
               <a:rPr lang="en-US" smtClean="0"/>
-              <a:t>1/27/2018</a:t>
+              <a:t>1/28/18</a:t>
             </a:fld>
             <a:endParaRPr lang="en-US"/>
           </a:p>
@@ -3490,11 +3666,7 @@
           <a:p>
             <a:r>
               <a:rPr lang="en-US" dirty="0" smtClean="0"/>
-              <a:t>Intelligent Decision Making </a:t>
-            </a:r>
-            <a:r>
-              <a:rPr lang="en-US" dirty="0" smtClean="0"/>
-              <a:t>System</a:t>
+              <a:t>Intelligent Decision Making System</a:t>
             </a:r>
             <a:endParaRPr lang="en-US" dirty="0"/>
           </a:p>
@@ -3509,7 +3681,7 @@
           <p:nvPr/>
         </p:nvPicPr>
         <p:blipFill>
-          <a:blip r:embed="rId2">
+          <a:blip r:embed="rId3">
             <a:extLst>
               <a:ext uri="{28A0092B-C50C-407E-A947-70E740481C1C}">
                 <a14:useLocalDpi xmlns:a14="http://schemas.microsoft.com/office/drawing/2010/main" val="0"/>
@@ -3540,13 +3712,13 @@
   <p:clrMapOvr>
     <a:masterClrMapping/>
   </p:clrMapOvr>
-  <mc:AlternateContent xmlns:mc="http://schemas.openxmlformats.org/markup-compatibility/2006">
-    <mc:Choice xmlns:p14="http://schemas.microsoft.com/office/powerpoint/2010/main" Requires="p14">
+  <mc:AlternateContent xmlns:mc="http://schemas.openxmlformats.org/markup-compatibility/2006" xmlns:p14="http://schemas.microsoft.com/office/powerpoint/2010/main">
+    <mc:Choice Requires="p14">
       <p:transition spd="med" p14:dur="700">
         <p:fade/>
       </p:transition>
     </mc:Choice>
-    <mc:Fallback>
+    <mc:Fallback xmlns="">
       <p:transition spd="med">
         <p:fade/>
       </p:transition>
@@ -3555,9 +3727,143 @@
   <p:timing>
     <p:tnLst>
       <p:par>
-        <p:cTn id="1" dur="indefinite" restart="never" nodeType="tmRoot"/>
+        <p:cTn id="1" dur="indefinite" restart="never" nodeType="tmRoot">
+          <p:childTnLst>
+            <p:seq concurrent="1" nextAc="seek">
+              <p:cTn id="2" dur="indefinite" nodeType="mainSeq">
+                <p:childTnLst>
+                  <p:par>
+                    <p:cTn id="3" fill="hold">
+                      <p:stCondLst>
+                        <p:cond delay="indefinite"/>
+                        <p:cond evt="onBegin" delay="0">
+                          <p:tn val="2"/>
+                        </p:cond>
+                      </p:stCondLst>
+                      <p:childTnLst>
+                        <p:par>
+                          <p:cTn id="4" fill="hold">
+                            <p:stCondLst>
+                              <p:cond delay="0"/>
+                            </p:stCondLst>
+                            <p:childTnLst>
+                              <p:par>
+                                <p:cTn id="5" presetID="10" presetClass="entr" presetSubtype="0" fill="hold" nodeType="afterEffect">
+                                  <p:stCondLst>
+                                    <p:cond delay="0"/>
+                                  </p:stCondLst>
+                                  <p:childTnLst>
+                                    <p:set>
+                                      <p:cBhvr>
+                                        <p:cTn id="6" dur="1" fill="hold">
+                                          <p:stCondLst>
+                                            <p:cond delay="0"/>
+                                          </p:stCondLst>
+                                        </p:cTn>
+                                        <p:tgtEl>
+                                          <p:spTgt spid="5"/>
+                                        </p:tgtEl>
+                                        <p:attrNameLst>
+                                          <p:attrName>style.visibility</p:attrName>
+                                        </p:attrNameLst>
+                                      </p:cBhvr>
+                                      <p:to>
+                                        <p:strVal val="visible"/>
+                                      </p:to>
+                                    </p:set>
+                                    <p:animEffect transition="in" filter="fade">
+                                      <p:cBhvr>
+                                        <p:cTn id="7" dur="500"/>
+                                        <p:tgtEl>
+                                          <p:spTgt spid="5"/>
+                                        </p:tgtEl>
+                                      </p:cBhvr>
+                                    </p:animEffect>
+                                  </p:childTnLst>
+                                </p:cTn>
+                              </p:par>
+                            </p:childTnLst>
+                          </p:cTn>
+                        </p:par>
+                        <p:par>
+                          <p:cTn id="8" fill="hold">
+                            <p:stCondLst>
+                              <p:cond delay="500"/>
+                            </p:stCondLst>
+                            <p:childTnLst>
+                              <p:par>
+                                <p:cTn id="9" presetID="10" presetClass="entr" presetSubtype="0" fill="hold" grpId="0" nodeType="afterEffect">
+                                  <p:stCondLst>
+                                    <p:cond delay="0"/>
+                                  </p:stCondLst>
+                                  <p:childTnLst>
+                                    <p:set>
+                                      <p:cBhvr>
+                                        <p:cTn id="10" dur="1" fill="hold">
+                                          <p:stCondLst>
+                                            <p:cond delay="0"/>
+                                          </p:stCondLst>
+                                        </p:cTn>
+                                        <p:tgtEl>
+                                          <p:spTgt spid="3">
+                                            <p:txEl>
+                                              <p:pRg st="0" end="0"/>
+                                            </p:txEl>
+                                          </p:spTgt>
+                                        </p:tgtEl>
+                                        <p:attrNameLst>
+                                          <p:attrName>style.visibility</p:attrName>
+                                        </p:attrNameLst>
+                                      </p:cBhvr>
+                                      <p:to>
+                                        <p:strVal val="visible"/>
+                                      </p:to>
+                                    </p:set>
+                                    <p:animEffect transition="in" filter="fade">
+                                      <p:cBhvr>
+                                        <p:cTn id="11" dur="500"/>
+                                        <p:tgtEl>
+                                          <p:spTgt spid="3">
+                                            <p:txEl>
+                                              <p:pRg st="0" end="0"/>
+                                            </p:txEl>
+                                          </p:spTgt>
+                                        </p:tgtEl>
+                                      </p:cBhvr>
+                                    </p:animEffect>
+                                  </p:childTnLst>
+                                </p:cTn>
+                              </p:par>
+                            </p:childTnLst>
+                          </p:cTn>
+                        </p:par>
+                      </p:childTnLst>
+                    </p:cTn>
+                  </p:par>
+                </p:childTnLst>
+              </p:cTn>
+              <p:prevCondLst>
+                <p:cond evt="onPrev" delay="0">
+                  <p:tgtEl>
+                    <p:sldTgt/>
+                  </p:tgtEl>
+                </p:cond>
+              </p:prevCondLst>
+              <p:nextCondLst>
+                <p:cond evt="onNext" delay="0">
+                  <p:tgtEl>
+                    <p:sldTgt/>
+                  </p:tgtEl>
+                </p:cond>
+              </p:nextCondLst>
+            </p:seq>
+          </p:childTnLst>
+        </p:cTn>
       </p:par>
     </p:tnLst>
+    <p:bldLst>
+      <p:bldP spid="3" grpId="0" build="p"/>
+    </p:bldLst>
   </p:timing>
 </p:sld>
 </file>
@@ -3622,6 +3928,9 @@
   <p:clrMapOvr>
     <a:masterClrMapping/>
   </p:clrMapOvr>
+  <p:transition spd="slow">
+    <p:push dir="d"/>
+  </p:transition>
   <p:timing>
     <p:tnLst>
       <p:par>
@@ -3672,7 +3981,7 @@
             <a:avLst/>
           </a:prstGeom>
           <a:solidFill>
-            <a:srgbClr val="198FE3"/>
+            <a:srgbClr val="1896F2"/>
           </a:solidFill>
           <a:ln>
             <a:noFill/>
@@ -3751,14 +4060,16 @@
           </a:xfrm>
         </p:spPr>
         <p:txBody>
-          <a:bodyPr/>
+          <a:bodyPr anchor="ctr">
+            <a:normAutofit/>
+          </a:bodyPr>
           <a:lstStyle/>
           <a:p>
             <a:pPr marL="0" lvl="0" indent="0" algn="ctr" fontAlgn="base">
               <a:buNone/>
             </a:pPr>
             <a:r>
-              <a:rPr lang="en-US" dirty="0" smtClean="0">
+              <a:rPr lang="en-US" sz="3600" dirty="0" smtClean="0">
                 <a:solidFill>
                   <a:srgbClr val="1582D2"/>
                 </a:solidFill>
@@ -3768,6 +4079,36 @@
           </a:p>
         </p:txBody>
       </p:sp>
+      <p:pic>
+        <p:nvPicPr>
+          <p:cNvPr id="5" name="Picture 4"/>
+          <p:cNvPicPr>
+            <a:picLocks noChangeAspect="1"/>
+          </p:cNvPicPr>
+          <p:nvPr/>
+        </p:nvPicPr>
+        <p:blipFill>
+          <a:blip r:embed="rId2">
+            <a:extLst>
+              <a:ext uri="{28A0092B-C50C-407E-A947-70E740481C1C}">
+                <a14:useLocalDpi xmlns:a14="http://schemas.microsoft.com/office/drawing/2010/main" val="0"/>
+              </a:ext>
+            </a:extLst>
+          </a:blip>
+          <a:stretch>
+            <a:fillRect/>
+          </a:stretch>
+        </p:blipFill>
+        <p:spPr>
+          <a:xfrm>
+            <a:off x="5413938" y="509218"/>
+            <a:ext cx="1364124" cy="399816"/>
+          </a:xfrm>
+          <a:prstGeom prst="rect">
+            <a:avLst/>
+          </a:prstGeom>
+        </p:spPr>
+      </p:pic>
     </p:spTree>
     <p:extLst>
       <p:ext uri="{BB962C8B-B14F-4D97-AF65-F5344CB8AC3E}">
@@ -3778,6 +4119,9 @@
   <p:clrMapOvr>
     <a:masterClrMapping/>
   </p:clrMapOvr>
+  <p:transition spd="slow">
+    <p:push dir="u"/>
+  </p:transition>
   <p:timing>
     <p:tnLst>
       <p:par>
@@ -3848,6 +4192,9 @@
   <p:clrMapOvr>
     <a:masterClrMapping/>
   </p:clrMapOvr>
+  <p:transition spd="slow">
+    <p:push dir="d"/>
+  </p:transition>
   <p:timing>
     <p:tnLst>
       <p:par>
@@ -3898,7 +4245,7 @@
             <a:avLst/>
           </a:prstGeom>
           <a:solidFill>
-            <a:srgbClr val="198FE3"/>
+            <a:srgbClr val="1896F2"/>
           </a:solidFill>
           <a:ln>
             <a:noFill/>
@@ -3977,14 +4324,16 @@
           </a:xfrm>
         </p:spPr>
         <p:txBody>
-          <a:bodyPr/>
+          <a:bodyPr anchor="ctr">
+            <a:normAutofit/>
+          </a:bodyPr>
           <a:lstStyle/>
           <a:p>
             <a:pPr marL="0" lvl="0" indent="0" algn="ctr" fontAlgn="base">
               <a:buNone/>
             </a:pPr>
             <a:r>
-              <a:rPr lang="en-US" dirty="0" smtClean="0">
+              <a:rPr lang="en-US" sz="3600" dirty="0" smtClean="0">
                 <a:solidFill>
                   <a:srgbClr val="1582D2"/>
                 </a:solidFill>
@@ -3994,6 +4343,36 @@
           </a:p>
         </p:txBody>
       </p:sp>
+      <p:pic>
+        <p:nvPicPr>
+          <p:cNvPr id="5" name="Picture 4"/>
+          <p:cNvPicPr>
+            <a:picLocks noChangeAspect="1"/>
+          </p:cNvPicPr>
+          <p:nvPr/>
+        </p:nvPicPr>
+        <p:blipFill>
+          <a:blip r:embed="rId2">
+            <a:extLst>
+              <a:ext uri="{28A0092B-C50C-407E-A947-70E740481C1C}">
+                <a14:useLocalDpi xmlns:a14="http://schemas.microsoft.com/office/drawing/2010/main" val="0"/>
+              </a:ext>
+            </a:extLst>
+          </a:blip>
+          <a:stretch>
+            <a:fillRect/>
+          </a:stretch>
+        </p:blipFill>
+        <p:spPr>
+          <a:xfrm>
+            <a:off x="5413938" y="509218"/>
+            <a:ext cx="1364124" cy="399816"/>
+          </a:xfrm>
+          <a:prstGeom prst="rect">
+            <a:avLst/>
+          </a:prstGeom>
+        </p:spPr>
+      </p:pic>
     </p:spTree>
     <p:extLst>
       <p:ext uri="{BB962C8B-B14F-4D97-AF65-F5344CB8AC3E}">
@@ -4004,6 +4383,9 @@
   <p:clrMapOvr>
     <a:masterClrMapping/>
   </p:clrMapOvr>
+  <p:transition spd="slow">
+    <p:push dir="u"/>
+  </p:transition>
   <p:timing>
     <p:tnLst>
       <p:par>
@@ -4074,6 +4456,9 @@
   <p:clrMapOvr>
     <a:masterClrMapping/>
   </p:clrMapOvr>
+  <p:transition spd="slow">
+    <p:push dir="d"/>
+  </p:transition>
   <p:timing>
     <p:tnLst>
       <p:par>
@@ -4124,7 +4509,7 @@
             <a:avLst/>
           </a:prstGeom>
           <a:solidFill>
-            <a:srgbClr val="198FE3"/>
+            <a:srgbClr val="1896F2"/>
           </a:solidFill>
           <a:ln>
             <a:noFill/>
@@ -4203,14 +4588,16 @@
           </a:xfrm>
         </p:spPr>
         <p:txBody>
-          <a:bodyPr/>
+          <a:bodyPr anchor="ctr">
+            <a:normAutofit/>
+          </a:bodyPr>
           <a:lstStyle/>
           <a:p>
             <a:pPr marL="0" lvl="0" indent="0" algn="ctr" fontAlgn="base">
               <a:buNone/>
             </a:pPr>
             <a:r>
-              <a:rPr lang="en-US" dirty="0" smtClean="0">
+              <a:rPr lang="en-US" sz="3600" dirty="0" smtClean="0">
                 <a:solidFill>
                   <a:srgbClr val="1582D2"/>
                 </a:solidFill>
@@ -4220,6 +4607,36 @@
           </a:p>
         </p:txBody>
       </p:sp>
+      <p:pic>
+        <p:nvPicPr>
+          <p:cNvPr id="6" name="Picture 5"/>
+          <p:cNvPicPr>
+            <a:picLocks noChangeAspect="1"/>
+          </p:cNvPicPr>
+          <p:nvPr/>
+        </p:nvPicPr>
+        <p:blipFill>
+          <a:blip r:embed="rId2">
+            <a:extLst>
+              <a:ext uri="{28A0092B-C50C-407E-A947-70E740481C1C}">
+                <a14:useLocalDpi xmlns:a14="http://schemas.microsoft.com/office/drawing/2010/main" val="0"/>
+              </a:ext>
+            </a:extLst>
+          </a:blip>
+          <a:stretch>
+            <a:fillRect/>
+          </a:stretch>
+        </p:blipFill>
+        <p:spPr>
+          <a:xfrm>
+            <a:off x="5413938" y="509218"/>
+            <a:ext cx="1364124" cy="399816"/>
+          </a:xfrm>
+          <a:prstGeom prst="rect">
+            <a:avLst/>
+          </a:prstGeom>
+        </p:spPr>
+      </p:pic>
     </p:spTree>
     <p:extLst>
       <p:ext uri="{BB962C8B-B14F-4D97-AF65-F5344CB8AC3E}">
@@ -4230,6 +4647,9 @@
   <p:clrMapOvr>
     <a:masterClrMapping/>
   </p:clrMapOvr>
+  <p:transition spd="slow">
+    <p:push dir="u"/>
+  </p:transition>
   <p:timing>
     <p:tnLst>
       <p:par>
@@ -4300,6 +4720,9 @@
   <p:clrMapOvr>
     <a:masterClrMapping/>
   </p:clrMapOvr>
+  <p:transition spd="slow">
+    <p:push dir="d"/>
+  </p:transition>
   <p:timing>
     <p:tnLst>
       <p:par>
@@ -4350,7 +4773,7 @@
             <a:avLst/>
           </a:prstGeom>
           <a:solidFill>
-            <a:srgbClr val="198FE3"/>
+            <a:srgbClr val="1896F2"/>
           </a:solidFill>
           <a:ln>
             <a:noFill/>
@@ -4429,23 +4852,60 @@
           </a:xfrm>
         </p:spPr>
         <p:txBody>
-          <a:bodyPr/>
+          <a:bodyPr anchor="ctr">
+            <a:normAutofit/>
+          </a:bodyPr>
           <a:lstStyle/>
           <a:p>
             <a:pPr marL="0" lvl="0" indent="0" algn="ctr" fontAlgn="base">
               <a:buNone/>
             </a:pPr>
             <a:r>
-              <a:rPr lang="en-US" dirty="0" smtClean="0">
+              <a:rPr lang="en-US" sz="3600" dirty="0" smtClean="0">
                 <a:solidFill>
                   <a:srgbClr val="1582D2"/>
                 </a:solidFill>
               </a:rPr>
-              <a:t>Create a behavioral model of customers and their friends with the use of deep learning </a:t>
-            </a:r>
-          </a:p>
-        </p:txBody>
-      </p:sp>
+              <a:t>Generate Intelligence to improve customer approach</a:t>
+            </a:r>
+            <a:endParaRPr lang="en-US" sz="3600" dirty="0" smtClean="0">
+              <a:solidFill>
+                <a:srgbClr val="1582D2"/>
+              </a:solidFill>
+            </a:endParaRPr>
+          </a:p>
+        </p:txBody>
+      </p:sp>
+      <p:pic>
+        <p:nvPicPr>
+          <p:cNvPr id="5" name="Picture 4"/>
+          <p:cNvPicPr>
+            <a:picLocks noChangeAspect="1"/>
+          </p:cNvPicPr>
+          <p:nvPr/>
+        </p:nvPicPr>
+        <p:blipFill>
+          <a:blip r:embed="rId2">
+            <a:extLst>
+              <a:ext uri="{28A0092B-C50C-407E-A947-70E740481C1C}">
+                <a14:useLocalDpi xmlns:a14="http://schemas.microsoft.com/office/drawing/2010/main" val="0"/>
+              </a:ext>
+            </a:extLst>
+          </a:blip>
+          <a:stretch>
+            <a:fillRect/>
+          </a:stretch>
+        </p:blipFill>
+        <p:spPr>
+          <a:xfrm>
+            <a:off x="5413938" y="509218"/>
+            <a:ext cx="1364124" cy="399816"/>
+          </a:xfrm>
+          <a:prstGeom prst="rect">
+            <a:avLst/>
+          </a:prstGeom>
+        </p:spPr>
+      </p:pic>
     </p:spTree>
     <p:extLst>
       <p:ext uri="{BB962C8B-B14F-4D97-AF65-F5344CB8AC3E}">
@@ -4456,6 +4916,9 @@
   <p:clrMapOvr>
     <a:masterClrMapping/>
   </p:clrMapOvr>
+  <p:transition spd="slow">
+    <p:push dir="u"/>
+  </p:transition>
   <p:timing>
     <p:tnLst>
       <p:par>
@@ -4496,6 +4959,352 @@
         <p:spPr>
           <a:xfrm>
             <a:off x="838200" y="2550368"/>
+            <a:ext cx="10515600" cy="2071396"/>
+          </a:xfrm>
+        </p:spPr>
+        <p:txBody>
+          <a:bodyPr anchor="ctr">
+            <a:normAutofit/>
+          </a:bodyPr>
+          <a:lstStyle/>
+          <a:p>
+            <a:pPr marL="0" indent="0" algn="ctr">
+              <a:buNone/>
+            </a:pPr>
+            <a:r>
+              <a:rPr lang="en-US" sz="4000" dirty="0" smtClean="0"/>
+              <a:t>What can it do?</a:t>
+            </a:r>
+            <a:endParaRPr lang="en-US" sz="4000" dirty="0"/>
+          </a:p>
+        </p:txBody>
+      </p:sp>
+    </p:spTree>
+    <p:extLst>
+      <p:ext uri="{BB962C8B-B14F-4D97-AF65-F5344CB8AC3E}">
+        <p14:creationId xmlns:p14="http://schemas.microsoft.com/office/powerpoint/2010/main" val="1101948172"/>
+      </p:ext>
+    </p:extLst>
+  </p:cSld>
+  <p:clrMapOvr>
+    <a:masterClrMapping/>
+  </p:clrMapOvr>
+  <p:transition spd="slow">
+    <p:push dir="d"/>
+  </p:transition>
+  <p:timing>
+    <p:tnLst>
+      <p:par>
+        <p:cTn id="1" dur="indefinite" restart="never" nodeType="tmRoot"/>
+      </p:par>
+    </p:tnLst>
+  </p:timing>
+</p:sld>
+</file>
+
+<file path=ppt/slides/slide19.xml><?xml version="1.0" encoding="utf-8"?>
+<p:sld xmlns:a="http://schemas.openxmlformats.org/drawingml/2006/main" xmlns:r="http://schemas.openxmlformats.org/officeDocument/2006/relationships" xmlns:p="http://schemas.openxmlformats.org/presentationml/2006/main">
+  <p:cSld>
+    <p:bg>
+      <p:bgPr>
+        <a:solidFill>
+          <a:schemeClr val="tx1"/>
+        </a:solidFill>
+        <a:effectLst/>
+      </p:bgPr>
+    </p:bg>
+    <p:spTree>
+      <p:nvGrpSpPr>
+        <p:cNvPr id="1" name=""/>
+        <p:cNvGrpSpPr/>
+        <p:nvPr/>
+      </p:nvGrpSpPr>
+      <p:grpSpPr>
+        <a:xfrm>
+          <a:off x="0" y="0"/>
+          <a:ext cx="0" cy="0"/>
+          <a:chOff x="0" y="0"/>
+          <a:chExt cx="0" cy="0"/>
+        </a:xfrm>
+      </p:grpSpPr>
+      <p:sp>
+        <p:nvSpPr>
+          <p:cNvPr id="4" name="Rectangle 3"/>
+          <p:cNvSpPr/>
+          <p:nvPr/>
+        </p:nvSpPr>
+        <p:spPr>
+          <a:xfrm>
+            <a:off x="0" y="0"/>
+            <a:ext cx="12192000" cy="1380931"/>
+          </a:xfrm>
+          <a:prstGeom prst="rect">
+            <a:avLst/>
+          </a:prstGeom>
+          <a:solidFill>
+            <a:srgbClr val="1896F2"/>
+          </a:solidFill>
+          <a:ln>
+            <a:noFill/>
+          </a:ln>
+          <a:effectLst>
+            <a:outerShdw blurRad="50800" dist="38100" dir="5400000" algn="t" rotWithShape="0">
+              <a:prstClr val="black">
+                <a:alpha val="40000"/>
+              </a:prstClr>
+            </a:outerShdw>
+          </a:effectLst>
+        </p:spPr>
+        <p:style>
+          <a:lnRef idx="2">
+            <a:schemeClr val="accent1">
+              <a:shade val="50000"/>
+            </a:schemeClr>
+          </a:lnRef>
+          <a:fillRef idx="1">
+            <a:schemeClr val="accent1"/>
+          </a:fillRef>
+          <a:effectRef idx="0">
+            <a:schemeClr val="accent1"/>
+          </a:effectRef>
+          <a:fontRef idx="minor">
+            <a:schemeClr val="lt1"/>
+          </a:fontRef>
+        </p:style>
+        <p:txBody>
+          <a:bodyPr rtlCol="0" anchor="ctr"/>
+          <a:lstStyle/>
+          <a:p>
+            <a:pPr algn="ctr"/>
+            <a:endParaRPr lang="en-US"/>
+          </a:p>
+        </p:txBody>
+      </p:sp>
+      <p:sp>
+        <p:nvSpPr>
+          <p:cNvPr id="2" name="Title 1"/>
+          <p:cNvSpPr>
+            <a:spLocks noGrp="1"/>
+          </p:cNvSpPr>
+          <p:nvPr>
+            <p:ph type="title"/>
+          </p:nvPr>
+        </p:nvSpPr>
+        <p:spPr>
+          <a:xfrm>
+            <a:off x="838200" y="205273"/>
+            <a:ext cx="10515600" cy="1007707"/>
+          </a:xfrm>
+        </p:spPr>
+        <p:txBody>
+          <a:bodyPr/>
+          <a:lstStyle/>
+          <a:p>
+            <a:endParaRPr lang="en-US" dirty="0"/>
+          </a:p>
+        </p:txBody>
+      </p:sp>
+      <p:sp>
+        <p:nvSpPr>
+          <p:cNvPr id="3" name="Content Placeholder 2"/>
+          <p:cNvSpPr>
+            <a:spLocks noGrp="1"/>
+          </p:cNvSpPr>
+          <p:nvPr>
+            <p:ph idx="1"/>
+          </p:nvPr>
+        </p:nvSpPr>
+        <p:spPr>
+          <a:xfrm>
+            <a:off x="838200" y="1586204"/>
+            <a:ext cx="10515600" cy="4590759"/>
+          </a:xfrm>
+        </p:spPr>
+        <p:txBody>
+          <a:bodyPr anchor="ctr">
+            <a:normAutofit/>
+          </a:bodyPr>
+          <a:lstStyle/>
+          <a:p>
+            <a:pPr marL="0" lvl="0" indent="0" algn="ctr" fontAlgn="base">
+              <a:buNone/>
+            </a:pPr>
+            <a:r>
+              <a:rPr lang="en-US" sz="3600" dirty="0" smtClean="0">
+                <a:solidFill>
+                  <a:srgbClr val="1582D2"/>
+                </a:solidFill>
+              </a:rPr>
+              <a:t>Create a behavioral model of customers and their friends with the use of deep learning </a:t>
+            </a:r>
+          </a:p>
+        </p:txBody>
+      </p:sp>
+      <p:pic>
+        <p:nvPicPr>
+          <p:cNvPr id="5" name="Picture 4"/>
+          <p:cNvPicPr>
+            <a:picLocks noChangeAspect="1"/>
+          </p:cNvPicPr>
+          <p:nvPr/>
+        </p:nvPicPr>
+        <p:blipFill>
+          <a:blip r:embed="rId2">
+            <a:extLst>
+              <a:ext uri="{28A0092B-C50C-407E-A947-70E740481C1C}">
+                <a14:useLocalDpi xmlns:a14="http://schemas.microsoft.com/office/drawing/2010/main" val="0"/>
+              </a:ext>
+            </a:extLst>
+          </a:blip>
+          <a:stretch>
+            <a:fillRect/>
+          </a:stretch>
+        </p:blipFill>
+        <p:spPr>
+          <a:xfrm>
+            <a:off x="5413938" y="509218"/>
+            <a:ext cx="1364124" cy="399816"/>
+          </a:xfrm>
+          <a:prstGeom prst="rect">
+            <a:avLst/>
+          </a:prstGeom>
+        </p:spPr>
+      </p:pic>
+    </p:spTree>
+    <p:extLst>
+      <p:ext uri="{BB962C8B-B14F-4D97-AF65-F5344CB8AC3E}">
+        <p14:creationId xmlns:p14="http://schemas.microsoft.com/office/powerpoint/2010/main" val="543955076"/>
+      </p:ext>
+    </p:extLst>
+  </p:cSld>
+  <p:clrMapOvr>
+    <a:masterClrMapping/>
+  </p:clrMapOvr>
+  <p:transition spd="slow">
+    <p:push dir="u"/>
+  </p:transition>
+  <p:timing>
+    <p:tnLst>
+      <p:par>
+        <p:cTn id="1" dur="indefinite" restart="never" nodeType="tmRoot"/>
+      </p:par>
+    </p:tnLst>
+  </p:timing>
+</p:sld>
+</file>
+
+<file path=ppt/slides/slide2.xml><?xml version="1.0" encoding="utf-8"?>
+<p:sld xmlns:a="http://schemas.openxmlformats.org/drawingml/2006/main" xmlns:r="http://schemas.openxmlformats.org/officeDocument/2006/relationships" xmlns:p="http://schemas.openxmlformats.org/presentationml/2006/main">
+  <p:cSld>
+    <p:spTree>
+      <p:nvGrpSpPr>
+        <p:cNvPr id="1" name=""/>
+        <p:cNvGrpSpPr/>
+        <p:nvPr/>
+      </p:nvGrpSpPr>
+      <p:grpSpPr>
+        <a:xfrm>
+          <a:off x="0" y="0"/>
+          <a:ext cx="0" cy="0"/>
+          <a:chOff x="0" y="0"/>
+          <a:chExt cx="0" cy="0"/>
+        </a:xfrm>
+      </p:grpSpPr>
+      <p:sp>
+        <p:nvSpPr>
+          <p:cNvPr id="2" name="Title 1"/>
+          <p:cNvSpPr>
+            <a:spLocks noGrp="1"/>
+          </p:cNvSpPr>
+          <p:nvPr>
+            <p:ph type="title"/>
+          </p:nvPr>
+        </p:nvSpPr>
+        <p:spPr/>
+        <p:txBody>
+          <a:bodyPr/>
+          <a:lstStyle/>
+          <a:p>
+            <a:r>
+              <a:rPr lang="en-US" dirty="0" smtClean="0"/>
+              <a:t>The problem</a:t>
+            </a:r>
+            <a:endParaRPr lang="en-US" dirty="0"/>
+          </a:p>
+        </p:txBody>
+      </p:sp>
+      <p:sp>
+        <p:nvSpPr>
+          <p:cNvPr id="3" name="Text Placeholder 2"/>
+          <p:cNvSpPr>
+            <a:spLocks noGrp="1"/>
+          </p:cNvSpPr>
+          <p:nvPr>
+            <p:ph type="body" idx="1"/>
+          </p:nvPr>
+        </p:nvSpPr>
+        <p:spPr/>
+        <p:txBody>
+          <a:bodyPr/>
+          <a:lstStyle/>
+          <a:p>
+            <a:endParaRPr lang="en-US" dirty="0"/>
+          </a:p>
+        </p:txBody>
+      </p:sp>
+    </p:spTree>
+    <p:extLst>
+      <p:ext uri="{BB962C8B-B14F-4D97-AF65-F5344CB8AC3E}">
+        <p14:creationId xmlns:p14="http://schemas.microsoft.com/office/powerpoint/2010/main" val="1044140045"/>
+      </p:ext>
+    </p:extLst>
+  </p:cSld>
+  <p:clrMapOvr>
+    <a:masterClrMapping/>
+  </p:clrMapOvr>
+  <p:transition spd="slow">
+    <p:push dir="u"/>
+  </p:transition>
+  <p:timing>
+    <p:tnLst>
+      <p:par>
+        <p:cTn id="1" dur="indefinite" restart="never" nodeType="tmRoot"/>
+      </p:par>
+    </p:tnLst>
+  </p:timing>
+</p:sld>
+</file>
+
+<file path=ppt/slides/slide20.xml><?xml version="1.0" encoding="utf-8"?>
+<p:sld xmlns:a="http://schemas.openxmlformats.org/drawingml/2006/main" xmlns:r="http://schemas.openxmlformats.org/officeDocument/2006/relationships" xmlns:p="http://schemas.openxmlformats.org/presentationml/2006/main">
+  <p:cSld>
+    <p:spTree>
+      <p:nvGrpSpPr>
+        <p:cNvPr id="1" name=""/>
+        <p:cNvGrpSpPr/>
+        <p:nvPr/>
+      </p:nvGrpSpPr>
+      <p:grpSpPr>
+        <a:xfrm>
+          <a:off x="0" y="0"/>
+          <a:ext cx="0" cy="0"/>
+          <a:chOff x="0" y="0"/>
+          <a:chExt cx="0" cy="0"/>
+        </a:xfrm>
+      </p:grpSpPr>
+      <p:sp>
+        <p:nvSpPr>
+          <p:cNvPr id="3" name="Content Placeholder 2"/>
+          <p:cNvSpPr>
+            <a:spLocks noGrp="1"/>
+          </p:cNvSpPr>
+          <p:nvPr>
+            <p:ph idx="1"/>
+          </p:nvPr>
+        </p:nvSpPr>
+        <p:spPr>
+          <a:xfrm>
+            <a:off x="838200" y="2550368"/>
             <a:ext cx="10515600" cy="1129810"/>
           </a:xfrm>
         </p:spPr>
@@ -4526,7 +5335,7 @@
         </p:nvSpPr>
         <p:spPr>
           <a:xfrm>
-            <a:off x="838200" y="3115273"/>
+            <a:off x="838200" y="3201771"/>
             <a:ext cx="10515600" cy="1129810"/>
           </a:xfrm>
           <a:prstGeom prst="rect">
@@ -4724,7 +5533,7 @@
         </p:nvSpPr>
         <p:spPr>
           <a:xfrm>
-            <a:off x="838200" y="3782699"/>
+            <a:off x="838200" y="3201771"/>
             <a:ext cx="10515600" cy="1129810"/>
           </a:xfrm>
           <a:prstGeom prst="rect">
@@ -4922,17 +5731,358 @@
   <p:clrMapOvr>
     <a:masterClrMapping/>
   </p:clrMapOvr>
+  <p:transition spd="slow">
+    <p:push dir="d"/>
+  </p:transition>
   <p:timing>
     <p:tnLst>
       <p:par>
-        <p:cTn id="1" dur="indefinite" restart="never" nodeType="tmRoot"/>
+        <p:cTn id="1" dur="indefinite" restart="never" nodeType="tmRoot">
+          <p:childTnLst>
+            <p:seq concurrent="1" nextAc="seek">
+              <p:cTn id="2" dur="indefinite" nodeType="mainSeq">
+                <p:childTnLst>
+                  <p:par>
+                    <p:cTn id="3" fill="hold">
+                      <p:stCondLst>
+                        <p:cond delay="indefinite"/>
+                      </p:stCondLst>
+                      <p:childTnLst>
+                        <p:par>
+                          <p:cTn id="4" fill="hold">
+                            <p:stCondLst>
+                              <p:cond delay="0"/>
+                            </p:stCondLst>
+                            <p:childTnLst>
+                              <p:par>
+                                <p:cTn id="5" presetID="42" presetClass="entr" presetSubtype="0" fill="hold" nodeType="clickEffect">
+                                  <p:stCondLst>
+                                    <p:cond delay="0"/>
+                                  </p:stCondLst>
+                                  <p:childTnLst>
+                                    <p:set>
+                                      <p:cBhvr>
+                                        <p:cTn id="6" dur="1" fill="hold">
+                                          <p:stCondLst>
+                                            <p:cond delay="0"/>
+                                          </p:stCondLst>
+                                        </p:cTn>
+                                        <p:tgtEl>
+                                          <p:spTgt spid="4">
+                                            <p:txEl>
+                                              <p:pRg st="0" end="0"/>
+                                            </p:txEl>
+                                          </p:spTgt>
+                                        </p:tgtEl>
+                                        <p:attrNameLst>
+                                          <p:attrName>style.visibility</p:attrName>
+                                        </p:attrNameLst>
+                                      </p:cBhvr>
+                                      <p:to>
+                                        <p:strVal val="visible"/>
+                                      </p:to>
+                                    </p:set>
+                                    <p:animEffect transition="in" filter="fade">
+                                      <p:cBhvr>
+                                        <p:cTn id="7" dur="250"/>
+                                        <p:tgtEl>
+                                          <p:spTgt spid="4">
+                                            <p:txEl>
+                                              <p:pRg st="0" end="0"/>
+                                            </p:txEl>
+                                          </p:spTgt>
+                                        </p:tgtEl>
+                                      </p:cBhvr>
+                                    </p:animEffect>
+                                    <p:anim calcmode="lin" valueType="num">
+                                      <p:cBhvr>
+                                        <p:cTn id="8" dur="250" fill="hold"/>
+                                        <p:tgtEl>
+                                          <p:spTgt spid="4">
+                                            <p:txEl>
+                                              <p:pRg st="0" end="0"/>
+                                            </p:txEl>
+                                          </p:spTgt>
+                                        </p:tgtEl>
+                                        <p:attrNameLst>
+                                          <p:attrName>ppt_x</p:attrName>
+                                        </p:attrNameLst>
+                                      </p:cBhvr>
+                                      <p:tavLst>
+                                        <p:tav tm="0">
+                                          <p:val>
+                                            <p:strVal val="#ppt_x"/>
+                                          </p:val>
+                                        </p:tav>
+                                        <p:tav tm="100000">
+                                          <p:val>
+                                            <p:strVal val="#ppt_x"/>
+                                          </p:val>
+                                        </p:tav>
+                                      </p:tavLst>
+                                    </p:anim>
+                                    <p:anim calcmode="lin" valueType="num">
+                                      <p:cBhvr>
+                                        <p:cTn id="9" dur="250" fill="hold"/>
+                                        <p:tgtEl>
+                                          <p:spTgt spid="4">
+                                            <p:txEl>
+                                              <p:pRg st="0" end="0"/>
+                                            </p:txEl>
+                                          </p:spTgt>
+                                        </p:tgtEl>
+                                        <p:attrNameLst>
+                                          <p:attrName>ppt_y</p:attrName>
+                                        </p:attrNameLst>
+                                      </p:cBhvr>
+                                      <p:tavLst>
+                                        <p:tav tm="0">
+                                          <p:val>
+                                            <p:strVal val="#ppt_y+.1"/>
+                                          </p:val>
+                                        </p:tav>
+                                        <p:tav tm="100000">
+                                          <p:val>
+                                            <p:strVal val="#ppt_y"/>
+                                          </p:val>
+                                        </p:tav>
+                                      </p:tavLst>
+                                    </p:anim>
+                                  </p:childTnLst>
+                                </p:cTn>
+                              </p:par>
+                            </p:childTnLst>
+                          </p:cTn>
+                        </p:par>
+                      </p:childTnLst>
+                    </p:cTn>
+                  </p:par>
+                  <p:par>
+                    <p:cTn id="10" fill="hold">
+                      <p:stCondLst>
+                        <p:cond delay="indefinite"/>
+                      </p:stCondLst>
+                      <p:childTnLst>
+                        <p:par>
+                          <p:cTn id="11" fill="hold">
+                            <p:stCondLst>
+                              <p:cond delay="0"/>
+                            </p:stCondLst>
+                            <p:childTnLst>
+                              <p:par>
+                                <p:cTn id="12" presetID="47" presetClass="exit" presetSubtype="0" fill="hold" grpId="0" nodeType="clickEffect">
+                                  <p:stCondLst>
+                                    <p:cond delay="0"/>
+                                  </p:stCondLst>
+                                  <p:childTnLst>
+                                    <p:animEffect transition="out" filter="fade">
+                                      <p:cBhvr>
+                                        <p:cTn id="13" dur="250"/>
+                                        <p:tgtEl>
+                                          <p:spTgt spid="4">
+                                            <p:txEl>
+                                              <p:pRg st="0" end="0"/>
+                                            </p:txEl>
+                                          </p:spTgt>
+                                        </p:tgtEl>
+                                      </p:cBhvr>
+                                    </p:animEffect>
+                                    <p:anim calcmode="lin" valueType="num">
+                                      <p:cBhvr>
+                                        <p:cTn id="14" dur="250"/>
+                                        <p:tgtEl>
+                                          <p:spTgt spid="4">
+                                            <p:txEl>
+                                              <p:pRg st="0" end="0"/>
+                                            </p:txEl>
+                                          </p:spTgt>
+                                        </p:tgtEl>
+                                        <p:attrNameLst>
+                                          <p:attrName>ppt_x</p:attrName>
+                                        </p:attrNameLst>
+                                      </p:cBhvr>
+                                      <p:tavLst>
+                                        <p:tav tm="0">
+                                          <p:val>
+                                            <p:strVal val="ppt_x"/>
+                                          </p:val>
+                                        </p:tav>
+                                        <p:tav tm="100000">
+                                          <p:val>
+                                            <p:strVal val="ppt_x"/>
+                                          </p:val>
+                                        </p:tav>
+                                      </p:tavLst>
+                                    </p:anim>
+                                    <p:anim calcmode="lin" valueType="num">
+                                      <p:cBhvr>
+                                        <p:cTn id="15" dur="250"/>
+                                        <p:tgtEl>
+                                          <p:spTgt spid="4">
+                                            <p:txEl>
+                                              <p:pRg st="0" end="0"/>
+                                            </p:txEl>
+                                          </p:spTgt>
+                                        </p:tgtEl>
+                                        <p:attrNameLst>
+                                          <p:attrName>ppt_y</p:attrName>
+                                        </p:attrNameLst>
+                                      </p:cBhvr>
+                                      <p:tavLst>
+                                        <p:tav tm="0">
+                                          <p:val>
+                                            <p:strVal val="ppt_y"/>
+                                          </p:val>
+                                        </p:tav>
+                                        <p:tav tm="100000">
+                                          <p:val>
+                                            <p:strVal val="ppt_y-.1"/>
+                                          </p:val>
+                                        </p:tav>
+                                      </p:tavLst>
+                                    </p:anim>
+                                    <p:set>
+                                      <p:cBhvr>
+                                        <p:cTn id="16" dur="1" fill="hold">
+                                          <p:stCondLst>
+                                            <p:cond delay="249"/>
+                                          </p:stCondLst>
+                                        </p:cTn>
+                                        <p:tgtEl>
+                                          <p:spTgt spid="4">
+                                            <p:txEl>
+                                              <p:pRg st="0" end="0"/>
+                                            </p:txEl>
+                                          </p:spTgt>
+                                        </p:tgtEl>
+                                        <p:attrNameLst>
+                                          <p:attrName>style.visibility</p:attrName>
+                                        </p:attrNameLst>
+                                      </p:cBhvr>
+                                      <p:to>
+                                        <p:strVal val="hidden"/>
+                                      </p:to>
+                                    </p:set>
+                                  </p:childTnLst>
+                                </p:cTn>
+                              </p:par>
+                              <p:par>
+                                <p:cTn id="17" presetID="42" presetClass="entr" presetSubtype="0" fill="hold" grpId="0" nodeType="withEffect">
+                                  <p:stCondLst>
+                                    <p:cond delay="0"/>
+                                  </p:stCondLst>
+                                  <p:childTnLst>
+                                    <p:set>
+                                      <p:cBhvr>
+                                        <p:cTn id="18" dur="1" fill="hold">
+                                          <p:stCondLst>
+                                            <p:cond delay="0"/>
+                                          </p:stCondLst>
+                                        </p:cTn>
+                                        <p:tgtEl>
+                                          <p:spTgt spid="5"/>
+                                        </p:tgtEl>
+                                        <p:attrNameLst>
+                                          <p:attrName>style.visibility</p:attrName>
+                                        </p:attrNameLst>
+                                      </p:cBhvr>
+                                      <p:to>
+                                        <p:strVal val="visible"/>
+                                      </p:to>
+                                    </p:set>
+                                    <p:animEffect transition="in" filter="fade">
+                                      <p:cBhvr>
+                                        <p:cTn id="19" dur="250"/>
+                                        <p:tgtEl>
+                                          <p:spTgt spid="5"/>
+                                        </p:tgtEl>
+                                      </p:cBhvr>
+                                    </p:animEffect>
+                                    <p:anim calcmode="lin" valueType="num">
+                                      <p:cBhvr>
+                                        <p:cTn id="20" dur="250" fill="hold"/>
+                                        <p:tgtEl>
+                                          <p:spTgt spid="5"/>
+                                        </p:tgtEl>
+                                        <p:attrNameLst>
+                                          <p:attrName>ppt_x</p:attrName>
+                                        </p:attrNameLst>
+                                      </p:cBhvr>
+                                      <p:tavLst>
+                                        <p:tav tm="0">
+                                          <p:val>
+                                            <p:strVal val="#ppt_x"/>
+                                          </p:val>
+                                        </p:tav>
+                                        <p:tav tm="100000">
+                                          <p:val>
+                                            <p:strVal val="#ppt_x"/>
+                                          </p:val>
+                                        </p:tav>
+                                      </p:tavLst>
+                                    </p:anim>
+                                    <p:anim calcmode="lin" valueType="num">
+                                      <p:cBhvr>
+                                        <p:cTn id="21" dur="250" fill="hold"/>
+                                        <p:tgtEl>
+                                          <p:spTgt spid="5"/>
+                                        </p:tgtEl>
+                                        <p:attrNameLst>
+                                          <p:attrName>ppt_y</p:attrName>
+                                        </p:attrNameLst>
+                                      </p:cBhvr>
+                                      <p:tavLst>
+                                        <p:tav tm="0">
+                                          <p:val>
+                                            <p:strVal val="#ppt_y+.1"/>
+                                          </p:val>
+                                        </p:tav>
+                                        <p:tav tm="100000">
+                                          <p:val>
+                                            <p:strVal val="#ppt_y"/>
+                                          </p:val>
+                                        </p:tav>
+                                      </p:tavLst>
+                                    </p:anim>
+                                  </p:childTnLst>
+                                </p:cTn>
+                              </p:par>
+                            </p:childTnLst>
+                          </p:cTn>
+                        </p:par>
+                      </p:childTnLst>
+                    </p:cTn>
+                  </p:par>
+                </p:childTnLst>
+              </p:cTn>
+              <p:prevCondLst>
+                <p:cond evt="onPrev" delay="0">
+                  <p:tgtEl>
+                    <p:sldTgt/>
+                  </p:tgtEl>
+                </p:cond>
+              </p:prevCondLst>
+              <p:nextCondLst>
+                <p:cond evt="onNext" delay="0">
+                  <p:tgtEl>
+                    <p:sldTgt/>
+                  </p:tgtEl>
+                </p:cond>
+              </p:nextCondLst>
+            </p:seq>
+          </p:childTnLst>
+        </p:cTn>
       </p:par>
     </p:tnLst>
+    <p:bldLst>
+      <p:bldP spid="4" grpId="0" build="allAtOnce"/>
+      <p:bldP spid="5" grpId="0"/>
+    </p:bldLst>
   </p:timing>
 </p:sld>
 </file>
 
-<file path=ppt/slides/slide19.xml><?xml version="1.0" encoding="utf-8"?>
+<file path=ppt/slides/slide21.xml><?xml version="1.0" encoding="utf-8"?>
 <p:sld xmlns:a="http://schemas.openxmlformats.org/drawingml/2006/main" xmlns:r="http://schemas.openxmlformats.org/officeDocument/2006/relationships" xmlns:p="http://schemas.openxmlformats.org/presentationml/2006/main">
   <p:cSld>
     <p:spTree>
@@ -4966,7 +6116,7 @@
           <a:p>
             <a:r>
               <a:rPr lang="en-US" dirty="0" smtClean="0"/>
-              <a:t>Demo</a:t>
+              <a:t>Technical Details</a:t>
             </a:r>
             <a:endParaRPr lang="en-US" dirty="0"/>
           </a:p>
@@ -4987,24 +6137,34 @@
           <a:bodyPr/>
           <a:lstStyle/>
           <a:p>
-            <a:endParaRPr lang="en-US" dirty="0"/>
+            <a:endParaRPr lang="en-US"/>
           </a:p>
         </p:txBody>
       </p:sp>
     </p:spTree>
     <p:extLst>
       <p:ext uri="{BB962C8B-B14F-4D97-AF65-F5344CB8AC3E}">
-        <p14:creationId xmlns:p14="http://schemas.microsoft.com/office/powerpoint/2010/main" val="1006088611"/>
+        <p14:creationId xmlns:p14="http://schemas.microsoft.com/office/powerpoint/2010/main" val="437836560"/>
       </p:ext>
     </p:extLst>
   </p:cSld>
   <p:clrMapOvr>
     <a:masterClrMapping/>
   </p:clrMapOvr>
+  <p:transition spd="med">
+    <p:pull/>
+  </p:transition>
+  <p:timing>
+    <p:tnLst>
+      <p:par>
+        <p:cTn id="1" dur="indefinite" restart="never" nodeType="tmRoot"/>
+      </p:par>
+    </p:tnLst>
+  </p:timing>
 </p:sld>
 </file>
 
-<file path=ppt/slides/slide2.xml><?xml version="1.0" encoding="utf-8"?>
+<file path=ppt/slides/slide22.xml><?xml version="1.0" encoding="utf-8"?>
 <p:sld xmlns:a="http://schemas.openxmlformats.org/drawingml/2006/main" xmlns:r="http://schemas.openxmlformats.org/officeDocument/2006/relationships" xmlns:p="http://schemas.openxmlformats.org/presentationml/2006/main">
   <p:cSld>
     <p:spTree>
@@ -5023,50 +6183,142 @@
       </p:grpSpPr>
       <p:sp>
         <p:nvSpPr>
-          <p:cNvPr id="2" name="Title 1"/>
-          <p:cNvSpPr>
-            <a:spLocks noGrp="1"/>
-          </p:cNvSpPr>
-          <p:nvPr>
-            <p:ph type="title"/>
-          </p:nvPr>
-        </p:nvSpPr>
-        <p:spPr/>
-        <p:txBody>
-          <a:bodyPr/>
-          <a:lstStyle/>
-          <a:p>
+          <p:cNvPr id="3" name="Content Placeholder 2"/>
+          <p:cNvSpPr>
+            <a:spLocks noGrp="1"/>
+          </p:cNvSpPr>
+          <p:nvPr>
+            <p:ph idx="1"/>
+          </p:nvPr>
+        </p:nvSpPr>
+        <p:spPr>
+          <a:xfrm>
+            <a:off x="838200" y="825500"/>
+            <a:ext cx="10515600" cy="5351463"/>
+          </a:xfrm>
+        </p:spPr>
+        <p:txBody>
+          <a:bodyPr anchor="ctr"/>
+          <a:lstStyle/>
+          <a:p>
+            <a:pPr>
+              <a:buFont typeface="Wingdings" charset="2"/>
+              <a:buChar char="§"/>
+            </a:pPr>
             <a:r>
               <a:rPr lang="en-US" dirty="0" smtClean="0"/>
-              <a:t>The problem</a:t>
-            </a:r>
-            <a:endParaRPr lang="en-US" dirty="0"/>
-          </a:p>
-        </p:txBody>
-      </p:sp>
-      <p:sp>
-        <p:nvSpPr>
-          <p:cNvPr id="3" name="Text Placeholder 2"/>
-          <p:cNvSpPr>
-            <a:spLocks noGrp="1"/>
-          </p:cNvSpPr>
-          <p:nvPr>
-            <p:ph type="body" idx="1"/>
-          </p:nvPr>
-        </p:nvSpPr>
-        <p:spPr/>
-        <p:txBody>
-          <a:bodyPr/>
-          <a:lstStyle/>
-          <a:p>
-            <a:endParaRPr lang="en-US" dirty="0"/>
+              <a:t> Dataset	</a:t>
+            </a:r>
+            <a:r>
+              <a:rPr lang="en-US" dirty="0"/>
+              <a:t>	</a:t>
+            </a:r>
+            <a:r>
+              <a:rPr lang="en-US" dirty="0" err="1" smtClean="0"/>
+              <a:t>Kaggle</a:t>
+            </a:r>
+            <a:r>
+              <a:rPr lang="en-US" dirty="0" smtClean="0"/>
+              <a:t/>
+            </a:r>
+            <a:br>
+              <a:rPr lang="en-US" dirty="0" smtClean="0"/>
+            </a:br>
+            <a:r>
+              <a:rPr lang="en-US" dirty="0" smtClean="0"/>
+              <a:t>			United </a:t>
+            </a:r>
+            <a:r>
+              <a:rPr lang="en-US" dirty="0"/>
+              <a:t>States </a:t>
+            </a:r>
+            <a:r>
+              <a:rPr lang="en-US" dirty="0" smtClean="0"/>
+              <a:t>Bank</a:t>
+            </a:r>
+            <a:br>
+              <a:rPr lang="en-US" dirty="0" smtClean="0"/>
+            </a:br>
+            <a:r>
+              <a:rPr lang="en-US" dirty="0" smtClean="0"/>
+              <a:t>			5000 entries</a:t>
+            </a:r>
+          </a:p>
+          <a:p>
+            <a:pPr>
+              <a:buFont typeface="Wingdings" charset="2"/>
+              <a:buChar char="§"/>
+            </a:pPr>
+            <a:r>
+              <a:rPr lang="en-US" dirty="0" smtClean="0"/>
+              <a:t> Frameworks	SCIKIT-Learn, Machine Learning in Python</a:t>
+            </a:r>
+            <a:br>
+              <a:rPr lang="en-US" dirty="0" smtClean="0"/>
+            </a:br>
+            <a:r>
+              <a:rPr lang="en-US" dirty="0" smtClean="0"/>
+              <a:t>				</a:t>
+            </a:r>
+            <a:r>
+              <a:rPr lang="en-US" sz="2400" dirty="0" smtClean="0"/>
+              <a:t>Gradient Boosting Decision Tree Algorithm</a:t>
+            </a:r>
+            <a:r>
+              <a:rPr lang="en-US" dirty="0" smtClean="0"/>
+              <a:t/>
+            </a:r>
+            <a:br>
+              <a:rPr lang="en-US" dirty="0" smtClean="0"/>
+            </a:br>
+            <a:r>
+              <a:rPr lang="en-US" dirty="0" smtClean="0"/>
+              <a:t>			Bootstrap Framework</a:t>
+            </a:r>
+          </a:p>
+          <a:p>
+            <a:pPr>
+              <a:buFont typeface="Wingdings" charset="2"/>
+              <a:buChar char="§"/>
+            </a:pPr>
+            <a:r>
+              <a:rPr lang="en-US" dirty="0" smtClean="0"/>
+              <a:t> Platform		Web Based Technologies</a:t>
+            </a:r>
+            <a:br>
+              <a:rPr lang="en-US" dirty="0" smtClean="0"/>
+            </a:br>
+            <a:r>
+              <a:rPr lang="en-US" dirty="0" smtClean="0"/>
+              <a:t>			</a:t>
+            </a:r>
+            <a:r>
+              <a:rPr lang="en-US" sz="2400" dirty="0"/>
+              <a:t>	</a:t>
+            </a:r>
+            <a:r>
+              <a:rPr lang="en-US" sz="2400" dirty="0" smtClean="0"/>
+              <a:t>HTML, CSS, JQuery, </a:t>
+            </a:r>
+            <a:r>
+              <a:rPr lang="en-US" sz="2400" dirty="0" err="1" smtClean="0"/>
+              <a:t>HighCharts</a:t>
+            </a:r>
+            <a:r>
+              <a:rPr lang="en-US" sz="2400" dirty="0" smtClean="0"/>
+              <a:t/>
+            </a:r>
+            <a:br>
+              <a:rPr lang="en-US" sz="2400" dirty="0" smtClean="0"/>
+            </a:br>
+            <a:endParaRPr lang="en-US" sz="2400" dirty="0" smtClean="0"/>
           </a:p>
         </p:txBody>
       </p:sp>
     </p:spTree>
     <p:extLst>
       <p:ext uri="{BB962C8B-B14F-4D97-AF65-F5344CB8AC3E}">
-        <p14:creationId xmlns:p14="http://schemas.microsoft.com/office/powerpoint/2010/main" val="1044140045"/>
+        <p14:creationId xmlns:p14="http://schemas.microsoft.com/office/powerpoint/2010/main" val="1666407181"/>
       </p:ext>
     </p:extLst>
   </p:cSld>
@@ -5079,14 +6331,184 @@
   <p:timing>
     <p:tnLst>
       <p:par>
-        <p:cTn id="1" dur="indefinite" restart="never" nodeType="tmRoot"/>
+        <p:cTn id="1" dur="indefinite" restart="never" nodeType="tmRoot">
+          <p:childTnLst>
+            <p:seq concurrent="1" nextAc="seek">
+              <p:cTn id="2" dur="indefinite" nodeType="mainSeq">
+                <p:childTnLst>
+                  <p:par>
+                    <p:cTn id="3" fill="hold">
+                      <p:stCondLst>
+                        <p:cond delay="indefinite"/>
+                      </p:stCondLst>
+                      <p:childTnLst>
+                        <p:par>
+                          <p:cTn id="4" fill="hold">
+                            <p:stCondLst>
+                              <p:cond delay="0"/>
+                            </p:stCondLst>
+                            <p:childTnLst>
+                              <p:par>
+                                <p:cTn id="5" presetID="1" presetClass="entr" presetSubtype="0" fill="hold" nodeType="clickEffect">
+                                  <p:stCondLst>
+                                    <p:cond delay="0"/>
+                                  </p:stCondLst>
+                                  <p:childTnLst>
+                                    <p:set>
+                                      <p:cBhvr>
+                                        <p:cTn id="6" dur="1" fill="hold">
+                                          <p:stCondLst>
+                                            <p:cond delay="0"/>
+                                          </p:stCondLst>
+                                        </p:cTn>
+                                        <p:tgtEl>
+                                          <p:spTgt spid="3">
+                                            <p:txEl>
+                                              <p:pRg st="0" end="0"/>
+                                            </p:txEl>
+                                          </p:spTgt>
+                                        </p:tgtEl>
+                                        <p:attrNameLst>
+                                          <p:attrName>style.visibility</p:attrName>
+                                        </p:attrNameLst>
+                                      </p:cBhvr>
+                                      <p:to>
+                                        <p:strVal val="visible"/>
+                                      </p:to>
+                                    </p:set>
+                                  </p:childTnLst>
+                                </p:cTn>
+                              </p:par>
+                            </p:childTnLst>
+                          </p:cTn>
+                        </p:par>
+                      </p:childTnLst>
+                    </p:cTn>
+                  </p:par>
+                  <p:par>
+                    <p:cTn id="7" fill="hold">
+                      <p:stCondLst>
+                        <p:cond delay="indefinite"/>
+                      </p:stCondLst>
+                      <p:childTnLst>
+                        <p:par>
+                          <p:cTn id="8" fill="hold">
+                            <p:stCondLst>
+                              <p:cond delay="0"/>
+                            </p:stCondLst>
+                            <p:childTnLst>
+                              <p:par>
+                                <p:cTn id="9" presetID="1" presetClass="entr" presetSubtype="0" fill="hold" nodeType="clickEffect">
+                                  <p:stCondLst>
+                                    <p:cond delay="0"/>
+                                  </p:stCondLst>
+                                  <p:childTnLst>
+                                    <p:set>
+                                      <p:cBhvr>
+                                        <p:cTn id="10" dur="1" fill="hold">
+                                          <p:stCondLst>
+                                            <p:cond delay="0"/>
+                                          </p:stCondLst>
+                                        </p:cTn>
+                                        <p:tgtEl>
+                                          <p:spTgt spid="3">
+                                            <p:txEl>
+                                              <p:pRg st="1" end="1"/>
+                                            </p:txEl>
+                                          </p:spTgt>
+                                        </p:tgtEl>
+                                        <p:attrNameLst>
+                                          <p:attrName>style.visibility</p:attrName>
+                                        </p:attrNameLst>
+                                      </p:cBhvr>
+                                      <p:to>
+                                        <p:strVal val="visible"/>
+                                      </p:to>
+                                    </p:set>
+                                  </p:childTnLst>
+                                </p:cTn>
+                              </p:par>
+                            </p:childTnLst>
+                          </p:cTn>
+                        </p:par>
+                      </p:childTnLst>
+                    </p:cTn>
+                  </p:par>
+                  <p:par>
+                    <p:cTn id="11" fill="hold">
+                      <p:stCondLst>
+                        <p:cond delay="indefinite"/>
+                      </p:stCondLst>
+                      <p:childTnLst>
+                        <p:par>
+                          <p:cTn id="12" fill="hold">
+                            <p:stCondLst>
+                              <p:cond delay="0"/>
+                            </p:stCondLst>
+                            <p:childTnLst>
+                              <p:par>
+                                <p:cTn id="13" presetID="1" presetClass="entr" presetSubtype="0" fill="hold" nodeType="clickEffect">
+                                  <p:stCondLst>
+                                    <p:cond delay="0"/>
+                                  </p:stCondLst>
+                                  <p:childTnLst>
+                                    <p:set>
+                                      <p:cBhvr>
+                                        <p:cTn id="14" dur="1" fill="hold">
+                                          <p:stCondLst>
+                                            <p:cond delay="0"/>
+                                          </p:stCondLst>
+                                        </p:cTn>
+                                        <p:tgtEl>
+                                          <p:spTgt spid="3">
+                                            <p:txEl>
+                                              <p:pRg st="2" end="2"/>
+                                            </p:txEl>
+                                          </p:spTgt>
+                                        </p:tgtEl>
+                                        <p:attrNameLst>
+                                          <p:attrName>style.visibility</p:attrName>
+                                        </p:attrNameLst>
+                                      </p:cBhvr>
+                                      <p:to>
+                                        <p:strVal val="visible"/>
+                                      </p:to>
+                                    </p:set>
+                                  </p:childTnLst>
+                                </p:cTn>
+                              </p:par>
+                            </p:childTnLst>
+                          </p:cTn>
+                        </p:par>
+                      </p:childTnLst>
+                    </p:cTn>
+                  </p:par>
+                </p:childTnLst>
+              </p:cTn>
+              <p:prevCondLst>
+                <p:cond evt="onPrev" delay="0">
+                  <p:tgtEl>
+                    <p:sldTgt/>
+                  </p:tgtEl>
+                </p:cond>
+              </p:prevCondLst>
+              <p:nextCondLst>
+                <p:cond evt="onNext" delay="0">
+                  <p:tgtEl>
+                    <p:sldTgt/>
+                  </p:tgtEl>
+                </p:cond>
+              </p:nextCondLst>
+            </p:seq>
+          </p:childTnLst>
+        </p:cTn>
       </p:par>
     </p:tnLst>
   </p:timing>
 </p:sld>
 </file>
 
-<file path=ppt/slides/slide20.xml><?xml version="1.0" encoding="utf-8"?>
+<file path=ppt/slides/slide23.xml><?xml version="1.0" encoding="utf-8"?>
 <p:sld xmlns:a="http://schemas.openxmlformats.org/drawingml/2006/main" xmlns:r="http://schemas.openxmlformats.org/officeDocument/2006/relationships" xmlns:p="http://schemas.openxmlformats.org/presentationml/2006/main">
   <p:cSld>
     <p:spTree>
@@ -5120,6 +6542,879 @@
           <a:p>
             <a:r>
               <a:rPr lang="en-US" dirty="0" smtClean="0"/>
+              <a:t>Business Perspective</a:t>
+            </a:r>
+            <a:endParaRPr lang="en-US" dirty="0"/>
+          </a:p>
+        </p:txBody>
+      </p:sp>
+      <p:sp>
+        <p:nvSpPr>
+          <p:cNvPr id="3" name="Text Placeholder 2"/>
+          <p:cNvSpPr>
+            <a:spLocks noGrp="1"/>
+          </p:cNvSpPr>
+          <p:nvPr>
+            <p:ph type="body" idx="1"/>
+          </p:nvPr>
+        </p:nvSpPr>
+        <p:spPr/>
+        <p:txBody>
+          <a:bodyPr/>
+          <a:lstStyle/>
+          <a:p>
+            <a:endParaRPr lang="en-US"/>
+          </a:p>
+        </p:txBody>
+      </p:sp>
+    </p:spTree>
+    <p:extLst>
+      <p:ext uri="{BB962C8B-B14F-4D97-AF65-F5344CB8AC3E}">
+        <p14:creationId xmlns:p14="http://schemas.microsoft.com/office/powerpoint/2010/main" val="1186206784"/>
+      </p:ext>
+    </p:extLst>
+  </p:cSld>
+  <p:clrMapOvr>
+    <a:masterClrMapping/>
+  </p:clrMapOvr>
+  <p:transition spd="med">
+    <p:pull/>
+  </p:transition>
+  <p:timing>
+    <p:tnLst>
+      <p:par>
+        <p:cTn id="1" dur="indefinite" restart="never" nodeType="tmRoot"/>
+      </p:par>
+    </p:tnLst>
+  </p:timing>
+</p:sld>
+</file>
+
+<file path=ppt/slides/slide24.xml><?xml version="1.0" encoding="utf-8"?>
+<p:sld xmlns:a="http://schemas.openxmlformats.org/drawingml/2006/main" xmlns:r="http://schemas.openxmlformats.org/officeDocument/2006/relationships" xmlns:p="http://schemas.openxmlformats.org/presentationml/2006/main">
+  <p:cSld>
+    <p:spTree>
+      <p:nvGrpSpPr>
+        <p:cNvPr id="1" name=""/>
+        <p:cNvGrpSpPr/>
+        <p:nvPr/>
+      </p:nvGrpSpPr>
+      <p:grpSpPr>
+        <a:xfrm>
+          <a:off x="0" y="0"/>
+          <a:ext cx="0" cy="0"/>
+          <a:chOff x="0" y="0"/>
+          <a:chExt cx="0" cy="0"/>
+        </a:xfrm>
+      </p:grpSpPr>
+      <p:sp>
+        <p:nvSpPr>
+          <p:cNvPr id="3" name="Content Placeholder 2"/>
+          <p:cNvSpPr>
+            <a:spLocks noGrp="1"/>
+          </p:cNvSpPr>
+          <p:nvPr>
+            <p:ph idx="1"/>
+          </p:nvPr>
+        </p:nvSpPr>
+        <p:spPr>
+          <a:xfrm>
+            <a:off x="838200" y="723900"/>
+            <a:ext cx="10515600" cy="5453063"/>
+          </a:xfrm>
+        </p:spPr>
+        <p:txBody>
+          <a:bodyPr anchor="ctr"/>
+          <a:lstStyle/>
+          <a:p>
+            <a:pPr>
+              <a:buFont typeface="Wingdings" charset="2"/>
+              <a:buChar char="§"/>
+            </a:pPr>
+            <a:r>
+              <a:rPr lang="en-US" dirty="0" smtClean="0"/>
+              <a:t> Advisor as a new start-up</a:t>
+            </a:r>
+          </a:p>
+          <a:p>
+            <a:pPr>
+              <a:buFont typeface="Wingdings" charset="2"/>
+              <a:buChar char="§"/>
+            </a:pPr>
+            <a:r>
+              <a:rPr lang="en-US" dirty="0" smtClean="0"/>
+              <a:t> Advisor as a Service (SAAS)</a:t>
+            </a:r>
+          </a:p>
+          <a:p>
+            <a:pPr>
+              <a:buFont typeface="Wingdings" charset="2"/>
+              <a:buChar char="§"/>
+            </a:pPr>
+            <a:r>
+              <a:rPr lang="en-US" dirty="0" smtClean="0"/>
+              <a:t> Advisor interests insurance companies and individual brokers</a:t>
+            </a:r>
+          </a:p>
+          <a:p>
+            <a:pPr>
+              <a:buFont typeface="Wingdings" charset="2"/>
+              <a:buChar char="§"/>
+            </a:pPr>
+            <a:r>
+              <a:rPr lang="en-US" dirty="0" smtClean="0"/>
+              <a:t> Revenue from subscriptions</a:t>
+            </a:r>
+            <a:endParaRPr lang="en-US" dirty="0"/>
+          </a:p>
+        </p:txBody>
+      </p:sp>
+    </p:spTree>
+    <p:extLst>
+      <p:ext uri="{BB962C8B-B14F-4D97-AF65-F5344CB8AC3E}">
+        <p14:creationId xmlns:p14="http://schemas.microsoft.com/office/powerpoint/2010/main" val="1325720594"/>
+      </p:ext>
+    </p:extLst>
+  </p:cSld>
+  <p:clrMapOvr>
+    <a:masterClrMapping/>
+  </p:clrMapOvr>
+  <p:transition spd="slow">
+    <p:push dir="u"/>
+  </p:transition>
+  <p:timing>
+    <p:tnLst>
+      <p:par>
+        <p:cTn id="1" dur="indefinite" restart="never" nodeType="tmRoot">
+          <p:childTnLst>
+            <p:seq concurrent="1" nextAc="seek">
+              <p:cTn id="2" dur="indefinite" nodeType="mainSeq">
+                <p:childTnLst>
+                  <p:par>
+                    <p:cTn id="3" fill="hold">
+                      <p:stCondLst>
+                        <p:cond delay="indefinite"/>
+                      </p:stCondLst>
+                      <p:childTnLst>
+                        <p:par>
+                          <p:cTn id="4" fill="hold">
+                            <p:stCondLst>
+                              <p:cond delay="0"/>
+                            </p:stCondLst>
+                            <p:childTnLst>
+                              <p:par>
+                                <p:cTn id="5" presetID="1" presetClass="entr" presetSubtype="0" fill="hold" nodeType="clickEffect">
+                                  <p:stCondLst>
+                                    <p:cond delay="0"/>
+                                  </p:stCondLst>
+                                  <p:childTnLst>
+                                    <p:set>
+                                      <p:cBhvr>
+                                        <p:cTn id="6" dur="1" fill="hold">
+                                          <p:stCondLst>
+                                            <p:cond delay="0"/>
+                                          </p:stCondLst>
+                                        </p:cTn>
+                                        <p:tgtEl>
+                                          <p:spTgt spid="3">
+                                            <p:txEl>
+                                              <p:pRg st="0" end="0"/>
+                                            </p:txEl>
+                                          </p:spTgt>
+                                        </p:tgtEl>
+                                        <p:attrNameLst>
+                                          <p:attrName>style.visibility</p:attrName>
+                                        </p:attrNameLst>
+                                      </p:cBhvr>
+                                      <p:to>
+                                        <p:strVal val="visible"/>
+                                      </p:to>
+                                    </p:set>
+                                  </p:childTnLst>
+                                </p:cTn>
+                              </p:par>
+                            </p:childTnLst>
+                          </p:cTn>
+                        </p:par>
+                      </p:childTnLst>
+                    </p:cTn>
+                  </p:par>
+                  <p:par>
+                    <p:cTn id="7" fill="hold">
+                      <p:stCondLst>
+                        <p:cond delay="indefinite"/>
+                      </p:stCondLst>
+                      <p:childTnLst>
+                        <p:par>
+                          <p:cTn id="8" fill="hold">
+                            <p:stCondLst>
+                              <p:cond delay="0"/>
+                            </p:stCondLst>
+                            <p:childTnLst>
+                              <p:par>
+                                <p:cTn id="9" presetID="1" presetClass="entr" presetSubtype="0" fill="hold" nodeType="clickEffect">
+                                  <p:stCondLst>
+                                    <p:cond delay="0"/>
+                                  </p:stCondLst>
+                                  <p:childTnLst>
+                                    <p:set>
+                                      <p:cBhvr>
+                                        <p:cTn id="10" dur="1" fill="hold">
+                                          <p:stCondLst>
+                                            <p:cond delay="0"/>
+                                          </p:stCondLst>
+                                        </p:cTn>
+                                        <p:tgtEl>
+                                          <p:spTgt spid="3">
+                                            <p:txEl>
+                                              <p:pRg st="1" end="1"/>
+                                            </p:txEl>
+                                          </p:spTgt>
+                                        </p:tgtEl>
+                                        <p:attrNameLst>
+                                          <p:attrName>style.visibility</p:attrName>
+                                        </p:attrNameLst>
+                                      </p:cBhvr>
+                                      <p:to>
+                                        <p:strVal val="visible"/>
+                                      </p:to>
+                                    </p:set>
+                                  </p:childTnLst>
+                                </p:cTn>
+                              </p:par>
+                            </p:childTnLst>
+                          </p:cTn>
+                        </p:par>
+                      </p:childTnLst>
+                    </p:cTn>
+                  </p:par>
+                  <p:par>
+                    <p:cTn id="11" fill="hold">
+                      <p:stCondLst>
+                        <p:cond delay="indefinite"/>
+                      </p:stCondLst>
+                      <p:childTnLst>
+                        <p:par>
+                          <p:cTn id="12" fill="hold">
+                            <p:stCondLst>
+                              <p:cond delay="0"/>
+                            </p:stCondLst>
+                            <p:childTnLst>
+                              <p:par>
+                                <p:cTn id="13" presetID="1" presetClass="entr" presetSubtype="0" fill="hold" nodeType="clickEffect">
+                                  <p:stCondLst>
+                                    <p:cond delay="0"/>
+                                  </p:stCondLst>
+                                  <p:childTnLst>
+                                    <p:set>
+                                      <p:cBhvr>
+                                        <p:cTn id="14" dur="1" fill="hold">
+                                          <p:stCondLst>
+                                            <p:cond delay="0"/>
+                                          </p:stCondLst>
+                                        </p:cTn>
+                                        <p:tgtEl>
+                                          <p:spTgt spid="3">
+                                            <p:txEl>
+                                              <p:pRg st="2" end="2"/>
+                                            </p:txEl>
+                                          </p:spTgt>
+                                        </p:tgtEl>
+                                        <p:attrNameLst>
+                                          <p:attrName>style.visibility</p:attrName>
+                                        </p:attrNameLst>
+                                      </p:cBhvr>
+                                      <p:to>
+                                        <p:strVal val="visible"/>
+                                      </p:to>
+                                    </p:set>
+                                  </p:childTnLst>
+                                </p:cTn>
+                              </p:par>
+                            </p:childTnLst>
+                          </p:cTn>
+                        </p:par>
+                      </p:childTnLst>
+                    </p:cTn>
+                  </p:par>
+                  <p:par>
+                    <p:cTn id="15" fill="hold">
+                      <p:stCondLst>
+                        <p:cond delay="indefinite"/>
+                      </p:stCondLst>
+                      <p:childTnLst>
+                        <p:par>
+                          <p:cTn id="16" fill="hold">
+                            <p:stCondLst>
+                              <p:cond delay="0"/>
+                            </p:stCondLst>
+                            <p:childTnLst>
+                              <p:par>
+                                <p:cTn id="17" presetID="1" presetClass="entr" presetSubtype="0" fill="hold" nodeType="clickEffect">
+                                  <p:stCondLst>
+                                    <p:cond delay="0"/>
+                                  </p:stCondLst>
+                                  <p:childTnLst>
+                                    <p:set>
+                                      <p:cBhvr>
+                                        <p:cTn id="18" dur="1" fill="hold">
+                                          <p:stCondLst>
+                                            <p:cond delay="0"/>
+                                          </p:stCondLst>
+                                        </p:cTn>
+                                        <p:tgtEl>
+                                          <p:spTgt spid="3">
+                                            <p:txEl>
+                                              <p:pRg st="3" end="3"/>
+                                            </p:txEl>
+                                          </p:spTgt>
+                                        </p:tgtEl>
+                                        <p:attrNameLst>
+                                          <p:attrName>style.visibility</p:attrName>
+                                        </p:attrNameLst>
+                                      </p:cBhvr>
+                                      <p:to>
+                                        <p:strVal val="visible"/>
+                                      </p:to>
+                                    </p:set>
+                                  </p:childTnLst>
+                                </p:cTn>
+                              </p:par>
+                            </p:childTnLst>
+                          </p:cTn>
+                        </p:par>
+                      </p:childTnLst>
+                    </p:cTn>
+                  </p:par>
+                </p:childTnLst>
+              </p:cTn>
+              <p:prevCondLst>
+                <p:cond evt="onPrev" delay="0">
+                  <p:tgtEl>
+                    <p:sldTgt/>
+                  </p:tgtEl>
+                </p:cond>
+              </p:prevCondLst>
+              <p:nextCondLst>
+                <p:cond evt="onNext" delay="0">
+                  <p:tgtEl>
+                    <p:sldTgt/>
+                  </p:tgtEl>
+                </p:cond>
+              </p:nextCondLst>
+            </p:seq>
+          </p:childTnLst>
+        </p:cTn>
+      </p:par>
+    </p:tnLst>
+  </p:timing>
+</p:sld>
+</file>
+
+<file path=ppt/slides/slide25.xml><?xml version="1.0" encoding="utf-8"?>
+<p:sld xmlns:a="http://schemas.openxmlformats.org/drawingml/2006/main" xmlns:r="http://schemas.openxmlformats.org/officeDocument/2006/relationships" xmlns:p="http://schemas.openxmlformats.org/presentationml/2006/main">
+  <p:cSld>
+    <p:spTree>
+      <p:nvGrpSpPr>
+        <p:cNvPr id="1" name=""/>
+        <p:cNvGrpSpPr/>
+        <p:nvPr/>
+      </p:nvGrpSpPr>
+      <p:grpSpPr>
+        <a:xfrm>
+          <a:off x="0" y="0"/>
+          <a:ext cx="0" cy="0"/>
+          <a:chOff x="0" y="0"/>
+          <a:chExt cx="0" cy="0"/>
+        </a:xfrm>
+      </p:grpSpPr>
+      <p:sp>
+        <p:nvSpPr>
+          <p:cNvPr id="3" name="Subtitle 2"/>
+          <p:cNvSpPr>
+            <a:spLocks noGrp="1"/>
+          </p:cNvSpPr>
+          <p:nvPr>
+            <p:ph type="subTitle" idx="1"/>
+          </p:nvPr>
+        </p:nvSpPr>
+        <p:spPr>
+          <a:xfrm>
+            <a:off x="1524000" y="3911600"/>
+            <a:ext cx="9144000" cy="1346200"/>
+          </a:xfrm>
+        </p:spPr>
+        <p:txBody>
+          <a:bodyPr/>
+          <a:lstStyle/>
+          <a:p>
+            <a:r>
+              <a:rPr lang="en-US" dirty="0" smtClean="0"/>
+              <a:t>Intelligent Decision Making System</a:t>
+            </a:r>
+            <a:endParaRPr lang="en-US" dirty="0"/>
+          </a:p>
+        </p:txBody>
+      </p:sp>
+      <p:pic>
+        <p:nvPicPr>
+          <p:cNvPr id="5" name="Picture 4"/>
+          <p:cNvPicPr>
+            <a:picLocks noChangeAspect="1"/>
+          </p:cNvPicPr>
+          <p:nvPr/>
+        </p:nvPicPr>
+        <p:blipFill>
+          <a:blip r:embed="rId2">
+            <a:extLst>
+              <a:ext uri="{28A0092B-C50C-407E-A947-70E740481C1C}">
+                <a14:useLocalDpi xmlns:a14="http://schemas.microsoft.com/office/drawing/2010/main" val="0"/>
+              </a:ext>
+            </a:extLst>
+          </a:blip>
+          <a:stretch>
+            <a:fillRect/>
+          </a:stretch>
+        </p:blipFill>
+        <p:spPr>
+          <a:xfrm>
+            <a:off x="3590935" y="2715419"/>
+            <a:ext cx="5010130" cy="1468438"/>
+          </a:xfrm>
+          <a:prstGeom prst="rect">
+            <a:avLst/>
+          </a:prstGeom>
+        </p:spPr>
+      </p:pic>
+      <p:pic>
+        <p:nvPicPr>
+          <p:cNvPr id="4" name="Picture 3"/>
+          <p:cNvPicPr>
+            <a:picLocks noChangeAspect="1"/>
+          </p:cNvPicPr>
+          <p:nvPr/>
+        </p:nvPicPr>
+        <p:blipFill>
+          <a:blip r:embed="rId3">
+            <a:extLst>
+              <a:ext uri="{28A0092B-C50C-407E-A947-70E740481C1C}">
+                <a14:useLocalDpi xmlns:a14="http://schemas.microsoft.com/office/drawing/2010/main" val="0"/>
+              </a:ext>
+            </a:extLst>
+          </a:blip>
+          <a:stretch>
+            <a:fillRect/>
+          </a:stretch>
+        </p:blipFill>
+        <p:spPr>
+          <a:xfrm>
+            <a:off x="3590935" y="4584700"/>
+            <a:ext cx="4453152" cy="3367902"/>
+          </a:xfrm>
+          <a:prstGeom prst="snip1Rect">
+            <a:avLst/>
+          </a:prstGeom>
+        </p:spPr>
+      </p:pic>
+    </p:spTree>
+    <p:extLst>
+      <p:ext uri="{BB962C8B-B14F-4D97-AF65-F5344CB8AC3E}">
+        <p14:creationId xmlns:p14="http://schemas.microsoft.com/office/powerpoint/2010/main" val="2145586676"/>
+      </p:ext>
+    </p:extLst>
+  </p:cSld>
+  <p:clrMapOvr>
+    <a:masterClrMapping/>
+  </p:clrMapOvr>
+  <mc:AlternateContent xmlns:mc="http://schemas.openxmlformats.org/markup-compatibility/2006">
+    <mc:Choice xmlns:p14="http://schemas.microsoft.com/office/powerpoint/2010/main" Requires="p14">
+      <p:transition spd="slow">
+        <p14:pan dir="u"/>
+      </p:transition>
+    </mc:Choice>
+    <mc:Fallback>
+      <p:transition spd="slow">
+        <p:fade/>
+      </p:transition>
+    </mc:Fallback>
+  </mc:AlternateContent>
+  <p:timing>
+    <p:tnLst>
+      <p:par>
+        <p:cTn id="1" dur="indefinite" restart="never" nodeType="tmRoot">
+          <p:childTnLst>
+            <p:seq concurrent="1" nextAc="seek">
+              <p:cTn id="2" dur="indefinite" nodeType="mainSeq">
+                <p:childTnLst>
+                  <p:par>
+                    <p:cTn id="3" fill="hold">
+                      <p:stCondLst>
+                        <p:cond delay="indefinite"/>
+                        <p:cond evt="onBegin" delay="0">
+                          <p:tn val="2"/>
+                        </p:cond>
+                      </p:stCondLst>
+                      <p:childTnLst>
+                        <p:par>
+                          <p:cTn id="4" fill="hold">
+                            <p:stCondLst>
+                              <p:cond delay="0"/>
+                            </p:stCondLst>
+                            <p:childTnLst>
+                              <p:par>
+                                <p:cTn id="5" presetID="10" presetClass="entr" presetSubtype="0" fill="hold" nodeType="afterEffect">
+                                  <p:stCondLst>
+                                    <p:cond delay="0"/>
+                                  </p:stCondLst>
+                                  <p:childTnLst>
+                                    <p:set>
+                                      <p:cBhvr>
+                                        <p:cTn id="6" dur="1" fill="hold">
+                                          <p:stCondLst>
+                                            <p:cond delay="0"/>
+                                          </p:stCondLst>
+                                        </p:cTn>
+                                        <p:tgtEl>
+                                          <p:spTgt spid="5"/>
+                                        </p:tgtEl>
+                                        <p:attrNameLst>
+                                          <p:attrName>style.visibility</p:attrName>
+                                        </p:attrNameLst>
+                                      </p:cBhvr>
+                                      <p:to>
+                                        <p:strVal val="visible"/>
+                                      </p:to>
+                                    </p:set>
+                                    <p:animEffect transition="in" filter="fade">
+                                      <p:cBhvr>
+                                        <p:cTn id="7" dur="250"/>
+                                        <p:tgtEl>
+                                          <p:spTgt spid="5"/>
+                                        </p:tgtEl>
+                                      </p:cBhvr>
+                                    </p:animEffect>
+                                  </p:childTnLst>
+                                </p:cTn>
+                              </p:par>
+                            </p:childTnLst>
+                          </p:cTn>
+                        </p:par>
+                        <p:par>
+                          <p:cTn id="8" fill="hold">
+                            <p:stCondLst>
+                              <p:cond delay="250"/>
+                            </p:stCondLst>
+                            <p:childTnLst>
+                              <p:par>
+                                <p:cTn id="9" presetID="10" presetClass="entr" presetSubtype="0" fill="hold" grpId="0" nodeType="afterEffect">
+                                  <p:stCondLst>
+                                    <p:cond delay="0"/>
+                                  </p:stCondLst>
+                                  <p:childTnLst>
+                                    <p:set>
+                                      <p:cBhvr>
+                                        <p:cTn id="10" dur="1" fill="hold">
+                                          <p:stCondLst>
+                                            <p:cond delay="0"/>
+                                          </p:stCondLst>
+                                        </p:cTn>
+                                        <p:tgtEl>
+                                          <p:spTgt spid="3">
+                                            <p:txEl>
+                                              <p:pRg st="0" end="0"/>
+                                            </p:txEl>
+                                          </p:spTgt>
+                                        </p:tgtEl>
+                                        <p:attrNameLst>
+                                          <p:attrName>style.visibility</p:attrName>
+                                        </p:attrNameLst>
+                                      </p:cBhvr>
+                                      <p:to>
+                                        <p:strVal val="visible"/>
+                                      </p:to>
+                                    </p:set>
+                                    <p:animEffect transition="in" filter="fade">
+                                      <p:cBhvr>
+                                        <p:cTn id="11" dur="250"/>
+                                        <p:tgtEl>
+                                          <p:spTgt spid="3">
+                                            <p:txEl>
+                                              <p:pRg st="0" end="0"/>
+                                            </p:txEl>
+                                          </p:spTgt>
+                                        </p:tgtEl>
+                                      </p:cBhvr>
+                                    </p:animEffect>
+                                  </p:childTnLst>
+                                </p:cTn>
+                              </p:par>
+                            </p:childTnLst>
+                          </p:cTn>
+                        </p:par>
+                        <p:par>
+                          <p:cTn id="12" fill="hold">
+                            <p:stCondLst>
+                              <p:cond delay="500"/>
+                            </p:stCondLst>
+                            <p:childTnLst>
+                              <p:par>
+                                <p:cTn id="13" presetID="37" presetClass="entr" presetSubtype="0" fill="hold" nodeType="afterEffect">
+                                  <p:stCondLst>
+                                    <p:cond delay="0"/>
+                                  </p:stCondLst>
+                                  <p:childTnLst>
+                                    <p:set>
+                                      <p:cBhvr>
+                                        <p:cTn id="14" dur="1" fill="hold">
+                                          <p:stCondLst>
+                                            <p:cond delay="0"/>
+                                          </p:stCondLst>
+                                        </p:cTn>
+                                        <p:tgtEl>
+                                          <p:spTgt spid="4"/>
+                                        </p:tgtEl>
+                                        <p:attrNameLst>
+                                          <p:attrName>style.visibility</p:attrName>
+                                        </p:attrNameLst>
+                                      </p:cBhvr>
+                                      <p:to>
+                                        <p:strVal val="visible"/>
+                                      </p:to>
+                                    </p:set>
+                                    <p:animEffect transition="in" filter="fade">
+                                      <p:cBhvr>
+                                        <p:cTn id="15" dur="1000"/>
+                                        <p:tgtEl>
+                                          <p:spTgt spid="4"/>
+                                        </p:tgtEl>
+                                      </p:cBhvr>
+                                    </p:animEffect>
+                                    <p:anim calcmode="lin" valueType="num">
+                                      <p:cBhvr>
+                                        <p:cTn id="16" dur="1000" fill="hold"/>
+                                        <p:tgtEl>
+                                          <p:spTgt spid="4"/>
+                                        </p:tgtEl>
+                                        <p:attrNameLst>
+                                          <p:attrName>ppt_x</p:attrName>
+                                        </p:attrNameLst>
+                                      </p:cBhvr>
+                                      <p:tavLst>
+                                        <p:tav tm="0">
+                                          <p:val>
+                                            <p:strVal val="#ppt_x"/>
+                                          </p:val>
+                                        </p:tav>
+                                        <p:tav tm="100000">
+                                          <p:val>
+                                            <p:strVal val="#ppt_x"/>
+                                          </p:val>
+                                        </p:tav>
+                                      </p:tavLst>
+                                    </p:anim>
+                                    <p:anim calcmode="lin" valueType="num">
+                                      <p:cBhvr>
+                                        <p:cTn id="17" dur="900" decel="100000" fill="hold"/>
+                                        <p:tgtEl>
+                                          <p:spTgt spid="4"/>
+                                        </p:tgtEl>
+                                        <p:attrNameLst>
+                                          <p:attrName>ppt_y</p:attrName>
+                                        </p:attrNameLst>
+                                      </p:cBhvr>
+                                      <p:tavLst>
+                                        <p:tav tm="0">
+                                          <p:val>
+                                            <p:strVal val="#ppt_y+1"/>
+                                          </p:val>
+                                        </p:tav>
+                                        <p:tav tm="100000">
+                                          <p:val>
+                                            <p:strVal val="#ppt_y-.03"/>
+                                          </p:val>
+                                        </p:tav>
+                                      </p:tavLst>
+                                    </p:anim>
+                                    <p:anim calcmode="lin" valueType="num">
+                                      <p:cBhvr>
+                                        <p:cTn id="18" dur="100" accel="100000" fill="hold">
+                                          <p:stCondLst>
+                                            <p:cond delay="900"/>
+                                          </p:stCondLst>
+                                        </p:cTn>
+                                        <p:tgtEl>
+                                          <p:spTgt spid="4"/>
+                                        </p:tgtEl>
+                                        <p:attrNameLst>
+                                          <p:attrName>ppt_y</p:attrName>
+                                        </p:attrNameLst>
+                                      </p:cBhvr>
+                                      <p:tavLst>
+                                        <p:tav tm="0">
+                                          <p:val>
+                                            <p:strVal val="#ppt_y-.03"/>
+                                          </p:val>
+                                        </p:tav>
+                                        <p:tav tm="100000">
+                                          <p:val>
+                                            <p:strVal val="#ppt_y"/>
+                                          </p:val>
+                                        </p:tav>
+                                      </p:tavLst>
+                                    </p:anim>
+                                  </p:childTnLst>
+                                </p:cTn>
+                              </p:par>
+                            </p:childTnLst>
+                          </p:cTn>
+                        </p:par>
+                      </p:childTnLst>
+                    </p:cTn>
+                  </p:par>
+                </p:childTnLst>
+              </p:cTn>
+              <p:prevCondLst>
+                <p:cond evt="onPrev" delay="0">
+                  <p:tgtEl>
+                    <p:sldTgt/>
+                  </p:tgtEl>
+                </p:cond>
+              </p:prevCondLst>
+              <p:nextCondLst>
+                <p:cond evt="onNext" delay="0">
+                  <p:tgtEl>
+                    <p:sldTgt/>
+                  </p:tgtEl>
+                </p:cond>
+              </p:nextCondLst>
+            </p:seq>
+          </p:childTnLst>
+        </p:cTn>
+      </p:par>
+    </p:tnLst>
+    <p:bldLst>
+      <p:bldP spid="3" grpId="0" build="p"/>
+    </p:bldLst>
+  </p:timing>
+</p:sld>
+</file>
+
+<file path=ppt/slides/slide26.xml><?xml version="1.0" encoding="utf-8"?>
+<p:sld xmlns:a="http://schemas.openxmlformats.org/drawingml/2006/main" xmlns:r="http://schemas.openxmlformats.org/officeDocument/2006/relationships" xmlns:p="http://schemas.openxmlformats.org/presentationml/2006/main">
+  <p:cSld>
+    <p:spTree>
+      <p:nvGrpSpPr>
+        <p:cNvPr id="1" name=""/>
+        <p:cNvGrpSpPr/>
+        <p:nvPr/>
+      </p:nvGrpSpPr>
+      <p:grpSpPr>
+        <a:xfrm>
+          <a:off x="0" y="0"/>
+          <a:ext cx="0" cy="0"/>
+          <a:chOff x="0" y="0"/>
+          <a:chExt cx="0" cy="0"/>
+        </a:xfrm>
+      </p:grpSpPr>
+      <p:sp>
+        <p:nvSpPr>
+          <p:cNvPr id="2" name="Title 1"/>
+          <p:cNvSpPr>
+            <a:spLocks noGrp="1"/>
+          </p:cNvSpPr>
+          <p:nvPr>
+            <p:ph type="title"/>
+          </p:nvPr>
+        </p:nvSpPr>
+        <p:spPr/>
+        <p:txBody>
+          <a:bodyPr/>
+          <a:lstStyle/>
+          <a:p>
+            <a:r>
+              <a:rPr lang="en-US" dirty="0" smtClean="0"/>
+              <a:t>Demo</a:t>
+            </a:r>
+            <a:endParaRPr lang="en-US" dirty="0"/>
+          </a:p>
+        </p:txBody>
+      </p:sp>
+      <p:sp>
+        <p:nvSpPr>
+          <p:cNvPr id="3" name="Text Placeholder 2"/>
+          <p:cNvSpPr>
+            <a:spLocks noGrp="1"/>
+          </p:cNvSpPr>
+          <p:nvPr>
+            <p:ph type="body" idx="1"/>
+          </p:nvPr>
+        </p:nvSpPr>
+        <p:spPr/>
+        <p:txBody>
+          <a:bodyPr/>
+          <a:lstStyle/>
+          <a:p>
+            <a:endParaRPr lang="en-US" dirty="0"/>
+          </a:p>
+        </p:txBody>
+      </p:sp>
+    </p:spTree>
+    <p:extLst>
+      <p:ext uri="{BB962C8B-B14F-4D97-AF65-F5344CB8AC3E}">
+        <p14:creationId xmlns:p14="http://schemas.microsoft.com/office/powerpoint/2010/main" val="1006088611"/>
+      </p:ext>
+    </p:extLst>
+  </p:cSld>
+  <p:clrMapOvr>
+    <a:masterClrMapping/>
+  </p:clrMapOvr>
+  <p:transition spd="med">
+    <p:pull/>
+  </p:transition>
+  <p:timing>
+    <p:tnLst>
+      <p:par>
+        <p:cTn id="1" dur="indefinite" restart="never" nodeType="tmRoot"/>
+      </p:par>
+    </p:tnLst>
+  </p:timing>
+</p:sld>
+</file>
+
+<file path=ppt/slides/slide27.xml><?xml version="1.0" encoding="utf-8"?>
+<p:sld xmlns:a="http://schemas.openxmlformats.org/drawingml/2006/main" xmlns:r="http://schemas.openxmlformats.org/officeDocument/2006/relationships" xmlns:p="http://schemas.openxmlformats.org/presentationml/2006/main">
+  <p:cSld>
+    <p:spTree>
+      <p:nvGrpSpPr>
+        <p:cNvPr id="1" name=""/>
+        <p:cNvGrpSpPr/>
+        <p:nvPr/>
+      </p:nvGrpSpPr>
+      <p:grpSpPr>
+        <a:xfrm>
+          <a:off x="0" y="0"/>
+          <a:ext cx="0" cy="0"/>
+          <a:chOff x="0" y="0"/>
+          <a:chExt cx="0" cy="0"/>
+        </a:xfrm>
+      </p:grpSpPr>
+      <p:sp>
+        <p:nvSpPr>
+          <p:cNvPr id="2" name="Title 1"/>
+          <p:cNvSpPr>
+            <a:spLocks noGrp="1"/>
+          </p:cNvSpPr>
+          <p:nvPr>
+            <p:ph type="title"/>
+          </p:nvPr>
+        </p:nvSpPr>
+        <p:spPr/>
+        <p:txBody>
+          <a:bodyPr/>
+          <a:lstStyle/>
+          <a:p>
+            <a:r>
+              <a:rPr lang="en-US" dirty="0" smtClean="0"/>
               <a:t>Thank You</a:t>
             </a:r>
             <a:endParaRPr lang="en-US" dirty="0"/>
@@ -5163,6 +7458,423 @@
   <p:clrMapOvr>
     <a:masterClrMapping/>
   </p:clrMapOvr>
+  <p:transition spd="med">
+    <p:pull/>
+  </p:transition>
+  <p:timing>
+    <p:tnLst>
+      <p:par>
+        <p:cTn id="1" dur="indefinite" restart="never" nodeType="tmRoot"/>
+      </p:par>
+    </p:tnLst>
+  </p:timing>
+</p:sld>
+</file>
+
+<file path=ppt/slides/slide28.xml><?xml version="1.0" encoding="utf-8"?>
+<p:sld xmlns:a="http://schemas.openxmlformats.org/drawingml/2006/main" xmlns:r="http://schemas.openxmlformats.org/officeDocument/2006/relationships" xmlns:p="http://schemas.openxmlformats.org/presentationml/2006/main">
+  <p:cSld>
+    <p:bg>
+      <p:bgPr>
+        <a:gradFill rotWithShape="1">
+          <a:gsLst>
+            <a:gs pos="0">
+              <a:srgbClr val="198FE3"/>
+            </a:gs>
+            <a:gs pos="50000">
+              <a:srgbClr val="198FE3"/>
+            </a:gs>
+            <a:gs pos="100000">
+              <a:srgbClr val="1896F2"/>
+            </a:gs>
+          </a:gsLst>
+          <a:lin ang="5400000" scaled="0"/>
+        </a:gradFill>
+        <a:effectLst/>
+      </p:bgPr>
+    </p:bg>
+    <p:spTree>
+      <p:nvGrpSpPr>
+        <p:cNvPr id="1" name=""/>
+        <p:cNvGrpSpPr/>
+        <p:nvPr/>
+      </p:nvGrpSpPr>
+      <p:grpSpPr>
+        <a:xfrm>
+          <a:off x="0" y="0"/>
+          <a:ext cx="0" cy="0"/>
+          <a:chOff x="0" y="0"/>
+          <a:chExt cx="0" cy="0"/>
+        </a:xfrm>
+      </p:grpSpPr>
+      <p:sp>
+        <p:nvSpPr>
+          <p:cNvPr id="3" name="Subtitle 2"/>
+          <p:cNvSpPr>
+            <a:spLocks noGrp="1"/>
+          </p:cNvSpPr>
+          <p:nvPr>
+            <p:ph type="subTitle" idx="1"/>
+          </p:nvPr>
+        </p:nvSpPr>
+        <p:spPr>
+          <a:xfrm>
+            <a:off x="1524000" y="3911600"/>
+            <a:ext cx="9144000" cy="1346200"/>
+          </a:xfrm>
+        </p:spPr>
+        <p:txBody>
+          <a:bodyPr/>
+          <a:lstStyle/>
+          <a:p>
+            <a:r>
+              <a:rPr lang="en-US" dirty="0" smtClean="0"/>
+              <a:t>Intelligent Decision Making System</a:t>
+            </a:r>
+            <a:endParaRPr lang="en-US" dirty="0"/>
+          </a:p>
+        </p:txBody>
+      </p:sp>
+      <p:pic>
+        <p:nvPicPr>
+          <p:cNvPr id="5" name="Picture 4"/>
+          <p:cNvPicPr>
+            <a:picLocks noChangeAspect="1"/>
+          </p:cNvPicPr>
+          <p:nvPr/>
+        </p:nvPicPr>
+        <p:blipFill>
+          <a:blip r:embed="rId2">
+            <a:extLst>
+              <a:ext uri="{28A0092B-C50C-407E-A947-70E740481C1C}">
+                <a14:useLocalDpi xmlns:a14="http://schemas.microsoft.com/office/drawing/2010/main" val="0"/>
+              </a:ext>
+            </a:extLst>
+          </a:blip>
+          <a:stretch>
+            <a:fillRect/>
+          </a:stretch>
+        </p:blipFill>
+        <p:spPr>
+          <a:xfrm>
+            <a:off x="3590935" y="2715419"/>
+            <a:ext cx="5010130" cy="1468438"/>
+          </a:xfrm>
+          <a:prstGeom prst="rect">
+            <a:avLst/>
+          </a:prstGeom>
+        </p:spPr>
+      </p:pic>
+      <p:pic>
+        <p:nvPicPr>
+          <p:cNvPr id="4" name="Picture 3"/>
+          <p:cNvPicPr>
+            <a:picLocks noChangeAspect="1"/>
+          </p:cNvPicPr>
+          <p:nvPr/>
+        </p:nvPicPr>
+        <p:blipFill>
+          <a:blip r:embed="rId3">
+            <a:extLst>
+              <a:ext uri="{28A0092B-C50C-407E-A947-70E740481C1C}">
+                <a14:useLocalDpi xmlns:a14="http://schemas.microsoft.com/office/drawing/2010/main" val="0"/>
+              </a:ext>
+            </a:extLst>
+          </a:blip>
+          <a:stretch>
+            <a:fillRect/>
+          </a:stretch>
+        </p:blipFill>
+        <p:spPr>
+          <a:xfrm>
+            <a:off x="3590935" y="4584700"/>
+            <a:ext cx="4453152" cy="3367902"/>
+          </a:xfrm>
+          <a:prstGeom prst="snip1Rect">
+            <a:avLst/>
+          </a:prstGeom>
+        </p:spPr>
+      </p:pic>
+    </p:spTree>
+    <p:extLst>
+      <p:ext uri="{BB962C8B-B14F-4D97-AF65-F5344CB8AC3E}">
+        <p14:creationId xmlns:p14="http://schemas.microsoft.com/office/powerpoint/2010/main" val="589673557"/>
+      </p:ext>
+    </p:extLst>
+  </p:cSld>
+  <p:clrMapOvr>
+    <a:masterClrMapping/>
+  </p:clrMapOvr>
+  <mc:AlternateContent xmlns:mc="http://schemas.openxmlformats.org/markup-compatibility/2006">
+    <mc:Choice xmlns:p14="http://schemas.microsoft.com/office/powerpoint/2010/main" Requires="p14">
+      <p:transition spd="slow" p14:dur="1400">
+        <p14:ripple/>
+      </p:transition>
+    </mc:Choice>
+    <mc:Fallback>
+      <p:transition spd="slow">
+        <p:fade/>
+      </p:transition>
+    </mc:Fallback>
+  </mc:AlternateContent>
+  <p:timing>
+    <p:tnLst>
+      <p:par>
+        <p:cTn id="1" dur="indefinite" restart="never" nodeType="tmRoot">
+          <p:childTnLst>
+            <p:seq concurrent="1" nextAc="seek">
+              <p:cTn id="2" dur="indefinite" nodeType="mainSeq">
+                <p:childTnLst>
+                  <p:par>
+                    <p:cTn id="3" fill="hold">
+                      <p:stCondLst>
+                        <p:cond delay="indefinite"/>
+                        <p:cond evt="onBegin" delay="0">
+                          <p:tn val="2"/>
+                        </p:cond>
+                      </p:stCondLst>
+                      <p:childTnLst>
+                        <p:par>
+                          <p:cTn id="4" fill="hold">
+                            <p:stCondLst>
+                              <p:cond delay="0"/>
+                            </p:stCondLst>
+                            <p:childTnLst>
+                              <p:par>
+                                <p:cTn id="5" presetID="10" presetClass="entr" presetSubtype="0" fill="hold" nodeType="afterEffect">
+                                  <p:stCondLst>
+                                    <p:cond delay="0"/>
+                                  </p:stCondLst>
+                                  <p:childTnLst>
+                                    <p:set>
+                                      <p:cBhvr>
+                                        <p:cTn id="6" dur="1" fill="hold">
+                                          <p:stCondLst>
+                                            <p:cond delay="0"/>
+                                          </p:stCondLst>
+                                        </p:cTn>
+                                        <p:tgtEl>
+                                          <p:spTgt spid="5"/>
+                                        </p:tgtEl>
+                                        <p:attrNameLst>
+                                          <p:attrName>style.visibility</p:attrName>
+                                        </p:attrNameLst>
+                                      </p:cBhvr>
+                                      <p:to>
+                                        <p:strVal val="visible"/>
+                                      </p:to>
+                                    </p:set>
+                                    <p:animEffect transition="in" filter="fade">
+                                      <p:cBhvr>
+                                        <p:cTn id="7" dur="250"/>
+                                        <p:tgtEl>
+                                          <p:spTgt spid="5"/>
+                                        </p:tgtEl>
+                                      </p:cBhvr>
+                                    </p:animEffect>
+                                  </p:childTnLst>
+                                </p:cTn>
+                              </p:par>
+                            </p:childTnLst>
+                          </p:cTn>
+                        </p:par>
+                        <p:par>
+                          <p:cTn id="8" fill="hold">
+                            <p:stCondLst>
+                              <p:cond delay="250"/>
+                            </p:stCondLst>
+                            <p:childTnLst>
+                              <p:par>
+                                <p:cTn id="9" presetID="10" presetClass="entr" presetSubtype="0" fill="hold" grpId="0" nodeType="afterEffect">
+                                  <p:stCondLst>
+                                    <p:cond delay="0"/>
+                                  </p:stCondLst>
+                                  <p:childTnLst>
+                                    <p:set>
+                                      <p:cBhvr>
+                                        <p:cTn id="10" dur="1" fill="hold">
+                                          <p:stCondLst>
+                                            <p:cond delay="0"/>
+                                          </p:stCondLst>
+                                        </p:cTn>
+                                        <p:tgtEl>
+                                          <p:spTgt spid="3">
+                                            <p:txEl>
+                                              <p:pRg st="0" end="0"/>
+                                            </p:txEl>
+                                          </p:spTgt>
+                                        </p:tgtEl>
+                                        <p:attrNameLst>
+                                          <p:attrName>style.visibility</p:attrName>
+                                        </p:attrNameLst>
+                                      </p:cBhvr>
+                                      <p:to>
+                                        <p:strVal val="visible"/>
+                                      </p:to>
+                                    </p:set>
+                                    <p:animEffect transition="in" filter="fade">
+                                      <p:cBhvr>
+                                        <p:cTn id="11" dur="250"/>
+                                        <p:tgtEl>
+                                          <p:spTgt spid="3">
+                                            <p:txEl>
+                                              <p:pRg st="0" end="0"/>
+                                            </p:txEl>
+                                          </p:spTgt>
+                                        </p:tgtEl>
+                                      </p:cBhvr>
+                                    </p:animEffect>
+                                  </p:childTnLst>
+                                </p:cTn>
+                              </p:par>
+                            </p:childTnLst>
+                          </p:cTn>
+                        </p:par>
+                        <p:par>
+                          <p:cTn id="12" fill="hold">
+                            <p:stCondLst>
+                              <p:cond delay="500"/>
+                            </p:stCondLst>
+                            <p:childTnLst>
+                              <p:par>
+                                <p:cTn id="13" presetID="37" presetClass="entr" presetSubtype="0" fill="hold" nodeType="afterEffect">
+                                  <p:stCondLst>
+                                    <p:cond delay="0"/>
+                                  </p:stCondLst>
+                                  <p:childTnLst>
+                                    <p:set>
+                                      <p:cBhvr>
+                                        <p:cTn id="14" dur="1" fill="hold">
+                                          <p:stCondLst>
+                                            <p:cond delay="0"/>
+                                          </p:stCondLst>
+                                        </p:cTn>
+                                        <p:tgtEl>
+                                          <p:spTgt spid="4"/>
+                                        </p:tgtEl>
+                                        <p:attrNameLst>
+                                          <p:attrName>style.visibility</p:attrName>
+                                        </p:attrNameLst>
+                                      </p:cBhvr>
+                                      <p:to>
+                                        <p:strVal val="visible"/>
+                                      </p:to>
+                                    </p:set>
+                                    <p:animEffect transition="in" filter="fade">
+                                      <p:cBhvr>
+                                        <p:cTn id="15" dur="1000"/>
+                                        <p:tgtEl>
+                                          <p:spTgt spid="4"/>
+                                        </p:tgtEl>
+                                      </p:cBhvr>
+                                    </p:animEffect>
+                                    <p:anim calcmode="lin" valueType="num">
+                                      <p:cBhvr>
+                                        <p:cTn id="16" dur="1000" fill="hold"/>
+                                        <p:tgtEl>
+                                          <p:spTgt spid="4"/>
+                                        </p:tgtEl>
+                                        <p:attrNameLst>
+                                          <p:attrName>ppt_x</p:attrName>
+                                        </p:attrNameLst>
+                                      </p:cBhvr>
+                                      <p:tavLst>
+                                        <p:tav tm="0">
+                                          <p:val>
+                                            <p:strVal val="#ppt_x"/>
+                                          </p:val>
+                                        </p:tav>
+                                        <p:tav tm="100000">
+                                          <p:val>
+                                            <p:strVal val="#ppt_x"/>
+                                          </p:val>
+                                        </p:tav>
+                                      </p:tavLst>
+                                    </p:anim>
+                                    <p:anim calcmode="lin" valueType="num">
+                                      <p:cBhvr>
+                                        <p:cTn id="17" dur="900" decel="100000" fill="hold"/>
+                                        <p:tgtEl>
+                                          <p:spTgt spid="4"/>
+                                        </p:tgtEl>
+                                        <p:attrNameLst>
+                                          <p:attrName>ppt_y</p:attrName>
+                                        </p:attrNameLst>
+                                      </p:cBhvr>
+                                      <p:tavLst>
+                                        <p:tav tm="0">
+                                          <p:val>
+                                            <p:strVal val="#ppt_y+1"/>
+                                          </p:val>
+                                        </p:tav>
+                                        <p:tav tm="100000">
+                                          <p:val>
+                                            <p:strVal val="#ppt_y-.03"/>
+                                          </p:val>
+                                        </p:tav>
+                                      </p:tavLst>
+                                    </p:anim>
+                                    <p:anim calcmode="lin" valueType="num">
+                                      <p:cBhvr>
+                                        <p:cTn id="18" dur="100" accel="100000" fill="hold">
+                                          <p:stCondLst>
+                                            <p:cond delay="900"/>
+                                          </p:stCondLst>
+                                        </p:cTn>
+                                        <p:tgtEl>
+                                          <p:spTgt spid="4"/>
+                                        </p:tgtEl>
+                                        <p:attrNameLst>
+                                          <p:attrName>ppt_y</p:attrName>
+                                        </p:attrNameLst>
+                                      </p:cBhvr>
+                                      <p:tavLst>
+                                        <p:tav tm="0">
+                                          <p:val>
+                                            <p:strVal val="#ppt_y-.03"/>
+                                          </p:val>
+                                        </p:tav>
+                                        <p:tav tm="100000">
+                                          <p:val>
+                                            <p:strVal val="#ppt_y"/>
+                                          </p:val>
+                                        </p:tav>
+                                      </p:tavLst>
+                                    </p:anim>
+                                  </p:childTnLst>
+                                </p:cTn>
+                              </p:par>
+                            </p:childTnLst>
+                          </p:cTn>
+                        </p:par>
+                      </p:childTnLst>
+                    </p:cTn>
+                  </p:par>
+                </p:childTnLst>
+              </p:cTn>
+              <p:prevCondLst>
+                <p:cond evt="onPrev" delay="0">
+                  <p:tgtEl>
+                    <p:sldTgt/>
+                  </p:tgtEl>
+                </p:cond>
+              </p:prevCondLst>
+              <p:nextCondLst>
+                <p:cond evt="onNext" delay="0">
+                  <p:tgtEl>
+                    <p:sldTgt/>
+                  </p:tgtEl>
+                </p:cond>
+              </p:nextCondLst>
+            </p:seq>
+          </p:childTnLst>
+        </p:cTn>
+      </p:par>
+    </p:tnLst>
+    <p:bldLst>
+      <p:bldP spid="3" grpId="0" build="p"/>
+    </p:bldLst>
+  </p:timing>
 </p:sld>
 </file>
 
@@ -5209,8 +7921,16 @@
               <a:buNone/>
             </a:pPr>
             <a:r>
+              <a:rPr lang="en-US" sz="4000" dirty="0"/>
+              <a:t>L</a:t>
+            </a:r>
+            <a:r>
               <a:rPr lang="en-US" sz="4000" dirty="0" smtClean="0"/>
-              <a:t>large amount of unexploited data</a:t>
+              <a:t>arge </a:t>
+            </a:r>
+            <a:r>
+              <a:rPr lang="en-US" sz="4000" dirty="0" smtClean="0"/>
+              <a:t>amount of unexploited data</a:t>
             </a:r>
             <a:endParaRPr lang="en-US" sz="4000" dirty="0"/>
           </a:p>
@@ -5226,6 +7946,9 @@
   <p:clrMapOvr>
     <a:masterClrMapping/>
   </p:clrMapOvr>
+  <p:transition spd="med">
+    <p:pull/>
+  </p:transition>
   <p:timing>
     <p:tnLst>
       <p:par>
@@ -5296,6 +8019,18 @@
   <p:clrMapOvr>
     <a:masterClrMapping/>
   </p:clrMapOvr>
+  <mc:AlternateContent xmlns:mc="http://schemas.openxmlformats.org/markup-compatibility/2006">
+    <mc:Choice xmlns:p14="http://schemas.microsoft.com/office/powerpoint/2010/main" Requires="p14">
+      <p:transition spd="slow">
+        <p14:reveal/>
+      </p:transition>
+    </mc:Choice>
+    <mc:Fallback>
+      <p:transition spd="slow">
+        <p:fade/>
+      </p:transition>
+    </mc:Fallback>
+  </mc:AlternateContent>
   <p:timing>
     <p:tnLst>
       <p:par>
@@ -5349,8 +8084,16 @@
               <a:buNone/>
             </a:pPr>
             <a:r>
+              <a:rPr lang="en-US" sz="4000" dirty="0"/>
+              <a:t>F</a:t>
+            </a:r>
+            <a:r>
               <a:rPr lang="en-US" sz="4000" dirty="0" smtClean="0"/>
-              <a:t>flawed customer approach</a:t>
+              <a:t>lawed </a:t>
+            </a:r>
+            <a:r>
+              <a:rPr lang="en-US" sz="4000" dirty="0" smtClean="0"/>
+              <a:t>customer approach</a:t>
             </a:r>
             <a:endParaRPr lang="en-US" sz="4000" dirty="0"/>
           </a:p>
@@ -5366,6 +8109,18 @@
   <p:clrMapOvr>
     <a:masterClrMapping/>
   </p:clrMapOvr>
+  <mc:AlternateContent xmlns:mc="http://schemas.openxmlformats.org/markup-compatibility/2006">
+    <mc:Choice xmlns:p14="http://schemas.microsoft.com/office/powerpoint/2010/main" Requires="p14">
+      <p:transition spd="slow">
+        <p14:reveal/>
+      </p:transition>
+    </mc:Choice>
+    <mc:Fallback>
+      <p:transition spd="slow">
+        <p:fade/>
+      </p:transition>
+    </mc:Fallback>
+  </mc:AlternateContent>
   <p:timing>
     <p:tnLst>
       <p:par>
@@ -5420,11 +8175,7 @@
             </a:pPr>
             <a:r>
               <a:rPr lang="en-US" sz="4000" b="1" dirty="0" smtClean="0"/>
-              <a:t>How to solv</a:t>
-            </a:r>
-            <a:r>
-              <a:rPr lang="en-US" sz="4000" b="1" dirty="0" smtClean="0"/>
-              <a:t>e it?</a:t>
+              <a:t>How to solve it?</a:t>
             </a:r>
             <a:endParaRPr lang="en-US" sz="4000" b="1" dirty="0"/>
           </a:p>
@@ -5440,6 +8191,18 @@
   <p:clrMapOvr>
     <a:masterClrMapping/>
   </p:clrMapOvr>
+  <mc:AlternateContent xmlns:mc="http://schemas.openxmlformats.org/markup-compatibility/2006">
+    <mc:Choice xmlns:p15="http://schemas.microsoft.com/office/powerpoint/2012/main" Requires="p15">
+      <p:transition spd="slow">
+        <p15:prstTrans prst="fracture"/>
+      </p:transition>
+    </mc:Choice>
+    <mc:Fallback>
+      <p:transition spd="slow">
+        <p:fade/>
+      </p:transition>
+    </mc:Fallback>
+  </mc:AlternateContent>
   <p:timing>
     <p:tnLst>
       <p:par>
@@ -5508,7 +8271,6 @@
               <a:rPr lang="en-US" sz="4000" dirty="0"/>
               <a:t>Making</a:t>
             </a:r>
-            <a:endParaRPr lang="en-US" sz="4000" dirty="0"/>
           </a:p>
         </p:txBody>
       </p:sp>
@@ -5552,6 +8314,18 @@
   <p:clrMapOvr>
     <a:masterClrMapping/>
   </p:clrMapOvr>
+  <mc:AlternateContent xmlns:mc="http://schemas.openxmlformats.org/markup-compatibility/2006">
+    <mc:Choice xmlns:p14="http://schemas.microsoft.com/office/powerpoint/2010/main" Requires="p14">
+      <p:transition spd="slow">
+        <p14:reveal thruBlk="1"/>
+      </p:transition>
+    </mc:Choice>
+    <mc:Fallback>
+      <p:transition spd="slow">
+        <p:fade/>
+      </p:transition>
+    </mc:Fallback>
+  </mc:AlternateContent>
   <p:timing>
     <p:tnLst>
       <p:par>
@@ -5622,6 +8396,9 @@
   <p:clrMapOvr>
     <a:masterClrMapping/>
   </p:clrMapOvr>
+  <p:transition spd="med">
+    <p:pull/>
+  </p:transition>
   <p:timing>
     <p:tnLst>
       <p:par>
@@ -5672,7 +8449,7 @@
             <a:avLst/>
           </a:prstGeom>
           <a:solidFill>
-            <a:srgbClr val="198FE3"/>
+            <a:srgbClr val="1896F2"/>
           </a:solidFill>
           <a:ln>
             <a:noFill/>
@@ -5751,14 +8528,16 @@
           </a:xfrm>
         </p:spPr>
         <p:txBody>
-          <a:bodyPr/>
+          <a:bodyPr anchor="ctr">
+            <a:normAutofit/>
+          </a:bodyPr>
           <a:lstStyle/>
           <a:p>
             <a:pPr marL="0" indent="0" algn="ctr">
               <a:buNone/>
             </a:pPr>
             <a:r>
-              <a:rPr lang="en-GB" dirty="0">
+              <a:rPr lang="en-GB" sz="3600" dirty="0">
                 <a:solidFill>
                   <a:srgbClr val="1582D2"/>
                 </a:solidFill>
@@ -5766,7 +8545,7 @@
               <a:t>Autonomous decision making knowledge</a:t>
             </a:r>
             <a:r>
-              <a:rPr lang="el-GR" dirty="0">
+              <a:rPr lang="el-GR" sz="3600" dirty="0">
                 <a:solidFill>
                   <a:srgbClr val="1582D2"/>
                 </a:solidFill>
@@ -5774,14 +8553,14 @@
               <a:t> </a:t>
             </a:r>
             <a:r>
-              <a:rPr lang="en-US" dirty="0" smtClean="0">
+              <a:rPr lang="en-US" sz="3600" dirty="0" smtClean="0">
                 <a:solidFill>
                   <a:srgbClr val="1582D2"/>
                 </a:solidFill>
               </a:rPr>
               <a:t>with the creation of a reliable model that integrates machine learning</a:t>
             </a:r>
-            <a:endParaRPr lang="en-US" dirty="0">
+            <a:endParaRPr lang="en-US" sz="3600" dirty="0">
               <a:solidFill>
                 <a:srgbClr val="1582D2"/>
               </a:solidFill>
@@ -5789,6 +8568,36 @@
           </a:p>
         </p:txBody>
       </p:sp>
+      <p:pic>
+        <p:nvPicPr>
+          <p:cNvPr id="5" name="Picture 4"/>
+          <p:cNvPicPr>
+            <a:picLocks noChangeAspect="1"/>
+          </p:cNvPicPr>
+          <p:nvPr/>
+        </p:nvPicPr>
+        <p:blipFill>
+          <a:blip r:embed="rId2">
+            <a:extLst>
+              <a:ext uri="{28A0092B-C50C-407E-A947-70E740481C1C}">
+                <a14:useLocalDpi xmlns:a14="http://schemas.microsoft.com/office/drawing/2010/main" val="0"/>
+              </a:ext>
+            </a:extLst>
+          </a:blip>
+          <a:stretch>
+            <a:fillRect/>
+          </a:stretch>
+        </p:blipFill>
+        <p:spPr>
+          <a:xfrm>
+            <a:off x="5413938" y="509218"/>
+            <a:ext cx="1364124" cy="399816"/>
+          </a:xfrm>
+          <a:prstGeom prst="rect">
+            <a:avLst/>
+          </a:prstGeom>
+        </p:spPr>
+      </p:pic>
     </p:spTree>
     <p:extLst>
       <p:ext uri="{BB962C8B-B14F-4D97-AF65-F5344CB8AC3E}">
@@ -5799,6 +8608,9 @@
   <p:clrMapOvr>
     <a:masterClrMapping/>
   </p:clrMapOvr>
+  <p:transition spd="slow">
+    <p:push dir="u"/>
+  </p:transition>
   <p:timing>
     <p:tnLst>
       <p:par>

--- a/Documentation/advisor.pptx
+++ b/Documentation/advisor.pptx
@@ -5,37 +5,32 @@
     <p:sldMasterId id="2147483648" r:id="rId1"/>
   </p:sldMasterIdLst>
   <p:notesMasterIdLst>
-    <p:notesMasterId r:id="rId30"/>
+    <p:notesMasterId r:id="rId25"/>
   </p:notesMasterIdLst>
   <p:sldIdLst>
     <p:sldId id="256" r:id="rId2"/>
-    <p:sldId id="258" r:id="rId3"/>
-    <p:sldId id="257" r:id="rId4"/>
-    <p:sldId id="266" r:id="rId5"/>
-    <p:sldId id="260" r:id="rId6"/>
-    <p:sldId id="261" r:id="rId7"/>
-    <p:sldId id="267" r:id="rId8"/>
-    <p:sldId id="270" r:id="rId9"/>
-    <p:sldId id="271" r:id="rId10"/>
-    <p:sldId id="272" r:id="rId11"/>
+    <p:sldId id="291" r:id="rId3"/>
+    <p:sldId id="258" r:id="rId4"/>
+    <p:sldId id="257" r:id="rId5"/>
+    <p:sldId id="266" r:id="rId6"/>
+    <p:sldId id="260" r:id="rId7"/>
+    <p:sldId id="261" r:id="rId8"/>
+    <p:sldId id="267" r:id="rId9"/>
+    <p:sldId id="270" r:id="rId10"/>
+    <p:sldId id="271" r:id="rId11"/>
     <p:sldId id="273" r:id="rId12"/>
-    <p:sldId id="274" r:id="rId13"/>
-    <p:sldId id="275" r:id="rId14"/>
-    <p:sldId id="276" r:id="rId15"/>
-    <p:sldId id="277" r:id="rId16"/>
-    <p:sldId id="278" r:id="rId17"/>
-    <p:sldId id="279" r:id="rId18"/>
-    <p:sldId id="285" r:id="rId19"/>
-    <p:sldId id="286" r:id="rId20"/>
-    <p:sldId id="280" r:id="rId21"/>
-    <p:sldId id="287" r:id="rId22"/>
-    <p:sldId id="288" r:id="rId23"/>
-    <p:sldId id="290" r:id="rId24"/>
-    <p:sldId id="289" r:id="rId25"/>
-    <p:sldId id="284" r:id="rId26"/>
-    <p:sldId id="281" r:id="rId27"/>
-    <p:sldId id="282" r:id="rId28"/>
-    <p:sldId id="283" r:id="rId29"/>
+    <p:sldId id="275" r:id="rId13"/>
+    <p:sldId id="277" r:id="rId14"/>
+    <p:sldId id="286" r:id="rId15"/>
+    <p:sldId id="280" r:id="rId16"/>
+    <p:sldId id="287" r:id="rId17"/>
+    <p:sldId id="288" r:id="rId18"/>
+    <p:sldId id="290" r:id="rId19"/>
+    <p:sldId id="289" r:id="rId20"/>
+    <p:sldId id="284" r:id="rId21"/>
+    <p:sldId id="281" r:id="rId22"/>
+    <p:sldId id="282" r:id="rId23"/>
+    <p:sldId id="283" r:id="rId24"/>
   </p:sldIdLst>
   <p:sldSz cx="12192000" cy="6858000"/>
   <p:notesSz cx="6858000" cy="9144000"/>
@@ -576,6 +571,742 @@
 </p:notes>
 </file>
 
+<file path=ppt/notesSlides/notesSlide10.xml><?xml version="1.0" encoding="utf-8"?>
+<p:notes xmlns:a="http://schemas.openxmlformats.org/drawingml/2006/main" xmlns:r="http://schemas.openxmlformats.org/officeDocument/2006/relationships" xmlns:p="http://schemas.openxmlformats.org/presentationml/2006/main">
+  <p:cSld>
+    <p:spTree>
+      <p:nvGrpSpPr>
+        <p:cNvPr id="1" name=""/>
+        <p:cNvGrpSpPr/>
+        <p:nvPr/>
+      </p:nvGrpSpPr>
+      <p:grpSpPr>
+        <a:xfrm>
+          <a:off x="0" y="0"/>
+          <a:ext cx="0" cy="0"/>
+          <a:chOff x="0" y="0"/>
+          <a:chExt cx="0" cy="0"/>
+        </a:xfrm>
+      </p:grpSpPr>
+      <p:sp>
+        <p:nvSpPr>
+          <p:cNvPr id="2" name="Slide Image Placeholder 1"/>
+          <p:cNvSpPr>
+            <a:spLocks noGrp="1" noRot="1" noChangeAspect="1"/>
+          </p:cNvSpPr>
+          <p:nvPr>
+            <p:ph type="sldImg"/>
+          </p:nvPr>
+        </p:nvSpPr>
+        <p:spPr/>
+      </p:sp>
+      <p:sp>
+        <p:nvSpPr>
+          <p:cNvPr id="3" name="Notes Placeholder 2"/>
+          <p:cNvSpPr>
+            <a:spLocks noGrp="1"/>
+          </p:cNvSpPr>
+          <p:nvPr>
+            <p:ph type="body" idx="1"/>
+          </p:nvPr>
+        </p:nvSpPr>
+        <p:spPr/>
+        <p:txBody>
+          <a:bodyPr/>
+          <a:lstStyle/>
+          <a:p>
+            <a:r>
+              <a:rPr lang="el-GR" dirty="0" smtClean="0"/>
+              <a:t>Να</a:t>
+            </a:r>
+            <a:r>
+              <a:rPr lang="el-GR" baseline="0" dirty="0" smtClean="0"/>
+              <a:t> μπορεί να γίνουν έξυπνες συστάσεις από τα μοντέλα μηχανικής μάθησης ως προς την προσέγγιση καταναλωτών (πχ. προτιμότερη ώρα και μέσο επικοινωνίας για συγκεκριμένο καταναλωτή)</a:t>
+            </a:r>
+            <a:endParaRPr lang="en-US" dirty="0"/>
+          </a:p>
+        </p:txBody>
+      </p:sp>
+      <p:sp>
+        <p:nvSpPr>
+          <p:cNvPr id="4" name="Slide Number Placeholder 3"/>
+          <p:cNvSpPr>
+            <a:spLocks noGrp="1"/>
+          </p:cNvSpPr>
+          <p:nvPr>
+            <p:ph type="sldNum" sz="quarter" idx="10"/>
+          </p:nvPr>
+        </p:nvSpPr>
+        <p:spPr/>
+        <p:txBody>
+          <a:bodyPr/>
+          <a:lstStyle/>
+          <a:p>
+            <a:fld id="{3ECAFC20-3B04-48D0-8F76-C15FDB891BC6}" type="slidenum">
+              <a:rPr lang="en-US" smtClean="0"/>
+              <a:t>12</a:t>
+            </a:fld>
+            <a:endParaRPr lang="en-US"/>
+          </a:p>
+        </p:txBody>
+      </p:sp>
+    </p:spTree>
+    <p:extLst>
+      <p:ext uri="{BB962C8B-B14F-4D97-AF65-F5344CB8AC3E}">
+        <p14:creationId xmlns:p14="http://schemas.microsoft.com/office/powerpoint/2010/main" val="655329176"/>
+      </p:ext>
+    </p:extLst>
+  </p:cSld>
+  <p:clrMapOvr>
+    <a:masterClrMapping/>
+  </p:clrMapOvr>
+</p:notes>
+</file>
+
+<file path=ppt/notesSlides/notesSlide11.xml><?xml version="1.0" encoding="utf-8"?>
+<p:notes xmlns:a="http://schemas.openxmlformats.org/drawingml/2006/main" xmlns:r="http://schemas.openxmlformats.org/officeDocument/2006/relationships" xmlns:p="http://schemas.openxmlformats.org/presentationml/2006/main">
+  <p:cSld>
+    <p:spTree>
+      <p:nvGrpSpPr>
+        <p:cNvPr id="1" name=""/>
+        <p:cNvGrpSpPr/>
+        <p:nvPr/>
+      </p:nvGrpSpPr>
+      <p:grpSpPr>
+        <a:xfrm>
+          <a:off x="0" y="0"/>
+          <a:ext cx="0" cy="0"/>
+          <a:chOff x="0" y="0"/>
+          <a:chExt cx="0" cy="0"/>
+        </a:xfrm>
+      </p:grpSpPr>
+      <p:sp>
+        <p:nvSpPr>
+          <p:cNvPr id="2" name="Slide Image Placeholder 1"/>
+          <p:cNvSpPr>
+            <a:spLocks noGrp="1" noRot="1" noChangeAspect="1"/>
+          </p:cNvSpPr>
+          <p:nvPr>
+            <p:ph type="sldImg"/>
+          </p:nvPr>
+        </p:nvSpPr>
+        <p:spPr/>
+      </p:sp>
+      <p:sp>
+        <p:nvSpPr>
+          <p:cNvPr id="3" name="Notes Placeholder 2"/>
+          <p:cNvSpPr>
+            <a:spLocks noGrp="1"/>
+          </p:cNvSpPr>
+          <p:nvPr>
+            <p:ph type="body" idx="1"/>
+          </p:nvPr>
+        </p:nvSpPr>
+        <p:spPr/>
+        <p:txBody>
+          <a:bodyPr/>
+          <a:lstStyle/>
+          <a:p>
+            <a:r>
+              <a:rPr lang="el-GR" dirty="0" smtClean="0"/>
+              <a:t>Ανάλυση και γραφική αναπαράσταση πελατολογίου για κάθε ασφαλιστή.</a:t>
+            </a:r>
+            <a:endParaRPr lang="en-US" dirty="0"/>
+          </a:p>
+        </p:txBody>
+      </p:sp>
+      <p:sp>
+        <p:nvSpPr>
+          <p:cNvPr id="4" name="Slide Number Placeholder 3"/>
+          <p:cNvSpPr>
+            <a:spLocks noGrp="1"/>
+          </p:cNvSpPr>
+          <p:nvPr>
+            <p:ph type="sldNum" sz="quarter" idx="10"/>
+          </p:nvPr>
+        </p:nvSpPr>
+        <p:spPr/>
+        <p:txBody>
+          <a:bodyPr/>
+          <a:lstStyle/>
+          <a:p>
+            <a:fld id="{3ECAFC20-3B04-48D0-8F76-C15FDB891BC6}" type="slidenum">
+              <a:rPr lang="en-US" smtClean="0"/>
+              <a:t>13</a:t>
+            </a:fld>
+            <a:endParaRPr lang="en-US"/>
+          </a:p>
+        </p:txBody>
+      </p:sp>
+    </p:spTree>
+    <p:extLst>
+      <p:ext uri="{BB962C8B-B14F-4D97-AF65-F5344CB8AC3E}">
+        <p14:creationId xmlns:p14="http://schemas.microsoft.com/office/powerpoint/2010/main" val="1110267300"/>
+      </p:ext>
+    </p:extLst>
+  </p:cSld>
+  <p:clrMapOvr>
+    <a:masterClrMapping/>
+  </p:clrMapOvr>
+</p:notes>
+</file>
+
+<file path=ppt/notesSlides/notesSlide12.xml><?xml version="1.0" encoding="utf-8"?>
+<p:notes xmlns:a="http://schemas.openxmlformats.org/drawingml/2006/main" xmlns:r="http://schemas.openxmlformats.org/officeDocument/2006/relationships" xmlns:p="http://schemas.openxmlformats.org/presentationml/2006/main">
+  <p:cSld>
+    <p:spTree>
+      <p:nvGrpSpPr>
+        <p:cNvPr id="1" name=""/>
+        <p:cNvGrpSpPr/>
+        <p:nvPr/>
+      </p:nvGrpSpPr>
+      <p:grpSpPr>
+        <a:xfrm>
+          <a:off x="0" y="0"/>
+          <a:ext cx="0" cy="0"/>
+          <a:chOff x="0" y="0"/>
+          <a:chExt cx="0" cy="0"/>
+        </a:xfrm>
+      </p:grpSpPr>
+      <p:sp>
+        <p:nvSpPr>
+          <p:cNvPr id="2" name="Slide Image Placeholder 1"/>
+          <p:cNvSpPr>
+            <a:spLocks noGrp="1" noRot="1" noChangeAspect="1"/>
+          </p:cNvSpPr>
+          <p:nvPr>
+            <p:ph type="sldImg"/>
+          </p:nvPr>
+        </p:nvSpPr>
+        <p:spPr/>
+      </p:sp>
+      <p:sp>
+        <p:nvSpPr>
+          <p:cNvPr id="3" name="Notes Placeholder 2"/>
+          <p:cNvSpPr>
+            <a:spLocks noGrp="1"/>
+          </p:cNvSpPr>
+          <p:nvPr>
+            <p:ph type="body" idx="1"/>
+          </p:nvPr>
+        </p:nvSpPr>
+        <p:spPr/>
+        <p:txBody>
+          <a:bodyPr/>
+          <a:lstStyle/>
+          <a:p>
+            <a:r>
+              <a:rPr lang="el-GR" dirty="0" smtClean="0"/>
+              <a:t>Μια</a:t>
+            </a:r>
+            <a:r>
+              <a:rPr lang="el-GR" baseline="0" dirty="0" smtClean="0"/>
+              <a:t> εξαιρετικά ενδιαφέρον δυνατότητα είναι η δημιουργία </a:t>
+            </a:r>
+            <a:r>
+              <a:rPr lang="el-GR" baseline="0" dirty="0" err="1" smtClean="0"/>
+              <a:t>συμπεριφορικού</a:t>
+            </a:r>
+            <a:r>
+              <a:rPr lang="el-GR" baseline="0" dirty="0" smtClean="0"/>
+              <a:t> μοντέλου των πελατών και των φίλων τους με τη χρήση μεθοδολογιών </a:t>
+            </a:r>
+            <a:r>
+              <a:rPr lang="en-US" baseline="0" dirty="0" smtClean="0"/>
+              <a:t>Deep Learning.</a:t>
+            </a:r>
+            <a:br>
+              <a:rPr lang="en-US" baseline="0" dirty="0" smtClean="0"/>
+            </a:br>
+            <a:r>
+              <a:rPr lang="en-US" baseline="0" dirty="0" smtClean="0"/>
+              <a:t/>
+            </a:r>
+            <a:br>
+              <a:rPr lang="en-US" baseline="0" dirty="0" smtClean="0"/>
+            </a:br>
+            <a:r>
+              <a:rPr lang="el-GR" baseline="0" dirty="0" smtClean="0"/>
+              <a:t>Θα δούμε στη συνέχεια περισσότερες λεπτομέρειες.</a:t>
+            </a:r>
+            <a:endParaRPr lang="en-US" dirty="0"/>
+          </a:p>
+        </p:txBody>
+      </p:sp>
+      <p:sp>
+        <p:nvSpPr>
+          <p:cNvPr id="4" name="Slide Number Placeholder 3"/>
+          <p:cNvSpPr>
+            <a:spLocks noGrp="1"/>
+          </p:cNvSpPr>
+          <p:nvPr>
+            <p:ph type="sldNum" sz="quarter" idx="10"/>
+          </p:nvPr>
+        </p:nvSpPr>
+        <p:spPr/>
+        <p:txBody>
+          <a:bodyPr/>
+          <a:lstStyle/>
+          <a:p>
+            <a:fld id="{3ECAFC20-3B04-48D0-8F76-C15FDB891BC6}" type="slidenum">
+              <a:rPr lang="en-US" smtClean="0"/>
+              <a:t>14</a:t>
+            </a:fld>
+            <a:endParaRPr lang="en-US"/>
+          </a:p>
+        </p:txBody>
+      </p:sp>
+    </p:spTree>
+    <p:extLst>
+      <p:ext uri="{BB962C8B-B14F-4D97-AF65-F5344CB8AC3E}">
+        <p14:creationId xmlns:p14="http://schemas.microsoft.com/office/powerpoint/2010/main" val="500276302"/>
+      </p:ext>
+    </p:extLst>
+  </p:cSld>
+  <p:clrMapOvr>
+    <a:masterClrMapping/>
+  </p:clrMapOvr>
+</p:notes>
+</file>
+
+<file path=ppt/notesSlides/notesSlide13.xml><?xml version="1.0" encoding="utf-8"?>
+<p:notes xmlns:a="http://schemas.openxmlformats.org/drawingml/2006/main" xmlns:r="http://schemas.openxmlformats.org/officeDocument/2006/relationships" xmlns:p="http://schemas.openxmlformats.org/presentationml/2006/main">
+  <p:cSld>
+    <p:spTree>
+      <p:nvGrpSpPr>
+        <p:cNvPr id="1" name=""/>
+        <p:cNvGrpSpPr/>
+        <p:nvPr/>
+      </p:nvGrpSpPr>
+      <p:grpSpPr>
+        <a:xfrm>
+          <a:off x="0" y="0"/>
+          <a:ext cx="0" cy="0"/>
+          <a:chOff x="0" y="0"/>
+          <a:chExt cx="0" cy="0"/>
+        </a:xfrm>
+      </p:grpSpPr>
+      <p:sp>
+        <p:nvSpPr>
+          <p:cNvPr id="2" name="Slide Image Placeholder 1"/>
+          <p:cNvSpPr>
+            <a:spLocks noGrp="1" noRot="1" noChangeAspect="1"/>
+          </p:cNvSpPr>
+          <p:nvPr>
+            <p:ph type="sldImg"/>
+          </p:nvPr>
+        </p:nvSpPr>
+        <p:spPr/>
+      </p:sp>
+      <p:sp>
+        <p:nvSpPr>
+          <p:cNvPr id="3" name="Notes Placeholder 2"/>
+          <p:cNvSpPr>
+            <a:spLocks noGrp="1"/>
+          </p:cNvSpPr>
+          <p:nvPr>
+            <p:ph type="body" idx="1"/>
+          </p:nvPr>
+        </p:nvSpPr>
+        <p:spPr/>
+        <p:txBody>
+          <a:bodyPr/>
+          <a:lstStyle/>
+          <a:p>
+            <a:r>
+              <a:rPr lang="el-GR" dirty="0" smtClean="0"/>
+              <a:t>Τι</a:t>
+            </a:r>
+            <a:r>
+              <a:rPr lang="el-GR" baseline="0" dirty="0" smtClean="0"/>
+              <a:t> πετυχαίνουμε;</a:t>
+            </a:r>
+          </a:p>
+          <a:p>
+            <a:endParaRPr lang="el-GR" baseline="0" dirty="0" smtClean="0"/>
+          </a:p>
+          <a:p>
+            <a:r>
+              <a:rPr lang="el-GR" baseline="0" dirty="0" smtClean="0"/>
+              <a:t>- Να αυξήσουμε τον αριθμό των </a:t>
+            </a:r>
+            <a:r>
+              <a:rPr lang="en-US" baseline="0" dirty="0" smtClean="0"/>
+              <a:t>cross-sales</a:t>
+            </a:r>
+          </a:p>
+          <a:p>
+            <a:r>
+              <a:rPr lang="en-US" baseline="0" dirty="0" smtClean="0"/>
+              <a:t>- </a:t>
+            </a:r>
+            <a:r>
+              <a:rPr lang="el-GR" baseline="0" dirty="0" smtClean="0"/>
+              <a:t>Να βοηθήσουμε στην κατανόηση συγκεκριμένων μερίδων του πληθυσμού όσο αφορά τον τομέα της ασφάλισης</a:t>
+            </a:r>
+            <a:endParaRPr lang="en-US" dirty="0"/>
+          </a:p>
+        </p:txBody>
+      </p:sp>
+      <p:sp>
+        <p:nvSpPr>
+          <p:cNvPr id="4" name="Slide Number Placeholder 3"/>
+          <p:cNvSpPr>
+            <a:spLocks noGrp="1"/>
+          </p:cNvSpPr>
+          <p:nvPr>
+            <p:ph type="sldNum" sz="quarter" idx="10"/>
+          </p:nvPr>
+        </p:nvSpPr>
+        <p:spPr/>
+        <p:txBody>
+          <a:bodyPr/>
+          <a:lstStyle/>
+          <a:p>
+            <a:fld id="{3ECAFC20-3B04-48D0-8F76-C15FDB891BC6}" type="slidenum">
+              <a:rPr lang="en-US" smtClean="0"/>
+              <a:t>15</a:t>
+            </a:fld>
+            <a:endParaRPr lang="en-US"/>
+          </a:p>
+        </p:txBody>
+      </p:sp>
+    </p:spTree>
+    <p:extLst>
+      <p:ext uri="{BB962C8B-B14F-4D97-AF65-F5344CB8AC3E}">
+        <p14:creationId xmlns:p14="http://schemas.microsoft.com/office/powerpoint/2010/main" val="1961305622"/>
+      </p:ext>
+    </p:extLst>
+  </p:cSld>
+  <p:clrMapOvr>
+    <a:masterClrMapping/>
+  </p:clrMapOvr>
+</p:notes>
+</file>
+
+<file path=ppt/notesSlides/notesSlide14.xml><?xml version="1.0" encoding="utf-8"?>
+<p:notes xmlns:a="http://schemas.openxmlformats.org/drawingml/2006/main" xmlns:r="http://schemas.openxmlformats.org/officeDocument/2006/relationships" xmlns:p="http://schemas.openxmlformats.org/presentationml/2006/main">
+  <p:cSld>
+    <p:spTree>
+      <p:nvGrpSpPr>
+        <p:cNvPr id="1" name=""/>
+        <p:cNvGrpSpPr/>
+        <p:nvPr/>
+      </p:nvGrpSpPr>
+      <p:grpSpPr>
+        <a:xfrm>
+          <a:off x="0" y="0"/>
+          <a:ext cx="0" cy="0"/>
+          <a:chOff x="0" y="0"/>
+          <a:chExt cx="0" cy="0"/>
+        </a:xfrm>
+      </p:grpSpPr>
+      <p:sp>
+        <p:nvSpPr>
+          <p:cNvPr id="2" name="Slide Image Placeholder 1"/>
+          <p:cNvSpPr>
+            <a:spLocks noGrp="1" noRot="1" noChangeAspect="1"/>
+          </p:cNvSpPr>
+          <p:nvPr>
+            <p:ph type="sldImg"/>
+          </p:nvPr>
+        </p:nvSpPr>
+        <p:spPr/>
+      </p:sp>
+      <p:sp>
+        <p:nvSpPr>
+          <p:cNvPr id="3" name="Notes Placeholder 2"/>
+          <p:cNvSpPr>
+            <a:spLocks noGrp="1"/>
+          </p:cNvSpPr>
+          <p:nvPr>
+            <p:ph type="body" idx="1"/>
+          </p:nvPr>
+        </p:nvSpPr>
+        <p:spPr/>
+        <p:txBody>
+          <a:bodyPr/>
+          <a:lstStyle/>
+          <a:p>
+            <a:endParaRPr lang="en-US" dirty="0"/>
+          </a:p>
+        </p:txBody>
+      </p:sp>
+      <p:sp>
+        <p:nvSpPr>
+          <p:cNvPr id="4" name="Slide Number Placeholder 3"/>
+          <p:cNvSpPr>
+            <a:spLocks noGrp="1"/>
+          </p:cNvSpPr>
+          <p:nvPr>
+            <p:ph type="sldNum" sz="quarter" idx="10"/>
+          </p:nvPr>
+        </p:nvSpPr>
+        <p:spPr/>
+        <p:txBody>
+          <a:bodyPr/>
+          <a:lstStyle/>
+          <a:p>
+            <a:fld id="{3ECAFC20-3B04-48D0-8F76-C15FDB891BC6}" type="slidenum">
+              <a:rPr lang="en-US" smtClean="0"/>
+              <a:t>16</a:t>
+            </a:fld>
+            <a:endParaRPr lang="en-US"/>
+          </a:p>
+        </p:txBody>
+      </p:sp>
+    </p:spTree>
+    <p:extLst>
+      <p:ext uri="{BB962C8B-B14F-4D97-AF65-F5344CB8AC3E}">
+        <p14:creationId xmlns:p14="http://schemas.microsoft.com/office/powerpoint/2010/main" val="679850511"/>
+      </p:ext>
+    </p:extLst>
+  </p:cSld>
+  <p:clrMapOvr>
+    <a:masterClrMapping/>
+  </p:clrMapOvr>
+</p:notes>
+</file>
+
+<file path=ppt/notesSlides/notesSlide15.xml><?xml version="1.0" encoding="utf-8"?>
+<p:notes xmlns:a="http://schemas.openxmlformats.org/drawingml/2006/main" xmlns:r="http://schemas.openxmlformats.org/officeDocument/2006/relationships" xmlns:p="http://schemas.openxmlformats.org/presentationml/2006/main">
+  <p:cSld>
+    <p:spTree>
+      <p:nvGrpSpPr>
+        <p:cNvPr id="1" name=""/>
+        <p:cNvGrpSpPr/>
+        <p:nvPr/>
+      </p:nvGrpSpPr>
+      <p:grpSpPr>
+        <a:xfrm>
+          <a:off x="0" y="0"/>
+          <a:ext cx="0" cy="0"/>
+          <a:chOff x="0" y="0"/>
+          <a:chExt cx="0" cy="0"/>
+        </a:xfrm>
+      </p:grpSpPr>
+      <p:sp>
+        <p:nvSpPr>
+          <p:cNvPr id="2" name="Slide Image Placeholder 1"/>
+          <p:cNvSpPr>
+            <a:spLocks noGrp="1" noRot="1" noChangeAspect="1"/>
+          </p:cNvSpPr>
+          <p:nvPr>
+            <p:ph type="sldImg"/>
+          </p:nvPr>
+        </p:nvSpPr>
+        <p:spPr/>
+      </p:sp>
+      <p:sp>
+        <p:nvSpPr>
+          <p:cNvPr id="3" name="Notes Placeholder 2"/>
+          <p:cNvSpPr>
+            <a:spLocks noGrp="1"/>
+          </p:cNvSpPr>
+          <p:nvPr>
+            <p:ph type="body" idx="1"/>
+          </p:nvPr>
+        </p:nvSpPr>
+        <p:spPr/>
+        <p:txBody>
+          <a:bodyPr/>
+          <a:lstStyle/>
+          <a:p>
+            <a:r>
+              <a:rPr lang="el-GR" dirty="0" smtClean="0"/>
+              <a:t>1. παγκόσμιο επίπεδο</a:t>
+            </a:r>
+          </a:p>
+          <a:p>
+            <a:r>
+              <a:rPr lang="el-GR" dirty="0" smtClean="0"/>
+              <a:t>2. </a:t>
+            </a:r>
+            <a:r>
+              <a:rPr lang="en-US" dirty="0" smtClean="0"/>
+              <a:t>platform</a:t>
+            </a:r>
+            <a:r>
+              <a:rPr lang="en-US" baseline="0" dirty="0" smtClean="0"/>
+              <a:t>  &amp; </a:t>
+            </a:r>
+            <a:r>
+              <a:rPr lang="en-US" baseline="0" dirty="0" err="1" smtClean="0"/>
+              <a:t>RESTFul</a:t>
+            </a:r>
+            <a:r>
+              <a:rPr lang="en-US" baseline="0" dirty="0" smtClean="0"/>
+              <a:t> API</a:t>
+            </a:r>
+            <a:endParaRPr lang="el-GR" dirty="0" smtClean="0"/>
+          </a:p>
+          <a:p>
+            <a:r>
+              <a:rPr lang="el-GR" dirty="0" smtClean="0"/>
+              <a:t>3.</a:t>
+            </a:r>
+            <a:r>
+              <a:rPr lang="el-GR" baseline="0" dirty="0" smtClean="0"/>
+              <a:t> απευθύνεται τόσο στις ασφαλιστικές εταιρίες, όσο και στους ανεξάρτητους </a:t>
+            </a:r>
+            <a:r>
+              <a:rPr lang="en-US" baseline="0" dirty="0" smtClean="0"/>
+              <a:t>brokers</a:t>
+            </a:r>
+          </a:p>
+          <a:p>
+            <a:r>
+              <a:rPr lang="en-US" dirty="0" smtClean="0"/>
+              <a:t>4. </a:t>
+            </a:r>
+            <a:r>
+              <a:rPr lang="el-GR" dirty="0" smtClean="0"/>
+              <a:t>τα έσοδα ενός τέτοιου είδους</a:t>
+            </a:r>
+            <a:r>
+              <a:rPr lang="el-GR" baseline="0" dirty="0" smtClean="0"/>
+              <a:t> </a:t>
+            </a:r>
+            <a:r>
+              <a:rPr lang="en-US" baseline="0" dirty="0" smtClean="0"/>
+              <a:t>start-up </a:t>
+            </a:r>
+            <a:r>
+              <a:rPr lang="el-GR" baseline="0" dirty="0" smtClean="0"/>
+              <a:t>θα προέρχονται από διάφορα </a:t>
+            </a:r>
+            <a:r>
+              <a:rPr lang="en-US" baseline="0" dirty="0" smtClean="0"/>
+              <a:t>subscriptions </a:t>
+            </a:r>
+            <a:r>
+              <a:rPr lang="el-GR" baseline="0" dirty="0" smtClean="0"/>
+              <a:t>πλάνα</a:t>
+            </a:r>
+            <a:endParaRPr lang="el-GR" dirty="0" smtClean="0"/>
+          </a:p>
+        </p:txBody>
+      </p:sp>
+      <p:sp>
+        <p:nvSpPr>
+          <p:cNvPr id="4" name="Slide Number Placeholder 3"/>
+          <p:cNvSpPr>
+            <a:spLocks noGrp="1"/>
+          </p:cNvSpPr>
+          <p:nvPr>
+            <p:ph type="sldNum" sz="quarter" idx="10"/>
+          </p:nvPr>
+        </p:nvSpPr>
+        <p:spPr/>
+        <p:txBody>
+          <a:bodyPr/>
+          <a:lstStyle/>
+          <a:p>
+            <a:fld id="{3ECAFC20-3B04-48D0-8F76-C15FDB891BC6}" type="slidenum">
+              <a:rPr lang="en-US" smtClean="0"/>
+              <a:t>19</a:t>
+            </a:fld>
+            <a:endParaRPr lang="en-US"/>
+          </a:p>
+        </p:txBody>
+      </p:sp>
+    </p:spTree>
+    <p:extLst>
+      <p:ext uri="{BB962C8B-B14F-4D97-AF65-F5344CB8AC3E}">
+        <p14:creationId xmlns:p14="http://schemas.microsoft.com/office/powerpoint/2010/main" val="381787307"/>
+      </p:ext>
+    </p:extLst>
+  </p:cSld>
+  <p:clrMapOvr>
+    <a:masterClrMapping/>
+  </p:clrMapOvr>
+</p:notes>
+</file>
+
+<file path=ppt/notesSlides/notesSlide16.xml><?xml version="1.0" encoding="utf-8"?>
+<p:notes xmlns:a="http://schemas.openxmlformats.org/drawingml/2006/main" xmlns:r="http://schemas.openxmlformats.org/officeDocument/2006/relationships" xmlns:p="http://schemas.openxmlformats.org/presentationml/2006/main">
+  <p:cSld>
+    <p:spTree>
+      <p:nvGrpSpPr>
+        <p:cNvPr id="1" name=""/>
+        <p:cNvGrpSpPr/>
+        <p:nvPr/>
+      </p:nvGrpSpPr>
+      <p:grpSpPr>
+        <a:xfrm>
+          <a:off x="0" y="0"/>
+          <a:ext cx="0" cy="0"/>
+          <a:chOff x="0" y="0"/>
+          <a:chExt cx="0" cy="0"/>
+        </a:xfrm>
+      </p:grpSpPr>
+      <p:sp>
+        <p:nvSpPr>
+          <p:cNvPr id="2" name="Slide Image Placeholder 1"/>
+          <p:cNvSpPr>
+            <a:spLocks noGrp="1" noRot="1" noChangeAspect="1"/>
+          </p:cNvSpPr>
+          <p:nvPr>
+            <p:ph type="sldImg"/>
+          </p:nvPr>
+        </p:nvSpPr>
+        <p:spPr/>
+      </p:sp>
+      <p:sp>
+        <p:nvSpPr>
+          <p:cNvPr id="3" name="Notes Placeholder 2"/>
+          <p:cNvSpPr>
+            <a:spLocks noGrp="1"/>
+          </p:cNvSpPr>
+          <p:nvPr>
+            <p:ph type="body" idx="1"/>
+          </p:nvPr>
+        </p:nvSpPr>
+        <p:spPr/>
+        <p:txBody>
+          <a:bodyPr/>
+          <a:lstStyle/>
+          <a:p>
+            <a:endParaRPr lang="en-US" dirty="0"/>
+          </a:p>
+        </p:txBody>
+      </p:sp>
+      <p:sp>
+        <p:nvSpPr>
+          <p:cNvPr id="4" name="Slide Number Placeholder 3"/>
+          <p:cNvSpPr>
+            <a:spLocks noGrp="1"/>
+          </p:cNvSpPr>
+          <p:nvPr>
+            <p:ph type="sldNum" sz="quarter" idx="10"/>
+          </p:nvPr>
+        </p:nvSpPr>
+        <p:spPr/>
+        <p:txBody>
+          <a:bodyPr/>
+          <a:lstStyle/>
+          <a:p>
+            <a:fld id="{3ECAFC20-3B04-48D0-8F76-C15FDB891BC6}" type="slidenum">
+              <a:rPr lang="en-US" smtClean="0"/>
+              <a:t>20</a:t>
+            </a:fld>
+            <a:endParaRPr lang="en-US"/>
+          </a:p>
+        </p:txBody>
+      </p:sp>
+    </p:spTree>
+    <p:extLst>
+      <p:ext uri="{BB962C8B-B14F-4D97-AF65-F5344CB8AC3E}">
+        <p14:creationId xmlns:p14="http://schemas.microsoft.com/office/powerpoint/2010/main" val="1665743511"/>
+      </p:ext>
+    </p:extLst>
+  </p:cSld>
+  <p:clrMapOvr>
+    <a:masterClrMapping/>
+  </p:clrMapOvr>
+</p:notes>
+</file>
+
 <file path=ppt/notesSlides/notesSlide2.xml><?xml version="1.0" encoding="utf-8"?>
 <p:notes xmlns:a="http://schemas.openxmlformats.org/drawingml/2006/main" xmlns:r="http://schemas.openxmlformats.org/officeDocument/2006/relationships" xmlns:p="http://schemas.openxmlformats.org/presentationml/2006/main">
   <p:cSld>
@@ -620,6 +1351,56 @@
           <a:bodyPr/>
           <a:lstStyle/>
           <a:p>
+            <a:pPr marL="171450" indent="-171450">
+              <a:buFont typeface="Arial" charset="0"/>
+              <a:buChar char="•"/>
+            </a:pPr>
+            <a:r>
+              <a:rPr lang="el-GR" dirty="0" smtClean="0"/>
+              <a:t>Εποχή των </a:t>
+            </a:r>
+            <a:r>
+              <a:rPr lang="en-US" dirty="0" smtClean="0"/>
+              <a:t>big data</a:t>
+            </a:r>
+          </a:p>
+          <a:p>
+            <a:pPr marL="171450" indent="-171450">
+              <a:buFont typeface="Arial" charset="0"/>
+              <a:buChar char="•"/>
+            </a:pPr>
+            <a:r>
+              <a:rPr lang="el-GR" dirty="0" smtClean="0"/>
+              <a:t>Ασφαλιστικές εταιρίες</a:t>
+            </a:r>
+            <a:r>
+              <a:rPr lang="el-GR" baseline="0" dirty="0" smtClean="0"/>
+              <a:t> </a:t>
+            </a:r>
+            <a:r>
+              <a:rPr lang="mr-IN" baseline="0" dirty="0" smtClean="0"/>
+              <a:t>–</a:t>
+            </a:r>
+            <a:r>
+              <a:rPr lang="el-GR" baseline="0" dirty="0" smtClean="0"/>
+              <a:t> μεγάλο όγκο δεδομένων</a:t>
+            </a:r>
+            <a:r>
+              <a:rPr lang="mr-IN" baseline="0" dirty="0" smtClean="0"/>
+              <a:t>–</a:t>
+            </a:r>
+            <a:r>
+              <a:rPr lang="el-GR" baseline="0" dirty="0" smtClean="0"/>
+              <a:t> αξιοποίηση του </a:t>
+            </a:r>
+            <a:r>
+              <a:rPr lang="en-US" baseline="0" dirty="0" smtClean="0"/>
+              <a:t>full</a:t>
+            </a:r>
+            <a:r>
+              <a:rPr lang="el-GR" baseline="0" dirty="0" smtClean="0"/>
+              <a:t> των δυνατοτήτων τους</a:t>
+            </a:r>
             <a:endParaRPr lang="en-US" dirty="0"/>
           </a:p>
         </p:txBody>
@@ -650,7 +1431,7 @@
     </p:spTree>
     <p:extLst>
       <p:ext uri="{BB962C8B-B14F-4D97-AF65-F5344CB8AC3E}">
-        <p14:creationId xmlns:p14="http://schemas.microsoft.com/office/powerpoint/2010/main" val="1039006509"/>
+        <p14:creationId xmlns:p14="http://schemas.microsoft.com/office/powerpoint/2010/main" val="2036096118"/>
       </p:ext>
     </p:extLst>
   </p:cSld>
@@ -704,6 +1485,279 @@
           <a:bodyPr/>
           <a:lstStyle/>
           <a:p>
+            <a:pPr marL="171450" indent="-171450">
+              <a:buFont typeface="Arial" charset="0"/>
+              <a:buChar char="•"/>
+            </a:pPr>
+            <a:endParaRPr lang="el-GR" dirty="0" smtClean="0"/>
+          </a:p>
+          <a:p>
+            <a:pPr marL="171450" indent="-171450">
+              <a:buFont typeface="Arial" charset="0"/>
+              <a:buChar char="•"/>
+            </a:pPr>
+            <a:r>
+              <a:rPr lang="el-GR" baseline="0" dirty="0" smtClean="0"/>
+              <a:t>Για παράδειγμα, μέσα από την εκμετάλλευση των δεδομένων αυτών, μπορούμε να απαντήσουμε σε ερωτήματα όπως:</a:t>
+            </a:r>
+          </a:p>
+          <a:p>
+            <a:pPr marL="171450" marR="0" indent="-171450" algn="l" defTabSz="914400" rtl="0" eaLnBrk="1" fontAlgn="auto" latinLnBrk="0" hangingPunct="1">
+              <a:lnSpc>
+                <a:spcPct val="100000"/>
+              </a:lnSpc>
+              <a:spcBef>
+                <a:spcPts val="0"/>
+              </a:spcBef>
+              <a:spcAft>
+                <a:spcPts val="0"/>
+              </a:spcAft>
+              <a:buClrTx/>
+              <a:buSzTx/>
+              <a:buFont typeface="Arial" charset="0"/>
+              <a:buChar char="•"/>
+              <a:tabLst/>
+              <a:defRPr/>
+            </a:pPr>
+            <a:r>
+              <a:rPr lang="el-GR" dirty="0" smtClean="0"/>
+              <a:t>Τί ωθεί συγκεκριμένες μερίδες πληθυσμού στο να συμφωνήσουν σε</a:t>
+            </a:r>
+            <a:r>
+              <a:rPr lang="el-GR" baseline="0" dirty="0" smtClean="0"/>
+              <a:t> καινούρια ασφαλιστικά πλάνα;</a:t>
+            </a:r>
+          </a:p>
+          <a:p>
+            <a:pPr marL="171450" indent="-171450">
+              <a:buFont typeface="Arial" charset="0"/>
+              <a:buChar char="•"/>
+            </a:pPr>
+            <a:endParaRPr lang="el-GR" baseline="0" dirty="0" smtClean="0"/>
+          </a:p>
+        </p:txBody>
+      </p:sp>
+      <p:sp>
+        <p:nvSpPr>
+          <p:cNvPr id="4" name="Slide Number Placeholder 3"/>
+          <p:cNvSpPr>
+            <a:spLocks noGrp="1"/>
+          </p:cNvSpPr>
+          <p:nvPr>
+            <p:ph type="sldNum" sz="quarter" idx="10"/>
+          </p:nvPr>
+        </p:nvSpPr>
+        <p:spPr/>
+        <p:txBody>
+          <a:bodyPr/>
+          <a:lstStyle/>
+          <a:p>
+            <a:fld id="{3ECAFC20-3B04-48D0-8F76-C15FDB891BC6}" type="slidenum">
+              <a:rPr lang="en-US" smtClean="0"/>
+              <a:t>5</a:t>
+            </a:fld>
+            <a:endParaRPr lang="en-US"/>
+          </a:p>
+        </p:txBody>
+      </p:sp>
+    </p:spTree>
+    <p:extLst>
+      <p:ext uri="{BB962C8B-B14F-4D97-AF65-F5344CB8AC3E}">
+        <p14:creationId xmlns:p14="http://schemas.microsoft.com/office/powerpoint/2010/main" val="1039006509"/>
+      </p:ext>
+    </p:extLst>
+  </p:cSld>
+  <p:clrMapOvr>
+    <a:masterClrMapping/>
+  </p:clrMapOvr>
+</p:notes>
+</file>
+
+<file path=ppt/notesSlides/notesSlide4.xml><?xml version="1.0" encoding="utf-8"?>
+<p:notes xmlns:a="http://schemas.openxmlformats.org/drawingml/2006/main" xmlns:r="http://schemas.openxmlformats.org/officeDocument/2006/relationships" xmlns:p="http://schemas.openxmlformats.org/presentationml/2006/main">
+  <p:cSld>
+    <p:spTree>
+      <p:nvGrpSpPr>
+        <p:cNvPr id="1" name=""/>
+        <p:cNvGrpSpPr/>
+        <p:nvPr/>
+      </p:nvGrpSpPr>
+      <p:grpSpPr>
+        <a:xfrm>
+          <a:off x="0" y="0"/>
+          <a:ext cx="0" cy="0"/>
+          <a:chOff x="0" y="0"/>
+          <a:chExt cx="0" cy="0"/>
+        </a:xfrm>
+      </p:grpSpPr>
+      <p:sp>
+        <p:nvSpPr>
+          <p:cNvPr id="2" name="Slide Image Placeholder 1"/>
+          <p:cNvSpPr>
+            <a:spLocks noGrp="1" noRot="1" noChangeAspect="1"/>
+          </p:cNvSpPr>
+          <p:nvPr>
+            <p:ph type="sldImg"/>
+          </p:nvPr>
+        </p:nvSpPr>
+        <p:spPr/>
+      </p:sp>
+      <p:sp>
+        <p:nvSpPr>
+          <p:cNvPr id="3" name="Notes Placeholder 2"/>
+          <p:cNvSpPr>
+            <a:spLocks noGrp="1"/>
+          </p:cNvSpPr>
+          <p:nvPr>
+            <p:ph type="body" idx="1"/>
+          </p:nvPr>
+        </p:nvSpPr>
+        <p:spPr/>
+        <p:txBody>
+          <a:bodyPr/>
+          <a:lstStyle/>
+          <a:p>
+            <a:pPr marL="171450" indent="-171450">
+              <a:buFont typeface="Arial" charset="0"/>
+              <a:buChar char="•"/>
+            </a:pPr>
+            <a:r>
+              <a:rPr lang="el-GR" dirty="0" smtClean="0"/>
+              <a:t>Η εμπειρία μέχρι στιγμής έχει δείξει</a:t>
+            </a:r>
+            <a:r>
+              <a:rPr lang="el-GR" baseline="0" dirty="0" smtClean="0"/>
+              <a:t> πως η πλειοψηφία των καταναλωτών περιμένει μέχρι την </a:t>
+            </a:r>
+            <a:r>
+              <a:rPr lang="el-GR" baseline="0" dirty="0" err="1" smtClean="0"/>
+              <a:t>υστάτη</a:t>
+            </a:r>
+            <a:r>
+              <a:rPr lang="el-GR" baseline="0" dirty="0" smtClean="0"/>
+              <a:t> στιγμή για να προμηθευτούν κάποιο ασφαλιστικό σχέδιο, γι' αυτό το βάρος στην προσέγγιση του καταναλωτή πέφτει στον ίδιο τον ασφαλιστή.</a:t>
+            </a:r>
+          </a:p>
+          <a:p>
+            <a:pPr marL="171450" indent="-171450">
+              <a:buFont typeface="Arial" charset="0"/>
+              <a:buChar char="•"/>
+            </a:pPr>
+            <a:r>
+              <a:rPr lang="el-GR" baseline="0" dirty="0" smtClean="0"/>
+              <a:t>ΑΛΛΆ, ο τρόπος με τον οποίο ο ασφαλιστής προσεγγίζει συνήθως τους πελάτες, μπορεί να είναι κάπως εσφαλμένος η </a:t>
+            </a:r>
+            <a:r>
+              <a:rPr lang="el-GR" baseline="0" dirty="0" err="1" smtClean="0"/>
+              <a:t>ελλειπής</a:t>
+            </a:r>
+            <a:r>
+              <a:rPr lang="el-GR" baseline="0" dirty="0" smtClean="0"/>
+              <a:t>.</a:t>
+            </a:r>
+          </a:p>
+        </p:txBody>
+      </p:sp>
+      <p:sp>
+        <p:nvSpPr>
+          <p:cNvPr id="4" name="Slide Number Placeholder 3"/>
+          <p:cNvSpPr>
+            <a:spLocks noGrp="1"/>
+          </p:cNvSpPr>
+          <p:nvPr>
+            <p:ph type="sldNum" sz="quarter" idx="10"/>
+          </p:nvPr>
+        </p:nvSpPr>
+        <p:spPr/>
+        <p:txBody>
+          <a:bodyPr/>
+          <a:lstStyle/>
+          <a:p>
+            <a:fld id="{3ECAFC20-3B04-48D0-8F76-C15FDB891BC6}" type="slidenum">
+              <a:rPr lang="en-US" smtClean="0"/>
+              <a:t>6</a:t>
+            </a:fld>
+            <a:endParaRPr lang="en-US"/>
+          </a:p>
+        </p:txBody>
+      </p:sp>
+    </p:spTree>
+    <p:extLst>
+      <p:ext uri="{BB962C8B-B14F-4D97-AF65-F5344CB8AC3E}">
+        <p14:creationId xmlns:p14="http://schemas.microsoft.com/office/powerpoint/2010/main" val="1341609646"/>
+      </p:ext>
+    </p:extLst>
+  </p:cSld>
+  <p:clrMapOvr>
+    <a:masterClrMapping/>
+  </p:clrMapOvr>
+</p:notes>
+</file>
+
+<file path=ppt/notesSlides/notesSlide5.xml><?xml version="1.0" encoding="utf-8"?>
+<p:notes xmlns:a="http://schemas.openxmlformats.org/drawingml/2006/main" xmlns:r="http://schemas.openxmlformats.org/officeDocument/2006/relationships" xmlns:p="http://schemas.openxmlformats.org/presentationml/2006/main">
+  <p:cSld>
+    <p:spTree>
+      <p:nvGrpSpPr>
+        <p:cNvPr id="1" name=""/>
+        <p:cNvGrpSpPr/>
+        <p:nvPr/>
+      </p:nvGrpSpPr>
+      <p:grpSpPr>
+        <a:xfrm>
+          <a:off x="0" y="0"/>
+          <a:ext cx="0" cy="0"/>
+          <a:chOff x="0" y="0"/>
+          <a:chExt cx="0" cy="0"/>
+        </a:xfrm>
+      </p:grpSpPr>
+      <p:sp>
+        <p:nvSpPr>
+          <p:cNvPr id="2" name="Slide Image Placeholder 1"/>
+          <p:cNvSpPr>
+            <a:spLocks noGrp="1" noRot="1" noChangeAspect="1"/>
+          </p:cNvSpPr>
+          <p:nvPr>
+            <p:ph type="sldImg"/>
+          </p:nvPr>
+        </p:nvSpPr>
+        <p:spPr/>
+      </p:sp>
+      <p:sp>
+        <p:nvSpPr>
+          <p:cNvPr id="3" name="Notes Placeholder 2"/>
+          <p:cNvSpPr>
+            <a:spLocks noGrp="1"/>
+          </p:cNvSpPr>
+          <p:nvPr>
+            <p:ph type="body" idx="1"/>
+          </p:nvPr>
+        </p:nvSpPr>
+        <p:spPr/>
+        <p:txBody>
+          <a:bodyPr/>
+          <a:lstStyle/>
+          <a:p>
+            <a:pPr marL="171450" indent="-171450">
+              <a:buFont typeface="Arial" charset="0"/>
+              <a:buChar char="•"/>
+            </a:pPr>
+            <a:r>
+              <a:rPr lang="el-GR" dirty="0" smtClean="0"/>
+              <a:t>Πώς μπορούμε λοιπόν να επιλύσουμε τέτοιου είδους προβλήματα με ένα πιο ευφυές και</a:t>
+            </a:r>
+            <a:r>
+              <a:rPr lang="el-GR" baseline="0" dirty="0" smtClean="0"/>
+              <a:t> </a:t>
+            </a:r>
+            <a:r>
+              <a:rPr lang="el-GR" baseline="0" dirty="0" err="1" smtClean="0"/>
+              <a:t>στοχευμένο</a:t>
+            </a:r>
+            <a:r>
+              <a:rPr lang="el-GR" baseline="0" dirty="0" smtClean="0"/>
+              <a:t> τρόπο;</a:t>
+            </a:r>
             <a:endParaRPr lang="en-US" dirty="0"/>
           </a:p>
         </p:txBody>
@@ -725,7 +1779,192 @@
           <a:p>
             <a:fld id="{3ECAFC20-3B04-48D0-8F76-C15FDB891BC6}" type="slidenum">
               <a:rPr lang="en-US" smtClean="0"/>
+              <a:t>7</a:t>
+            </a:fld>
+            <a:endParaRPr lang="en-US"/>
+          </a:p>
+        </p:txBody>
+      </p:sp>
+    </p:spTree>
+    <p:extLst>
+      <p:ext uri="{BB962C8B-B14F-4D97-AF65-F5344CB8AC3E}">
+        <p14:creationId xmlns:p14="http://schemas.microsoft.com/office/powerpoint/2010/main" val="40020254"/>
+      </p:ext>
+    </p:extLst>
+  </p:cSld>
+  <p:clrMapOvr>
+    <a:masterClrMapping/>
+  </p:clrMapOvr>
+</p:notes>
+</file>
+
+<file path=ppt/notesSlides/notesSlide6.xml><?xml version="1.0" encoding="utf-8"?>
+<p:notes xmlns:a="http://schemas.openxmlformats.org/drawingml/2006/main" xmlns:r="http://schemas.openxmlformats.org/officeDocument/2006/relationships" xmlns:p="http://schemas.openxmlformats.org/presentationml/2006/main">
+  <p:cSld>
+    <p:spTree>
+      <p:nvGrpSpPr>
+        <p:cNvPr id="1" name=""/>
+        <p:cNvGrpSpPr/>
+        <p:nvPr/>
+      </p:nvGrpSpPr>
+      <p:grpSpPr>
+        <a:xfrm>
+          <a:off x="0" y="0"/>
+          <a:ext cx="0" cy="0"/>
+          <a:chOff x="0" y="0"/>
+          <a:chExt cx="0" cy="0"/>
+        </a:xfrm>
+      </p:grpSpPr>
+      <p:sp>
+        <p:nvSpPr>
+          <p:cNvPr id="2" name="Slide Image Placeholder 1"/>
+          <p:cNvSpPr>
+            <a:spLocks noGrp="1" noRot="1" noChangeAspect="1"/>
+          </p:cNvSpPr>
+          <p:nvPr>
+            <p:ph type="sldImg"/>
+          </p:nvPr>
+        </p:nvSpPr>
+        <p:spPr/>
+      </p:sp>
+      <p:sp>
+        <p:nvSpPr>
+          <p:cNvPr id="3" name="Notes Placeholder 2"/>
+          <p:cNvSpPr>
+            <a:spLocks noGrp="1"/>
+          </p:cNvSpPr>
+          <p:nvPr>
+            <p:ph type="body" idx="1"/>
+          </p:nvPr>
+        </p:nvSpPr>
+        <p:spPr/>
+        <p:txBody>
+          <a:bodyPr/>
+          <a:lstStyle/>
+          <a:p>
+            <a:r>
+              <a:rPr lang="el-GR" dirty="0" smtClean="0"/>
+              <a:t>Με</a:t>
+            </a:r>
+            <a:r>
+              <a:rPr lang="el-GR" baseline="0" dirty="0" smtClean="0"/>
+              <a:t> την εισαγωγή ενός ευφυούς συστήματος το οποίο θα βοηθά τον ασφαλιστή στη λήψη αποφάσεων.</a:t>
+            </a:r>
+          </a:p>
+          <a:p>
+            <a:endParaRPr lang="el-GR" baseline="0" dirty="0" smtClean="0"/>
+          </a:p>
+          <a:p>
+            <a:r>
+              <a:rPr lang="el-GR" baseline="0" dirty="0" smtClean="0"/>
+              <a:t>Το σύστημα αυτό χρησιμοποιεί έξυπνα μοντέλα μηχανικής μάθησης τα οποία αναλύουν όγκο από δεδομένα πελατολογίου και αντλούν αξία από αυτά τα δεδομένα με απώτερο στόχο να καθοδηγήσουν τον οποιοδήποτε ασφαλιστή ως προς τον καταλληλότερο τρόπο προσέγγισης συγκεκριμένων ομάδων καταναλωτών.</a:t>
+            </a:r>
+            <a:endParaRPr lang="en-US" dirty="0"/>
+          </a:p>
+        </p:txBody>
+      </p:sp>
+      <p:sp>
+        <p:nvSpPr>
+          <p:cNvPr id="4" name="Slide Number Placeholder 3"/>
+          <p:cNvSpPr>
+            <a:spLocks noGrp="1"/>
+          </p:cNvSpPr>
+          <p:nvPr>
+            <p:ph type="sldNum" sz="quarter" idx="10"/>
+          </p:nvPr>
+        </p:nvSpPr>
+        <p:spPr/>
+        <p:txBody>
+          <a:bodyPr/>
+          <a:lstStyle/>
+          <a:p>
+            <a:fld id="{3ECAFC20-3B04-48D0-8F76-C15FDB891BC6}" type="slidenum">
+              <a:rPr lang="en-US" smtClean="0"/>
               <a:t>8</a:t>
+            </a:fld>
+            <a:endParaRPr lang="en-US"/>
+          </a:p>
+        </p:txBody>
+      </p:sp>
+    </p:spTree>
+    <p:extLst>
+      <p:ext uri="{BB962C8B-B14F-4D97-AF65-F5344CB8AC3E}">
+        <p14:creationId xmlns:p14="http://schemas.microsoft.com/office/powerpoint/2010/main" val="1856928320"/>
+      </p:ext>
+    </p:extLst>
+  </p:cSld>
+  <p:clrMapOvr>
+    <a:masterClrMapping/>
+  </p:clrMapOvr>
+</p:notes>
+</file>
+
+<file path=ppt/notesSlides/notesSlide7.xml><?xml version="1.0" encoding="utf-8"?>
+<p:notes xmlns:a="http://schemas.openxmlformats.org/drawingml/2006/main" xmlns:r="http://schemas.openxmlformats.org/officeDocument/2006/relationships" xmlns:p="http://schemas.openxmlformats.org/presentationml/2006/main">
+  <p:cSld>
+    <p:spTree>
+      <p:nvGrpSpPr>
+        <p:cNvPr id="1" name=""/>
+        <p:cNvGrpSpPr/>
+        <p:nvPr/>
+      </p:nvGrpSpPr>
+      <p:grpSpPr>
+        <a:xfrm>
+          <a:off x="0" y="0"/>
+          <a:ext cx="0" cy="0"/>
+          <a:chOff x="0" y="0"/>
+          <a:chExt cx="0" cy="0"/>
+        </a:xfrm>
+      </p:grpSpPr>
+      <p:sp>
+        <p:nvSpPr>
+          <p:cNvPr id="2" name="Slide Image Placeholder 1"/>
+          <p:cNvSpPr>
+            <a:spLocks noGrp="1" noRot="1" noChangeAspect="1"/>
+          </p:cNvSpPr>
+          <p:nvPr>
+            <p:ph type="sldImg"/>
+          </p:nvPr>
+        </p:nvSpPr>
+        <p:spPr/>
+      </p:sp>
+      <p:sp>
+        <p:nvSpPr>
+          <p:cNvPr id="3" name="Notes Placeholder 2"/>
+          <p:cNvSpPr>
+            <a:spLocks noGrp="1"/>
+          </p:cNvSpPr>
+          <p:nvPr>
+            <p:ph type="body" idx="1"/>
+          </p:nvPr>
+        </p:nvSpPr>
+        <p:spPr/>
+        <p:txBody>
+          <a:bodyPr/>
+          <a:lstStyle/>
+          <a:p>
+            <a:endParaRPr lang="en-US" dirty="0"/>
+          </a:p>
+        </p:txBody>
+      </p:sp>
+      <p:sp>
+        <p:nvSpPr>
+          <p:cNvPr id="4" name="Slide Number Placeholder 3"/>
+          <p:cNvSpPr>
+            <a:spLocks noGrp="1"/>
+          </p:cNvSpPr>
+          <p:nvPr>
+            <p:ph type="sldNum" sz="quarter" idx="10"/>
+          </p:nvPr>
+        </p:nvSpPr>
+        <p:spPr/>
+        <p:txBody>
+          <a:bodyPr/>
+          <a:lstStyle/>
+          <a:p>
+            <a:fld id="{3ECAFC20-3B04-48D0-8F76-C15FDB891BC6}" type="slidenum">
+              <a:rPr lang="en-US" smtClean="0"/>
+              <a:t>9</a:t>
             </a:fld>
             <a:endParaRPr lang="en-US"/>
           </a:p>
@@ -735,6 +1974,206 @@
     <p:extLst>
       <p:ext uri="{BB962C8B-B14F-4D97-AF65-F5344CB8AC3E}">
         <p14:creationId xmlns:p14="http://schemas.microsoft.com/office/powerpoint/2010/main" val="1817129560"/>
+      </p:ext>
+    </p:extLst>
+  </p:cSld>
+  <p:clrMapOvr>
+    <a:masterClrMapping/>
+  </p:clrMapOvr>
+</p:notes>
+</file>
+
+<file path=ppt/notesSlides/notesSlide8.xml><?xml version="1.0" encoding="utf-8"?>
+<p:notes xmlns:a="http://schemas.openxmlformats.org/drawingml/2006/main" xmlns:r="http://schemas.openxmlformats.org/officeDocument/2006/relationships" xmlns:p="http://schemas.openxmlformats.org/presentationml/2006/main">
+  <p:cSld>
+    <p:spTree>
+      <p:nvGrpSpPr>
+        <p:cNvPr id="1" name=""/>
+        <p:cNvGrpSpPr/>
+        <p:nvPr/>
+      </p:nvGrpSpPr>
+      <p:grpSpPr>
+        <a:xfrm>
+          <a:off x="0" y="0"/>
+          <a:ext cx="0" cy="0"/>
+          <a:chOff x="0" y="0"/>
+          <a:chExt cx="0" cy="0"/>
+        </a:xfrm>
+      </p:grpSpPr>
+      <p:sp>
+        <p:nvSpPr>
+          <p:cNvPr id="2" name="Slide Image Placeholder 1"/>
+          <p:cNvSpPr>
+            <a:spLocks noGrp="1" noRot="1" noChangeAspect="1"/>
+          </p:cNvSpPr>
+          <p:nvPr>
+            <p:ph type="sldImg"/>
+          </p:nvPr>
+        </p:nvSpPr>
+        <p:spPr/>
+      </p:sp>
+      <p:sp>
+        <p:nvSpPr>
+          <p:cNvPr id="3" name="Notes Placeholder 2"/>
+          <p:cNvSpPr>
+            <a:spLocks noGrp="1"/>
+          </p:cNvSpPr>
+          <p:nvPr>
+            <p:ph type="body" idx="1"/>
+          </p:nvPr>
+        </p:nvSpPr>
+        <p:spPr/>
+        <p:txBody>
+          <a:bodyPr/>
+          <a:lstStyle/>
+          <a:p>
+            <a:r>
+              <a:rPr lang="el-GR" dirty="0" smtClean="0"/>
+              <a:t>Άρα το σύστημά μας αυτό έχει</a:t>
+            </a:r>
+            <a:r>
+              <a:rPr lang="el-GR" baseline="0" dirty="0" smtClean="0"/>
+              <a:t> την ικανότητα αυτοματοποιημένα να αντλεί αξία από την πληροφορία με την χρήση μηχανικής μάθησης για υποβοήθηση του </a:t>
+            </a:r>
+            <a:r>
+              <a:rPr lang="en-US" baseline="0" dirty="0" smtClean="0"/>
+              <a:t>decision making.</a:t>
+            </a:r>
+            <a:endParaRPr lang="en-US" dirty="0"/>
+          </a:p>
+        </p:txBody>
+      </p:sp>
+      <p:sp>
+        <p:nvSpPr>
+          <p:cNvPr id="4" name="Slide Number Placeholder 3"/>
+          <p:cNvSpPr>
+            <a:spLocks noGrp="1"/>
+          </p:cNvSpPr>
+          <p:nvPr>
+            <p:ph type="sldNum" sz="quarter" idx="10"/>
+          </p:nvPr>
+        </p:nvSpPr>
+        <p:spPr/>
+        <p:txBody>
+          <a:bodyPr/>
+          <a:lstStyle/>
+          <a:p>
+            <a:fld id="{3ECAFC20-3B04-48D0-8F76-C15FDB891BC6}" type="slidenum">
+              <a:rPr lang="en-US" smtClean="0"/>
+              <a:t>10</a:t>
+            </a:fld>
+            <a:endParaRPr lang="en-US"/>
+          </a:p>
+        </p:txBody>
+      </p:sp>
+    </p:spTree>
+    <p:extLst>
+      <p:ext uri="{BB962C8B-B14F-4D97-AF65-F5344CB8AC3E}">
+        <p14:creationId xmlns:p14="http://schemas.microsoft.com/office/powerpoint/2010/main" val="1383662568"/>
+      </p:ext>
+    </p:extLst>
+  </p:cSld>
+  <p:clrMapOvr>
+    <a:masterClrMapping/>
+  </p:clrMapOvr>
+</p:notes>
+</file>
+
+<file path=ppt/notesSlides/notesSlide9.xml><?xml version="1.0" encoding="utf-8"?>
+<p:notes xmlns:a="http://schemas.openxmlformats.org/drawingml/2006/main" xmlns:r="http://schemas.openxmlformats.org/officeDocument/2006/relationships" xmlns:p="http://schemas.openxmlformats.org/presentationml/2006/main">
+  <p:cSld>
+    <p:spTree>
+      <p:nvGrpSpPr>
+        <p:cNvPr id="1" name=""/>
+        <p:cNvGrpSpPr/>
+        <p:nvPr/>
+      </p:nvGrpSpPr>
+      <p:grpSpPr>
+        <a:xfrm>
+          <a:off x="0" y="0"/>
+          <a:ext cx="0" cy="0"/>
+          <a:chOff x="0" y="0"/>
+          <a:chExt cx="0" cy="0"/>
+        </a:xfrm>
+      </p:grpSpPr>
+      <p:sp>
+        <p:nvSpPr>
+          <p:cNvPr id="2" name="Slide Image Placeholder 1"/>
+          <p:cNvSpPr>
+            <a:spLocks noGrp="1" noRot="1" noChangeAspect="1"/>
+          </p:cNvSpPr>
+          <p:nvPr>
+            <p:ph type="sldImg"/>
+          </p:nvPr>
+        </p:nvSpPr>
+        <p:spPr/>
+      </p:sp>
+      <p:sp>
+        <p:nvSpPr>
+          <p:cNvPr id="3" name="Notes Placeholder 2"/>
+          <p:cNvSpPr>
+            <a:spLocks noGrp="1"/>
+          </p:cNvSpPr>
+          <p:nvPr>
+            <p:ph type="body" idx="1"/>
+          </p:nvPr>
+        </p:nvSpPr>
+        <p:spPr/>
+        <p:txBody>
+          <a:bodyPr/>
+          <a:lstStyle/>
+          <a:p>
+            <a:r>
+              <a:rPr lang="el-GR" dirty="0" smtClean="0"/>
+              <a:t>Μπορεί να εξάγει τους</a:t>
+            </a:r>
+            <a:r>
+              <a:rPr lang="el-GR" baseline="0" dirty="0" smtClean="0"/>
+              <a:t> πιο σημαντικούς που ενδεχομένως επηρεάζουν την ενδεχόμενη ασφάλιση ενός καταναλωτή, δυνατότητα διαχωρισμού και φιλτραρίσματος για </a:t>
+            </a:r>
+            <a:r>
+              <a:rPr lang="el-GR" baseline="0" dirty="0" err="1" smtClean="0"/>
+              <a:t>στοχευμένες</a:t>
+            </a:r>
+            <a:r>
+              <a:rPr lang="el-GR" baseline="0" dirty="0" smtClean="0"/>
+              <a:t> ομάδες του πληθυσμού (πχ. </a:t>
+            </a:r>
+            <a:r>
+              <a:rPr lang="en-US" baseline="0" dirty="0" smtClean="0"/>
+              <a:t>Millennials)</a:t>
+            </a:r>
+            <a:endParaRPr lang="en-US" dirty="0"/>
+          </a:p>
+        </p:txBody>
+      </p:sp>
+      <p:sp>
+        <p:nvSpPr>
+          <p:cNvPr id="4" name="Slide Number Placeholder 3"/>
+          <p:cNvSpPr>
+            <a:spLocks noGrp="1"/>
+          </p:cNvSpPr>
+          <p:nvPr>
+            <p:ph type="sldNum" sz="quarter" idx="10"/>
+          </p:nvPr>
+        </p:nvSpPr>
+        <p:spPr/>
+        <p:txBody>
+          <a:bodyPr/>
+          <a:lstStyle/>
+          <a:p>
+            <a:fld id="{3ECAFC20-3B04-48D0-8F76-C15FDB891BC6}" type="slidenum">
+              <a:rPr lang="en-US" smtClean="0"/>
+              <a:t>11</a:t>
+            </a:fld>
+            <a:endParaRPr lang="en-US"/>
+          </a:p>
+        </p:txBody>
+      </p:sp>
+    </p:spTree>
+    <p:extLst>
+      <p:ext uri="{BB962C8B-B14F-4D97-AF65-F5344CB8AC3E}">
+        <p14:creationId xmlns:p14="http://schemas.microsoft.com/office/powerpoint/2010/main" val="1097825111"/>
       </p:ext>
     </p:extLst>
   </p:cSld>
@@ -3871,79 +5310,6 @@
 <file path=ppt/slides/slide10.xml><?xml version="1.0" encoding="utf-8"?>
 <p:sld xmlns:a="http://schemas.openxmlformats.org/drawingml/2006/main" xmlns:r="http://schemas.openxmlformats.org/officeDocument/2006/relationships" xmlns:p="http://schemas.openxmlformats.org/presentationml/2006/main">
   <p:cSld>
-    <p:spTree>
-      <p:nvGrpSpPr>
-        <p:cNvPr id="1" name=""/>
-        <p:cNvGrpSpPr/>
-        <p:nvPr/>
-      </p:nvGrpSpPr>
-      <p:grpSpPr>
-        <a:xfrm>
-          <a:off x="0" y="0"/>
-          <a:ext cx="0" cy="0"/>
-          <a:chOff x="0" y="0"/>
-          <a:chExt cx="0" cy="0"/>
-        </a:xfrm>
-      </p:grpSpPr>
-      <p:sp>
-        <p:nvSpPr>
-          <p:cNvPr id="3" name="Content Placeholder 2"/>
-          <p:cNvSpPr>
-            <a:spLocks noGrp="1"/>
-          </p:cNvSpPr>
-          <p:nvPr>
-            <p:ph idx="1"/>
-          </p:nvPr>
-        </p:nvSpPr>
-        <p:spPr>
-          <a:xfrm>
-            <a:off x="838200" y="2550368"/>
-            <a:ext cx="10515600" cy="2071396"/>
-          </a:xfrm>
-        </p:spPr>
-        <p:txBody>
-          <a:bodyPr anchor="ctr">
-            <a:normAutofit/>
-          </a:bodyPr>
-          <a:lstStyle/>
-          <a:p>
-            <a:pPr marL="0" indent="0" algn="ctr">
-              <a:buNone/>
-            </a:pPr>
-            <a:r>
-              <a:rPr lang="en-US" sz="4000" dirty="0" smtClean="0"/>
-              <a:t>What can it do?</a:t>
-            </a:r>
-            <a:endParaRPr lang="en-US" sz="4000" dirty="0"/>
-          </a:p>
-        </p:txBody>
-      </p:sp>
-    </p:spTree>
-    <p:extLst>
-      <p:ext uri="{BB962C8B-B14F-4D97-AF65-F5344CB8AC3E}">
-        <p14:creationId xmlns:p14="http://schemas.microsoft.com/office/powerpoint/2010/main" val="1443349094"/>
-      </p:ext>
-    </p:extLst>
-  </p:cSld>
-  <p:clrMapOvr>
-    <a:masterClrMapping/>
-  </p:clrMapOvr>
-  <p:transition spd="slow">
-    <p:push dir="d"/>
-  </p:transition>
-  <p:timing>
-    <p:tnLst>
-      <p:par>
-        <p:cTn id="1" dur="indefinite" restart="never" nodeType="tmRoot"/>
-      </p:par>
-    </p:tnLst>
-  </p:timing>
-</p:sld>
-</file>
-
-<file path=ppt/slides/slide11.xml><?xml version="1.0" encoding="utf-8"?>
-<p:sld xmlns:a="http://schemas.openxmlformats.org/drawingml/2006/main" xmlns:r="http://schemas.openxmlformats.org/officeDocument/2006/relationships" xmlns:p="http://schemas.openxmlformats.org/presentationml/2006/main">
-  <p:cSld>
     <p:bg>
       <p:bgPr>
         <a:solidFill>
@@ -4065,17 +5431,38 @@
           </a:bodyPr>
           <a:lstStyle/>
           <a:p>
-            <a:pPr marL="0" lvl="0" indent="0" algn="ctr" fontAlgn="base">
+            <a:pPr marL="0" indent="0" algn="ctr">
               <a:buNone/>
             </a:pPr>
+            <a:r>
+              <a:rPr lang="en-GB" sz="3600" dirty="0">
+                <a:solidFill>
+                  <a:srgbClr val="1582D2"/>
+                </a:solidFill>
+              </a:rPr>
+              <a:t>Autonomous decision making knowledge</a:t>
+            </a:r>
+            <a:r>
+              <a:rPr lang="el-GR" sz="3600" dirty="0">
+                <a:solidFill>
+                  <a:srgbClr val="1582D2"/>
+                </a:solidFill>
+              </a:rPr>
+              <a:t> </a:t>
+            </a:r>
             <a:r>
               <a:rPr lang="en-US" sz="3600" dirty="0" smtClean="0">
                 <a:solidFill>
                   <a:srgbClr val="1582D2"/>
                 </a:solidFill>
               </a:rPr>
-              <a:t>Export the most important factors that push certain groups of people towards acquiring new insurance plans</a:t>
-            </a:r>
+              <a:t>with the creation of a reliable model that integrates machine learning</a:t>
+            </a:r>
+            <a:endParaRPr lang="en-US" sz="3600" dirty="0">
+              <a:solidFill>
+                <a:srgbClr val="1582D2"/>
+              </a:solidFill>
+            </a:endParaRPr>
           </a:p>
         </p:txBody>
       </p:sp>
@@ -4088,7 +5475,7 @@
           <p:nvPr/>
         </p:nvPicPr>
         <p:blipFill>
-          <a:blip r:embed="rId2">
+          <a:blip r:embed="rId3">
             <a:extLst>
               <a:ext uri="{28A0092B-C50C-407E-A947-70E740481C1C}">
                 <a14:useLocalDpi xmlns:a14="http://schemas.microsoft.com/office/drawing/2010/main" val="0"/>
@@ -4112,7 +5499,7 @@
     </p:spTree>
     <p:extLst>
       <p:ext uri="{BB962C8B-B14F-4D97-AF65-F5344CB8AC3E}">
-        <p14:creationId xmlns:p14="http://schemas.microsoft.com/office/powerpoint/2010/main" val="1767126075"/>
+        <p14:creationId xmlns:p14="http://schemas.microsoft.com/office/powerpoint/2010/main" val="1703006118"/>
       </p:ext>
     </p:extLst>
   </p:cSld>
@@ -4132,80 +5519,7 @@
 </p:sld>
 </file>
 
-<file path=ppt/slides/slide12.xml><?xml version="1.0" encoding="utf-8"?>
-<p:sld xmlns:a="http://schemas.openxmlformats.org/drawingml/2006/main" xmlns:r="http://schemas.openxmlformats.org/officeDocument/2006/relationships" xmlns:p="http://schemas.openxmlformats.org/presentationml/2006/main">
-  <p:cSld>
-    <p:spTree>
-      <p:nvGrpSpPr>
-        <p:cNvPr id="1" name=""/>
-        <p:cNvGrpSpPr/>
-        <p:nvPr/>
-      </p:nvGrpSpPr>
-      <p:grpSpPr>
-        <a:xfrm>
-          <a:off x="0" y="0"/>
-          <a:ext cx="0" cy="0"/>
-          <a:chOff x="0" y="0"/>
-          <a:chExt cx="0" cy="0"/>
-        </a:xfrm>
-      </p:grpSpPr>
-      <p:sp>
-        <p:nvSpPr>
-          <p:cNvPr id="3" name="Content Placeholder 2"/>
-          <p:cNvSpPr>
-            <a:spLocks noGrp="1"/>
-          </p:cNvSpPr>
-          <p:nvPr>
-            <p:ph idx="1"/>
-          </p:nvPr>
-        </p:nvSpPr>
-        <p:spPr>
-          <a:xfrm>
-            <a:off x="838200" y="2550368"/>
-            <a:ext cx="10515600" cy="2071396"/>
-          </a:xfrm>
-        </p:spPr>
-        <p:txBody>
-          <a:bodyPr anchor="ctr">
-            <a:normAutofit/>
-          </a:bodyPr>
-          <a:lstStyle/>
-          <a:p>
-            <a:pPr marL="0" indent="0" algn="ctr">
-              <a:buNone/>
-            </a:pPr>
-            <a:r>
-              <a:rPr lang="en-US" sz="4000" dirty="0" smtClean="0"/>
-              <a:t>What can it do?</a:t>
-            </a:r>
-            <a:endParaRPr lang="en-US" sz="4000" dirty="0"/>
-          </a:p>
-        </p:txBody>
-      </p:sp>
-    </p:spTree>
-    <p:extLst>
-      <p:ext uri="{BB962C8B-B14F-4D97-AF65-F5344CB8AC3E}">
-        <p14:creationId xmlns:p14="http://schemas.microsoft.com/office/powerpoint/2010/main" val="4161303722"/>
-      </p:ext>
-    </p:extLst>
-  </p:cSld>
-  <p:clrMapOvr>
-    <a:masterClrMapping/>
-  </p:clrMapOvr>
-  <p:transition spd="slow">
-    <p:push dir="d"/>
-  </p:transition>
-  <p:timing>
-    <p:tnLst>
-      <p:par>
-        <p:cTn id="1" dur="indefinite" restart="never" nodeType="tmRoot"/>
-      </p:par>
-    </p:tnLst>
-  </p:timing>
-</p:sld>
-</file>
-
-<file path=ppt/slides/slide13.xml><?xml version="1.0" encoding="utf-8"?>
+<file path=ppt/slides/slide11.xml><?xml version="1.0" encoding="utf-8"?>
 <p:sld xmlns:a="http://schemas.openxmlformats.org/drawingml/2006/main" xmlns:r="http://schemas.openxmlformats.org/officeDocument/2006/relationships" xmlns:p="http://schemas.openxmlformats.org/presentationml/2006/main">
   <p:cSld>
     <p:bg>
@@ -4338,7 +5652,23 @@
                   <a:srgbClr val="1582D2"/>
                 </a:solidFill>
               </a:rPr>
-              <a:t>Smart recommendations from machine learning models for aiding to better approach customers</a:t>
+              <a:t>Export the most important factors that </a:t>
+            </a:r>
+            <a:r>
+              <a:rPr lang="en-US" sz="3600" dirty="0" smtClean="0">
+                <a:solidFill>
+                  <a:srgbClr val="1582D2"/>
+                </a:solidFill>
+              </a:rPr>
+              <a:t>attract certain </a:t>
+            </a:r>
+            <a:r>
+              <a:rPr lang="en-US" sz="3600" dirty="0" smtClean="0">
+                <a:solidFill>
+                  <a:srgbClr val="1582D2"/>
+                </a:solidFill>
+              </a:rPr>
+              <a:t>groups of people towards acquiring new insurance plans</a:t>
             </a:r>
           </a:p>
         </p:txBody>
@@ -4352,7 +5682,7 @@
           <p:nvPr/>
         </p:nvPicPr>
         <p:blipFill>
-          <a:blip r:embed="rId2">
+          <a:blip r:embed="rId3">
             <a:extLst>
               <a:ext uri="{28A0092B-C50C-407E-A947-70E740481C1C}">
                 <a14:useLocalDpi xmlns:a14="http://schemas.microsoft.com/office/drawing/2010/main" val="0"/>
@@ -4376,15 +5706,15 @@
     </p:spTree>
     <p:extLst>
       <p:ext uri="{BB962C8B-B14F-4D97-AF65-F5344CB8AC3E}">
-        <p14:creationId xmlns:p14="http://schemas.microsoft.com/office/powerpoint/2010/main" val="1940397489"/>
+        <p14:creationId xmlns:p14="http://schemas.microsoft.com/office/powerpoint/2010/main" val="1767126075"/>
       </p:ext>
     </p:extLst>
   </p:cSld>
   <p:clrMapOvr>
     <a:masterClrMapping/>
   </p:clrMapOvr>
-  <p:transition spd="slow">
-    <p:push dir="u"/>
+  <p:transition>
+    <p:push/>
   </p:transition>
   <p:timing>
     <p:tnLst>
@@ -4396,80 +5726,7 @@
 </p:sld>
 </file>
 
-<file path=ppt/slides/slide14.xml><?xml version="1.0" encoding="utf-8"?>
-<p:sld xmlns:a="http://schemas.openxmlformats.org/drawingml/2006/main" xmlns:r="http://schemas.openxmlformats.org/officeDocument/2006/relationships" xmlns:p="http://schemas.openxmlformats.org/presentationml/2006/main">
-  <p:cSld>
-    <p:spTree>
-      <p:nvGrpSpPr>
-        <p:cNvPr id="1" name=""/>
-        <p:cNvGrpSpPr/>
-        <p:nvPr/>
-      </p:nvGrpSpPr>
-      <p:grpSpPr>
-        <a:xfrm>
-          <a:off x="0" y="0"/>
-          <a:ext cx="0" cy="0"/>
-          <a:chOff x="0" y="0"/>
-          <a:chExt cx="0" cy="0"/>
-        </a:xfrm>
-      </p:grpSpPr>
-      <p:sp>
-        <p:nvSpPr>
-          <p:cNvPr id="3" name="Content Placeholder 2"/>
-          <p:cNvSpPr>
-            <a:spLocks noGrp="1"/>
-          </p:cNvSpPr>
-          <p:nvPr>
-            <p:ph idx="1"/>
-          </p:nvPr>
-        </p:nvSpPr>
-        <p:spPr>
-          <a:xfrm>
-            <a:off x="838200" y="2550368"/>
-            <a:ext cx="10515600" cy="2071396"/>
-          </a:xfrm>
-        </p:spPr>
-        <p:txBody>
-          <a:bodyPr anchor="ctr">
-            <a:normAutofit/>
-          </a:bodyPr>
-          <a:lstStyle/>
-          <a:p>
-            <a:pPr marL="0" indent="0" algn="ctr">
-              <a:buNone/>
-            </a:pPr>
-            <a:r>
-              <a:rPr lang="en-US" sz="4000" dirty="0" smtClean="0"/>
-              <a:t>What can it do?</a:t>
-            </a:r>
-            <a:endParaRPr lang="en-US" sz="4000" dirty="0"/>
-          </a:p>
-        </p:txBody>
-      </p:sp>
-    </p:spTree>
-    <p:extLst>
-      <p:ext uri="{BB962C8B-B14F-4D97-AF65-F5344CB8AC3E}">
-        <p14:creationId xmlns:p14="http://schemas.microsoft.com/office/powerpoint/2010/main" val="3480507828"/>
-      </p:ext>
-    </p:extLst>
-  </p:cSld>
-  <p:clrMapOvr>
-    <a:masterClrMapping/>
-  </p:clrMapOvr>
-  <p:transition spd="slow">
-    <p:push dir="d"/>
-  </p:transition>
-  <p:timing>
-    <p:tnLst>
-      <p:par>
-        <p:cTn id="1" dur="indefinite" restart="never" nodeType="tmRoot"/>
-      </p:par>
-    </p:tnLst>
-  </p:timing>
-</p:sld>
-</file>
-
-<file path=ppt/slides/slide15.xml><?xml version="1.0" encoding="utf-8"?>
+<file path=ppt/slides/slide12.xml><?xml version="1.0" encoding="utf-8"?>
 <p:sld xmlns:a="http://schemas.openxmlformats.org/drawingml/2006/main" xmlns:r="http://schemas.openxmlformats.org/officeDocument/2006/relationships" xmlns:p="http://schemas.openxmlformats.org/presentationml/2006/main">
   <p:cSld>
     <p:bg>
@@ -4602,21 +5859,21 @@
                   <a:srgbClr val="1582D2"/>
                 </a:solidFill>
               </a:rPr>
-              <a:t>Analyze customer portfolio, visualize several statistics and display useful information</a:t>
+              <a:t>Smart recommendations from machine learning models for aiding to better approach customers</a:t>
             </a:r>
           </a:p>
         </p:txBody>
       </p:sp>
       <p:pic>
         <p:nvPicPr>
-          <p:cNvPr id="6" name="Picture 5"/>
+          <p:cNvPr id="5" name="Picture 4"/>
           <p:cNvPicPr>
             <a:picLocks noChangeAspect="1"/>
           </p:cNvPicPr>
           <p:nvPr/>
         </p:nvPicPr>
         <p:blipFill>
-          <a:blip r:embed="rId2">
+          <a:blip r:embed="rId3">
             <a:extLst>
               <a:ext uri="{28A0092B-C50C-407E-A947-70E740481C1C}">
                 <a14:useLocalDpi xmlns:a14="http://schemas.microsoft.com/office/drawing/2010/main" val="0"/>
@@ -4640,15 +5897,15 @@
     </p:spTree>
     <p:extLst>
       <p:ext uri="{BB962C8B-B14F-4D97-AF65-F5344CB8AC3E}">
-        <p14:creationId xmlns:p14="http://schemas.microsoft.com/office/powerpoint/2010/main" val="4084161484"/>
+        <p14:creationId xmlns:p14="http://schemas.microsoft.com/office/powerpoint/2010/main" val="1940397489"/>
       </p:ext>
     </p:extLst>
   </p:cSld>
   <p:clrMapOvr>
     <a:masterClrMapping/>
   </p:clrMapOvr>
-  <p:transition spd="slow">
-    <p:push dir="u"/>
+  <p:transition>
+    <p:push/>
   </p:transition>
   <p:timing>
     <p:tnLst>
@@ -4660,80 +5917,7 @@
 </p:sld>
 </file>
 
-<file path=ppt/slides/slide16.xml><?xml version="1.0" encoding="utf-8"?>
-<p:sld xmlns:a="http://schemas.openxmlformats.org/drawingml/2006/main" xmlns:r="http://schemas.openxmlformats.org/officeDocument/2006/relationships" xmlns:p="http://schemas.openxmlformats.org/presentationml/2006/main">
-  <p:cSld>
-    <p:spTree>
-      <p:nvGrpSpPr>
-        <p:cNvPr id="1" name=""/>
-        <p:cNvGrpSpPr/>
-        <p:nvPr/>
-      </p:nvGrpSpPr>
-      <p:grpSpPr>
-        <a:xfrm>
-          <a:off x="0" y="0"/>
-          <a:ext cx="0" cy="0"/>
-          <a:chOff x="0" y="0"/>
-          <a:chExt cx="0" cy="0"/>
-        </a:xfrm>
-      </p:grpSpPr>
-      <p:sp>
-        <p:nvSpPr>
-          <p:cNvPr id="3" name="Content Placeholder 2"/>
-          <p:cNvSpPr>
-            <a:spLocks noGrp="1"/>
-          </p:cNvSpPr>
-          <p:nvPr>
-            <p:ph idx="1"/>
-          </p:nvPr>
-        </p:nvSpPr>
-        <p:spPr>
-          <a:xfrm>
-            <a:off x="838200" y="2550368"/>
-            <a:ext cx="10515600" cy="2071396"/>
-          </a:xfrm>
-        </p:spPr>
-        <p:txBody>
-          <a:bodyPr anchor="ctr">
-            <a:normAutofit/>
-          </a:bodyPr>
-          <a:lstStyle/>
-          <a:p>
-            <a:pPr marL="0" indent="0" algn="ctr">
-              <a:buNone/>
-            </a:pPr>
-            <a:r>
-              <a:rPr lang="en-US" sz="4000" dirty="0" smtClean="0"/>
-              <a:t>What can it do?</a:t>
-            </a:r>
-            <a:endParaRPr lang="en-US" sz="4000" dirty="0"/>
-          </a:p>
-        </p:txBody>
-      </p:sp>
-    </p:spTree>
-    <p:extLst>
-      <p:ext uri="{BB962C8B-B14F-4D97-AF65-F5344CB8AC3E}">
-        <p14:creationId xmlns:p14="http://schemas.microsoft.com/office/powerpoint/2010/main" val="3809351851"/>
-      </p:ext>
-    </p:extLst>
-  </p:cSld>
-  <p:clrMapOvr>
-    <a:masterClrMapping/>
-  </p:clrMapOvr>
-  <p:transition spd="slow">
-    <p:push dir="d"/>
-  </p:transition>
-  <p:timing>
-    <p:tnLst>
-      <p:par>
-        <p:cTn id="1" dur="indefinite" restart="never" nodeType="tmRoot"/>
-      </p:par>
-    </p:tnLst>
-  </p:timing>
-</p:sld>
-</file>
-
-<file path=ppt/slides/slide17.xml><?xml version="1.0" encoding="utf-8"?>
+<file path=ppt/slides/slide13.xml><?xml version="1.0" encoding="utf-8"?>
 <p:sld xmlns:a="http://schemas.openxmlformats.org/drawingml/2006/main" xmlns:r="http://schemas.openxmlformats.org/officeDocument/2006/relationships" xmlns:p="http://schemas.openxmlformats.org/presentationml/2006/main">
   <p:cSld>
     <p:bg>
@@ -4866,26 +6050,21 @@
                   <a:srgbClr val="1582D2"/>
                 </a:solidFill>
               </a:rPr>
-              <a:t>Generate Intelligence to improve customer approach</a:t>
-            </a:r>
-            <a:endParaRPr lang="en-US" sz="3600" dirty="0" smtClean="0">
-              <a:solidFill>
-                <a:srgbClr val="1582D2"/>
-              </a:solidFill>
-            </a:endParaRPr>
+              <a:t>Analyze customer portfolio, visualize several statistics and display useful information</a:t>
+            </a:r>
           </a:p>
         </p:txBody>
       </p:sp>
       <p:pic>
         <p:nvPicPr>
-          <p:cNvPr id="5" name="Picture 4"/>
+          <p:cNvPr id="6" name="Picture 5"/>
           <p:cNvPicPr>
             <a:picLocks noChangeAspect="1"/>
           </p:cNvPicPr>
           <p:nvPr/>
         </p:nvPicPr>
         <p:blipFill>
-          <a:blip r:embed="rId2">
+          <a:blip r:embed="rId3">
             <a:extLst>
               <a:ext uri="{28A0092B-C50C-407E-A947-70E740481C1C}">
                 <a14:useLocalDpi xmlns:a14="http://schemas.microsoft.com/office/drawing/2010/main" val="0"/>
@@ -4909,15 +6088,15 @@
     </p:spTree>
     <p:extLst>
       <p:ext uri="{BB962C8B-B14F-4D97-AF65-F5344CB8AC3E}">
-        <p14:creationId xmlns:p14="http://schemas.microsoft.com/office/powerpoint/2010/main" val="2988183902"/>
+        <p14:creationId xmlns:p14="http://schemas.microsoft.com/office/powerpoint/2010/main" val="4084161484"/>
       </p:ext>
     </p:extLst>
   </p:cSld>
   <p:clrMapOvr>
     <a:masterClrMapping/>
   </p:clrMapOvr>
-  <p:transition spd="slow">
-    <p:push dir="u"/>
+  <p:transition>
+    <p:push/>
   </p:transition>
   <p:timing>
     <p:tnLst>
@@ -4929,80 +6108,7 @@
 </p:sld>
 </file>
 
-<file path=ppt/slides/slide18.xml><?xml version="1.0" encoding="utf-8"?>
-<p:sld xmlns:a="http://schemas.openxmlformats.org/drawingml/2006/main" xmlns:r="http://schemas.openxmlformats.org/officeDocument/2006/relationships" xmlns:p="http://schemas.openxmlformats.org/presentationml/2006/main">
-  <p:cSld>
-    <p:spTree>
-      <p:nvGrpSpPr>
-        <p:cNvPr id="1" name=""/>
-        <p:cNvGrpSpPr/>
-        <p:nvPr/>
-      </p:nvGrpSpPr>
-      <p:grpSpPr>
-        <a:xfrm>
-          <a:off x="0" y="0"/>
-          <a:ext cx="0" cy="0"/>
-          <a:chOff x="0" y="0"/>
-          <a:chExt cx="0" cy="0"/>
-        </a:xfrm>
-      </p:grpSpPr>
-      <p:sp>
-        <p:nvSpPr>
-          <p:cNvPr id="3" name="Content Placeholder 2"/>
-          <p:cNvSpPr>
-            <a:spLocks noGrp="1"/>
-          </p:cNvSpPr>
-          <p:nvPr>
-            <p:ph idx="1"/>
-          </p:nvPr>
-        </p:nvSpPr>
-        <p:spPr>
-          <a:xfrm>
-            <a:off x="838200" y="2550368"/>
-            <a:ext cx="10515600" cy="2071396"/>
-          </a:xfrm>
-        </p:spPr>
-        <p:txBody>
-          <a:bodyPr anchor="ctr">
-            <a:normAutofit/>
-          </a:bodyPr>
-          <a:lstStyle/>
-          <a:p>
-            <a:pPr marL="0" indent="0" algn="ctr">
-              <a:buNone/>
-            </a:pPr>
-            <a:r>
-              <a:rPr lang="en-US" sz="4000" dirty="0" smtClean="0"/>
-              <a:t>What can it do?</a:t>
-            </a:r>
-            <a:endParaRPr lang="en-US" sz="4000" dirty="0"/>
-          </a:p>
-        </p:txBody>
-      </p:sp>
-    </p:spTree>
-    <p:extLst>
-      <p:ext uri="{BB962C8B-B14F-4D97-AF65-F5344CB8AC3E}">
-        <p14:creationId xmlns:p14="http://schemas.microsoft.com/office/powerpoint/2010/main" val="1101948172"/>
-      </p:ext>
-    </p:extLst>
-  </p:cSld>
-  <p:clrMapOvr>
-    <a:masterClrMapping/>
-  </p:clrMapOvr>
-  <p:transition spd="slow">
-    <p:push dir="d"/>
-  </p:transition>
-  <p:timing>
-    <p:tnLst>
-      <p:par>
-        <p:cTn id="1" dur="indefinite" restart="never" nodeType="tmRoot"/>
-      </p:par>
-    </p:tnLst>
-  </p:timing>
-</p:sld>
-</file>
-
-<file path=ppt/slides/slide19.xml><?xml version="1.0" encoding="utf-8"?>
+<file path=ppt/slides/slide14.xml><?xml version="1.0" encoding="utf-8"?>
 <p:sld xmlns:a="http://schemas.openxmlformats.org/drawingml/2006/main" xmlns:r="http://schemas.openxmlformats.org/officeDocument/2006/relationships" xmlns:p="http://schemas.openxmlformats.org/presentationml/2006/main">
   <p:cSld>
     <p:bg>
@@ -5149,7 +6255,7 @@
           <p:nvPr/>
         </p:nvPicPr>
         <p:blipFill>
-          <a:blip r:embed="rId2">
+          <a:blip r:embed="rId3">
             <a:extLst>
               <a:ext uri="{28A0092B-C50C-407E-A947-70E740481C1C}">
                 <a14:useLocalDpi xmlns:a14="http://schemas.microsoft.com/office/drawing/2010/main" val="0"/>
@@ -5180,8 +6286,8 @@
   <p:clrMapOvr>
     <a:masterClrMapping/>
   </p:clrMapOvr>
-  <p:transition spd="slow">
-    <p:push dir="u"/>
+  <p:transition>
+    <p:push/>
   </p:transition>
   <p:timing>
     <p:tnLst>
@@ -5193,89 +6299,7 @@
 </p:sld>
 </file>
 
-<file path=ppt/slides/slide2.xml><?xml version="1.0" encoding="utf-8"?>
-<p:sld xmlns:a="http://schemas.openxmlformats.org/drawingml/2006/main" xmlns:r="http://schemas.openxmlformats.org/officeDocument/2006/relationships" xmlns:p="http://schemas.openxmlformats.org/presentationml/2006/main">
-  <p:cSld>
-    <p:spTree>
-      <p:nvGrpSpPr>
-        <p:cNvPr id="1" name=""/>
-        <p:cNvGrpSpPr/>
-        <p:nvPr/>
-      </p:nvGrpSpPr>
-      <p:grpSpPr>
-        <a:xfrm>
-          <a:off x="0" y="0"/>
-          <a:ext cx="0" cy="0"/>
-          <a:chOff x="0" y="0"/>
-          <a:chExt cx="0" cy="0"/>
-        </a:xfrm>
-      </p:grpSpPr>
-      <p:sp>
-        <p:nvSpPr>
-          <p:cNvPr id="2" name="Title 1"/>
-          <p:cNvSpPr>
-            <a:spLocks noGrp="1"/>
-          </p:cNvSpPr>
-          <p:nvPr>
-            <p:ph type="title"/>
-          </p:nvPr>
-        </p:nvSpPr>
-        <p:spPr/>
-        <p:txBody>
-          <a:bodyPr/>
-          <a:lstStyle/>
-          <a:p>
-            <a:r>
-              <a:rPr lang="en-US" dirty="0" smtClean="0"/>
-              <a:t>The problem</a:t>
-            </a:r>
-            <a:endParaRPr lang="en-US" dirty="0"/>
-          </a:p>
-        </p:txBody>
-      </p:sp>
-      <p:sp>
-        <p:nvSpPr>
-          <p:cNvPr id="3" name="Text Placeholder 2"/>
-          <p:cNvSpPr>
-            <a:spLocks noGrp="1"/>
-          </p:cNvSpPr>
-          <p:nvPr>
-            <p:ph type="body" idx="1"/>
-          </p:nvPr>
-        </p:nvSpPr>
-        <p:spPr/>
-        <p:txBody>
-          <a:bodyPr/>
-          <a:lstStyle/>
-          <a:p>
-            <a:endParaRPr lang="en-US" dirty="0"/>
-          </a:p>
-        </p:txBody>
-      </p:sp>
-    </p:spTree>
-    <p:extLst>
-      <p:ext uri="{BB962C8B-B14F-4D97-AF65-F5344CB8AC3E}">
-        <p14:creationId xmlns:p14="http://schemas.microsoft.com/office/powerpoint/2010/main" val="1044140045"/>
-      </p:ext>
-    </p:extLst>
-  </p:cSld>
-  <p:clrMapOvr>
-    <a:masterClrMapping/>
-  </p:clrMapOvr>
-  <p:transition spd="slow">
-    <p:push dir="u"/>
-  </p:transition>
-  <p:timing>
-    <p:tnLst>
-      <p:par>
-        <p:cTn id="1" dur="indefinite" restart="never" nodeType="tmRoot"/>
-      </p:par>
-    </p:tnLst>
-  </p:timing>
-</p:sld>
-</file>
-
-<file path=ppt/slides/slide20.xml><?xml version="1.0" encoding="utf-8"?>
+<file path=ppt/slides/slide15.xml><?xml version="1.0" encoding="utf-8"?>
 <p:sld xmlns:a="http://schemas.openxmlformats.org/drawingml/2006/main" xmlns:r="http://schemas.openxmlformats.org/officeDocument/2006/relationships" xmlns:p="http://schemas.openxmlformats.org/presentationml/2006/main">
   <p:cSld>
     <p:spTree>
@@ -6082,7 +7106,7 @@
 </p:sld>
 </file>
 
-<file path=ppt/slides/slide21.xml><?xml version="1.0" encoding="utf-8"?>
+<file path=ppt/slides/slide16.xml><?xml version="1.0" encoding="utf-8"?>
 <p:sld xmlns:a="http://schemas.openxmlformats.org/drawingml/2006/main" xmlns:r="http://schemas.openxmlformats.org/officeDocument/2006/relationships" xmlns:p="http://schemas.openxmlformats.org/presentationml/2006/main">
   <p:cSld>
     <p:spTree>
@@ -6164,7 +7188,7 @@
 </p:sld>
 </file>
 
-<file path=ppt/slides/slide22.xml><?xml version="1.0" encoding="utf-8"?>
+<file path=ppt/slides/slide17.xml><?xml version="1.0" encoding="utf-8"?>
 <p:sld xmlns:a="http://schemas.openxmlformats.org/drawingml/2006/main" xmlns:r="http://schemas.openxmlformats.org/officeDocument/2006/relationships" xmlns:p="http://schemas.openxmlformats.org/presentationml/2006/main">
   <p:cSld>
     <p:spTree>
@@ -6508,7 +7532,7 @@
 </p:sld>
 </file>
 
-<file path=ppt/slides/slide23.xml><?xml version="1.0" encoding="utf-8"?>
+<file path=ppt/slides/slide18.xml><?xml version="1.0" encoding="utf-8"?>
 <p:sld xmlns:a="http://schemas.openxmlformats.org/drawingml/2006/main" xmlns:r="http://schemas.openxmlformats.org/officeDocument/2006/relationships" xmlns:p="http://schemas.openxmlformats.org/presentationml/2006/main">
   <p:cSld>
     <p:spTree>
@@ -6590,7 +7614,7 @@
 </p:sld>
 </file>
 
-<file path=ppt/slides/slide24.xml><?xml version="1.0" encoding="utf-8"?>
+<file path=ppt/slides/slide19.xml><?xml version="1.0" encoding="utf-8"?>
 <p:sld xmlns:a="http://schemas.openxmlformats.org/drawingml/2006/main" xmlns:r="http://schemas.openxmlformats.org/officeDocument/2006/relationships" xmlns:p="http://schemas.openxmlformats.org/presentationml/2006/main">
   <p:cSld>
     <p:spTree>
@@ -6911,7 +7935,7 @@
 </p:sld>
 </file>
 
-<file path=ppt/slides/slide25.xml><?xml version="1.0" encoding="utf-8"?>
+<file path=ppt/slides/slide2.xml><?xml version="1.0" encoding="utf-8"?>
 <p:sld xmlns:a="http://schemas.openxmlformats.org/drawingml/2006/main" xmlns:r="http://schemas.openxmlformats.org/officeDocument/2006/relationships" xmlns:p="http://schemas.openxmlformats.org/presentationml/2006/main">
   <p:cSld>
     <p:spTree>
@@ -6930,6 +7954,330 @@
       </p:grpSpPr>
       <p:sp>
         <p:nvSpPr>
+          <p:cNvPr id="2" name="Title 1"/>
+          <p:cNvSpPr>
+            <a:spLocks noGrp="1"/>
+          </p:cNvSpPr>
+          <p:nvPr>
+            <p:ph type="title"/>
+          </p:nvPr>
+        </p:nvSpPr>
+        <p:spPr/>
+        <p:txBody>
+          <a:bodyPr>
+            <a:normAutofit/>
+          </a:bodyPr>
+          <a:lstStyle/>
+          <a:p>
+            <a:pPr algn="ctr"/>
+            <a:r>
+              <a:rPr lang="en-GB" dirty="0" smtClean="0"/>
+              <a:t>Ali </a:t>
+            </a:r>
+            <a:r>
+              <a:rPr lang="en-GB" dirty="0" err="1" smtClean="0"/>
+              <a:t>Zavra</a:t>
+            </a:r>
+            <a:r>
+              <a:rPr lang="en-GB" dirty="0" smtClean="0"/>
+              <a:t>™</a:t>
+            </a:r>
+            <a:endParaRPr lang="en-GB" dirty="0"/>
+          </a:p>
+        </p:txBody>
+      </p:sp>
+      <p:grpSp>
+        <p:nvGrpSpPr>
+          <p:cNvPr id="8" name="Group 7"/>
+          <p:cNvGrpSpPr/>
+          <p:nvPr/>
+        </p:nvGrpSpPr>
+        <p:grpSpPr>
+          <a:xfrm>
+            <a:off x="435773" y="1690688"/>
+            <a:ext cx="7214936" cy="3917809"/>
+            <a:chOff x="2207568" y="1624171"/>
+            <a:chExt cx="7214936" cy="3917809"/>
+          </a:xfrm>
+        </p:grpSpPr>
+        <p:pic>
+          <p:nvPicPr>
+            <p:cNvPr id="4" name="Picture 3"/>
+            <p:cNvPicPr>
+              <a:picLocks noChangeAspect="1"/>
+            </p:cNvPicPr>
+            <p:nvPr/>
+          </p:nvPicPr>
+          <p:blipFill rotWithShape="1">
+            <a:blip r:embed="rId2">
+              <a:extLst>
+                <a:ext uri="{28A0092B-C50C-407E-A947-70E740481C1C}">
+                  <a14:useLocalDpi xmlns:a14="http://schemas.microsoft.com/office/drawing/2010/main" val="0"/>
+                </a:ext>
+              </a:extLst>
+            </a:blip>
+            <a:srcRect l="39572" t="-787" r="7092" b="46587"/>
+            <a:stretch/>
+          </p:blipFill>
+          <p:spPr>
+            <a:xfrm>
+              <a:off x="2458265" y="1628800"/>
+              <a:ext cx="2810974" cy="2852936"/>
+            </a:xfrm>
+            <a:prstGeom prst="ellipse">
+              <a:avLst/>
+            </a:prstGeom>
+          </p:spPr>
+        </p:pic>
+        <p:sp>
+          <p:nvSpPr>
+            <p:cNvPr id="5" name="TextBox 4"/>
+            <p:cNvSpPr txBox="1"/>
+            <p:nvPr/>
+          </p:nvSpPr>
+          <p:spPr>
+            <a:xfrm>
+              <a:off x="2207568" y="4618650"/>
+              <a:ext cx="3312368" cy="923330"/>
+            </a:xfrm>
+            <a:prstGeom prst="rect">
+              <a:avLst/>
+            </a:prstGeom>
+            <a:noFill/>
+          </p:spPr>
+          <p:txBody>
+            <a:bodyPr wrap="square" rtlCol="0">
+              <a:spAutoFit/>
+            </a:bodyPr>
+            <a:lstStyle/>
+            <a:p>
+              <a:pPr algn="ctr"/>
+              <a:r>
+                <a:rPr lang="en-US" dirty="0" smtClean="0"/>
+                <a:t>Giorgos Demosthenous</a:t>
+              </a:r>
+              <a:br>
+                <a:rPr lang="en-US" dirty="0" smtClean="0"/>
+              </a:br>
+              <a:r>
+                <a:rPr lang="en-US" b="1" dirty="0" smtClean="0"/>
+                <a:t>MSc. Intelligent Systems Researcher</a:t>
+              </a:r>
+              <a:endParaRPr lang="en-US" b="1" dirty="0"/>
+            </a:p>
+          </p:txBody>
+        </p:sp>
+        <p:pic>
+          <p:nvPicPr>
+            <p:cNvPr id="6" name="Picture 5"/>
+            <p:cNvPicPr>
+              <a:picLocks noChangeAspect="1"/>
+            </p:cNvPicPr>
+            <p:nvPr/>
+          </p:nvPicPr>
+          <p:blipFill rotWithShape="1">
+            <a:blip r:embed="rId3" cstate="print">
+              <a:extLst>
+                <a:ext uri="{28A0092B-C50C-407E-A947-70E740481C1C}">
+                  <a14:useLocalDpi xmlns:a14="http://schemas.microsoft.com/office/drawing/2010/main" val="0"/>
+                </a:ext>
+              </a:extLst>
+            </a:blip>
+            <a:srcRect l="12600" t="26776" r="14602" b="18625"/>
+            <a:stretch/>
+          </p:blipFill>
+          <p:spPr>
+            <a:xfrm>
+              <a:off x="6335223" y="1624171"/>
+              <a:ext cx="2862194" cy="2862194"/>
+            </a:xfrm>
+            <a:prstGeom prst="ellipse">
+              <a:avLst/>
+            </a:prstGeom>
+          </p:spPr>
+        </p:pic>
+        <p:sp>
+          <p:nvSpPr>
+            <p:cNvPr id="7" name="TextBox 6"/>
+            <p:cNvSpPr txBox="1"/>
+            <p:nvPr/>
+          </p:nvSpPr>
+          <p:spPr>
+            <a:xfrm>
+              <a:off x="6110136" y="4618650"/>
+              <a:ext cx="3312368" cy="923330"/>
+            </a:xfrm>
+            <a:prstGeom prst="rect">
+              <a:avLst/>
+            </a:prstGeom>
+            <a:noFill/>
+          </p:spPr>
+          <p:txBody>
+            <a:bodyPr wrap="square" rtlCol="0">
+              <a:spAutoFit/>
+            </a:bodyPr>
+            <a:lstStyle/>
+            <a:p>
+              <a:pPr algn="ctr"/>
+              <a:r>
+                <a:rPr lang="en-US" dirty="0" smtClean="0"/>
+                <a:t>Kyriakos Kyriakou</a:t>
+              </a:r>
+              <a:br>
+                <a:rPr lang="en-US" dirty="0" smtClean="0"/>
+              </a:br>
+              <a:r>
+                <a:rPr lang="en-US" b="1" dirty="0" smtClean="0"/>
+                <a:t>MSc. Computer Science Researcher</a:t>
+              </a:r>
+              <a:endParaRPr lang="en-US" b="1" dirty="0"/>
+            </a:p>
+          </p:txBody>
+        </p:sp>
+      </p:grpSp>
+      <p:pic>
+        <p:nvPicPr>
+          <p:cNvPr id="9" name="Picture 8"/>
+          <p:cNvPicPr>
+            <a:picLocks noChangeAspect="1"/>
+          </p:cNvPicPr>
+          <p:nvPr/>
+        </p:nvPicPr>
+        <p:blipFill rotWithShape="1">
+          <a:blip r:embed="rId4">
+            <a:extLst>
+              <a:ext uri="{BEBA8EAE-BF5A-486C-A8C5-ECC9F3942E4B}">
+                <a14:imgProps xmlns:a14="http://schemas.microsoft.com/office/drawing/2010/main">
+                  <a14:imgLayer r:embed="rId5">
+                    <a14:imgEffect>
+                      <a14:colorTemperature colorTemp="7200"/>
+                    </a14:imgEffect>
+                    <a14:imgEffect>
+                      <a14:brightnessContrast bright="20000"/>
+                    </a14:imgEffect>
+                  </a14:imgLayer>
+                </a14:imgProps>
+              </a:ext>
+            </a:extLst>
+          </a:blip>
+          <a:srcRect l="29711" t="32699" r="51333" b="41631"/>
+          <a:stretch/>
+        </p:blipFill>
+        <p:spPr>
+          <a:xfrm>
+            <a:off x="8491606" y="1736800"/>
+            <a:ext cx="2862194" cy="2906882"/>
+          </a:xfrm>
+          <a:prstGeom prst="ellipse">
+            <a:avLst/>
+          </a:prstGeom>
+        </p:spPr>
+      </p:pic>
+      <p:sp>
+        <p:nvSpPr>
+          <p:cNvPr id="10" name="TextBox 9"/>
+          <p:cNvSpPr txBox="1"/>
+          <p:nvPr/>
+        </p:nvSpPr>
+        <p:spPr>
+          <a:xfrm>
+            <a:off x="8240909" y="4685167"/>
+            <a:ext cx="3312368" cy="923330"/>
+          </a:xfrm>
+          <a:prstGeom prst="rect">
+            <a:avLst/>
+          </a:prstGeom>
+          <a:noFill/>
+        </p:spPr>
+        <p:txBody>
+          <a:bodyPr wrap="square" rtlCol="0">
+            <a:spAutoFit/>
+          </a:bodyPr>
+          <a:lstStyle/>
+          <a:p>
+            <a:pPr algn="ctr"/>
+            <a:r>
+              <a:rPr lang="en-US" dirty="0" err="1" smtClean="0"/>
+              <a:t>Giorgos</a:t>
+            </a:r>
+            <a:r>
+              <a:rPr lang="en-US" dirty="0" smtClean="0"/>
+              <a:t> </a:t>
+            </a:r>
+            <a:r>
+              <a:rPr lang="en-US" dirty="0" err="1" smtClean="0"/>
+              <a:t>Papanastasiou</a:t>
+            </a:r>
+            <a:r>
+              <a:rPr lang="en-US" dirty="0" smtClean="0"/>
+              <a:t/>
+            </a:r>
+            <a:br>
+              <a:rPr lang="en-US" dirty="0" smtClean="0"/>
+            </a:br>
+            <a:r>
+              <a:rPr lang="en-US" b="1" dirty="0"/>
+              <a:t>B</a:t>
+            </a:r>
+            <a:r>
+              <a:rPr lang="en-US" b="1" dirty="0" smtClean="0"/>
+              <a:t>Sc. Computer Science Student</a:t>
+            </a:r>
+            <a:endParaRPr lang="en-US" b="1" dirty="0"/>
+          </a:p>
+        </p:txBody>
+      </p:sp>
+    </p:spTree>
+    <p:extLst>
+      <p:ext uri="{BB962C8B-B14F-4D97-AF65-F5344CB8AC3E}">
+        <p14:creationId xmlns:p14="http://schemas.microsoft.com/office/powerpoint/2010/main" val="694583989"/>
+      </p:ext>
+    </p:extLst>
+  </p:cSld>
+  <p:clrMapOvr>
+    <a:masterClrMapping/>
+  </p:clrMapOvr>
+  <mc:AlternateContent xmlns:mc="http://schemas.openxmlformats.org/markup-compatibility/2006" xmlns:p14="http://schemas.microsoft.com/office/powerpoint/2010/main">
+    <mc:Choice Requires="p14">
+      <p:transition spd="slow" p14:dur="800">
+        <p:circle/>
+      </p:transition>
+    </mc:Choice>
+    <mc:Fallback xmlns="">
+      <p:transition spd="slow">
+        <p:circle/>
+      </p:transition>
+    </mc:Fallback>
+  </mc:AlternateContent>
+  <p:timing>
+    <p:tnLst>
+      <p:par>
+        <p:cTn id="1" dur="indefinite" restart="never" nodeType="tmRoot"/>
+      </p:par>
+    </p:tnLst>
+  </p:timing>
+</p:sld>
+</file>
+
+<file path=ppt/slides/slide20.xml><?xml version="1.0" encoding="utf-8"?>
+<p:sld xmlns:a="http://schemas.openxmlformats.org/drawingml/2006/main" xmlns:r="http://schemas.openxmlformats.org/officeDocument/2006/relationships" xmlns:p="http://schemas.openxmlformats.org/presentationml/2006/main">
+  <p:cSld>
+    <p:spTree>
+      <p:nvGrpSpPr>
+        <p:cNvPr id="1" name=""/>
+        <p:cNvGrpSpPr/>
+        <p:nvPr/>
+      </p:nvGrpSpPr>
+      <p:grpSpPr>
+        <a:xfrm>
+          <a:off x="0" y="0"/>
+          <a:ext cx="0" cy="0"/>
+          <a:chOff x="0" y="0"/>
+          <a:chExt cx="0" cy="0"/>
+        </a:xfrm>
+      </p:grpSpPr>
+      <p:sp>
+        <p:nvSpPr>
           <p:cNvPr id="3" name="Subtitle 2"/>
           <p:cNvSpPr>
             <a:spLocks noGrp="1"/>
@@ -6965,7 +8313,7 @@
           <p:nvPr/>
         </p:nvPicPr>
         <p:blipFill>
-          <a:blip r:embed="rId2">
+          <a:blip r:embed="rId3">
             <a:extLst>
               <a:ext uri="{28A0092B-C50C-407E-A947-70E740481C1C}">
                 <a14:useLocalDpi xmlns:a14="http://schemas.microsoft.com/office/drawing/2010/main" val="0"/>
@@ -6995,7 +8343,7 @@
           <p:nvPr/>
         </p:nvPicPr>
         <p:blipFill>
-          <a:blip r:embed="rId3">
+          <a:blip r:embed="rId4">
             <a:extLst>
               <a:ext uri="{28A0092B-C50C-407E-A947-70E740481C1C}">
                 <a14:useLocalDpi xmlns:a14="http://schemas.microsoft.com/office/drawing/2010/main" val="0"/>
@@ -7299,7 +8647,7 @@
 </p:sld>
 </file>
 
-<file path=ppt/slides/slide26.xml><?xml version="1.0" encoding="utf-8"?>
+<file path=ppt/slides/slide21.xml><?xml version="1.0" encoding="utf-8"?>
 <p:sld xmlns:a="http://schemas.openxmlformats.org/drawingml/2006/main" xmlns:r="http://schemas.openxmlformats.org/officeDocument/2006/relationships" xmlns:p="http://schemas.openxmlformats.org/presentationml/2006/main">
   <p:cSld>
     <p:spTree>
@@ -7381,7 +8729,7 @@
 </p:sld>
 </file>
 
-<file path=ppt/slides/slide27.xml><?xml version="1.0" encoding="utf-8"?>
+<file path=ppt/slides/slide22.xml><?xml version="1.0" encoding="utf-8"?>
 <p:sld xmlns:a="http://schemas.openxmlformats.org/drawingml/2006/main" xmlns:r="http://schemas.openxmlformats.org/officeDocument/2006/relationships" xmlns:p="http://schemas.openxmlformats.org/presentationml/2006/main">
   <p:cSld>
     <p:spTree>
@@ -7471,7 +8819,7 @@
 </p:sld>
 </file>
 
-<file path=ppt/slides/slide28.xml><?xml version="1.0" encoding="utf-8"?>
+<file path=ppt/slides/slide23.xml><?xml version="1.0" encoding="utf-8"?>
 <p:sld xmlns:a="http://schemas.openxmlformats.org/drawingml/2006/main" xmlns:r="http://schemas.openxmlformats.org/officeDocument/2006/relationships" xmlns:p="http://schemas.openxmlformats.org/presentationml/2006/main">
   <p:cSld>
     <p:bg>
@@ -7897,57 +9245,58 @@
       </p:grpSpPr>
       <p:sp>
         <p:nvSpPr>
-          <p:cNvPr id="3" name="Content Placeholder 2"/>
-          <p:cNvSpPr>
-            <a:spLocks noGrp="1"/>
-          </p:cNvSpPr>
-          <p:nvPr>
-            <p:ph idx="1"/>
-          </p:nvPr>
-        </p:nvSpPr>
-        <p:spPr>
-          <a:xfrm>
-            <a:off x="838200" y="2295331"/>
-            <a:ext cx="10515600" cy="2071396"/>
-          </a:xfrm>
-        </p:spPr>
-        <p:txBody>
-          <a:bodyPr anchor="ctr">
-            <a:normAutofit/>
-          </a:bodyPr>
-          <a:lstStyle/>
-          <a:p>
-            <a:pPr marL="0" indent="0" algn="ctr">
-              <a:buNone/>
-            </a:pPr>
-            <a:r>
-              <a:rPr lang="en-US" sz="4000" dirty="0"/>
-              <a:t>L</a:t>
-            </a:r>
-            <a:r>
-              <a:rPr lang="en-US" sz="4000" dirty="0" smtClean="0"/>
-              <a:t>arge </a:t>
-            </a:r>
-            <a:r>
-              <a:rPr lang="en-US" sz="4000" dirty="0" smtClean="0"/>
-              <a:t>amount of unexploited data</a:t>
-            </a:r>
-            <a:endParaRPr lang="en-US" sz="4000" dirty="0"/>
+          <p:cNvPr id="2" name="Title 1"/>
+          <p:cNvSpPr>
+            <a:spLocks noGrp="1"/>
+          </p:cNvSpPr>
+          <p:nvPr>
+            <p:ph type="title"/>
+          </p:nvPr>
+        </p:nvSpPr>
+        <p:spPr/>
+        <p:txBody>
+          <a:bodyPr/>
+          <a:lstStyle/>
+          <a:p>
+            <a:r>
+              <a:rPr lang="en-US" dirty="0" smtClean="0"/>
+              <a:t>The problem</a:t>
+            </a:r>
+            <a:endParaRPr lang="en-US" dirty="0"/>
+          </a:p>
+        </p:txBody>
+      </p:sp>
+      <p:sp>
+        <p:nvSpPr>
+          <p:cNvPr id="3" name="Text Placeholder 2"/>
+          <p:cNvSpPr>
+            <a:spLocks noGrp="1"/>
+          </p:cNvSpPr>
+          <p:nvPr>
+            <p:ph type="body" idx="1"/>
+          </p:nvPr>
+        </p:nvSpPr>
+        <p:spPr/>
+        <p:txBody>
+          <a:bodyPr/>
+          <a:lstStyle/>
+          <a:p>
+            <a:endParaRPr lang="en-US" dirty="0"/>
           </a:p>
         </p:txBody>
       </p:sp>
     </p:spTree>
     <p:extLst>
       <p:ext uri="{BB962C8B-B14F-4D97-AF65-F5344CB8AC3E}">
-        <p14:creationId xmlns:p14="http://schemas.microsoft.com/office/powerpoint/2010/main" val="2015556089"/>
+        <p14:creationId xmlns:p14="http://schemas.microsoft.com/office/powerpoint/2010/main" val="1044140045"/>
       </p:ext>
     </p:extLst>
   </p:cSld>
   <p:clrMapOvr>
     <a:masterClrMapping/>
   </p:clrMapOvr>
-  <p:transition spd="med">
-    <p:pull/>
+  <p:transition spd="slow">
+    <p:push dir="u"/>
   </p:transition>
   <p:timing>
     <p:tnLst>
@@ -8002,8 +9351,16 @@
               <a:buNone/>
             </a:pPr>
             <a:r>
+              <a:rPr lang="en-US" sz="4000" dirty="0"/>
+              <a:t>L</a:t>
+            </a:r>
+            <a:r>
               <a:rPr lang="en-US" sz="4000" dirty="0" smtClean="0"/>
-              <a:t>What pushes certain groups towards new insurance plans?</a:t>
+              <a:t>arge </a:t>
+            </a:r>
+            <a:r>
+              <a:rPr lang="en-US" sz="4000" dirty="0" smtClean="0"/>
+              <a:t>amount of unexploited data</a:t>
             </a:r>
             <a:endParaRPr lang="en-US" sz="4000" dirty="0"/>
           </a:p>
@@ -8012,25 +9369,16 @@
     </p:spTree>
     <p:extLst>
       <p:ext uri="{BB962C8B-B14F-4D97-AF65-F5344CB8AC3E}">
-        <p14:creationId xmlns:p14="http://schemas.microsoft.com/office/powerpoint/2010/main" val="3808059459"/>
+        <p14:creationId xmlns:p14="http://schemas.microsoft.com/office/powerpoint/2010/main" val="2015556089"/>
       </p:ext>
     </p:extLst>
   </p:cSld>
   <p:clrMapOvr>
     <a:masterClrMapping/>
   </p:clrMapOvr>
-  <mc:AlternateContent xmlns:mc="http://schemas.openxmlformats.org/markup-compatibility/2006">
-    <mc:Choice xmlns:p14="http://schemas.microsoft.com/office/powerpoint/2010/main" Requires="p14">
-      <p:transition spd="slow">
-        <p14:reveal/>
-      </p:transition>
-    </mc:Choice>
-    <mc:Fallback>
-      <p:transition spd="slow">
-        <p:fade/>
-      </p:transition>
-    </mc:Fallback>
-  </mc:AlternateContent>
+  <p:transition spd="med">
+    <p:pull/>
+  </p:transition>
   <p:timing>
     <p:tnLst>
       <p:par>
@@ -8084,16 +9432,8 @@
               <a:buNone/>
             </a:pPr>
             <a:r>
-              <a:rPr lang="en-US" sz="4000" dirty="0"/>
-              <a:t>F</a:t>
-            </a:r>
-            <a:r>
               <a:rPr lang="en-US" sz="4000" dirty="0" smtClean="0"/>
-              <a:t>lawed </a:t>
-            </a:r>
-            <a:r>
-              <a:rPr lang="en-US" sz="4000" dirty="0" smtClean="0"/>
-              <a:t>customer approach</a:t>
+              <a:t>What pushes certain groups towards new insurance plans?</a:t>
             </a:r>
             <a:endParaRPr lang="en-US" sz="4000" dirty="0"/>
           </a:p>
@@ -8102,7 +9442,7 @@
     </p:spTree>
     <p:extLst>
       <p:ext uri="{BB962C8B-B14F-4D97-AF65-F5344CB8AC3E}">
-        <p14:creationId xmlns:p14="http://schemas.microsoft.com/office/powerpoint/2010/main" val="420813272"/>
+        <p14:creationId xmlns:p14="http://schemas.microsoft.com/office/powerpoint/2010/main" val="3808059459"/>
       </p:ext>
     </p:extLst>
   </p:cSld>
@@ -8174,17 +9514,25 @@
               <a:buNone/>
             </a:pPr>
             <a:r>
-              <a:rPr lang="en-US" sz="4000" b="1" dirty="0" smtClean="0"/>
-              <a:t>How to solve it?</a:t>
-            </a:r>
-            <a:endParaRPr lang="en-US" sz="4000" b="1" dirty="0"/>
+              <a:rPr lang="en-US" sz="4000" dirty="0"/>
+              <a:t>F</a:t>
+            </a:r>
+            <a:r>
+              <a:rPr lang="en-US" sz="4000" dirty="0" smtClean="0"/>
+              <a:t>lawed </a:t>
+            </a:r>
+            <a:r>
+              <a:rPr lang="en-US" sz="4000" dirty="0" smtClean="0"/>
+              <a:t>customer approach</a:t>
+            </a:r>
+            <a:endParaRPr lang="en-US" sz="4000" dirty="0"/>
           </a:p>
         </p:txBody>
       </p:sp>
     </p:spTree>
     <p:extLst>
       <p:ext uri="{BB962C8B-B14F-4D97-AF65-F5344CB8AC3E}">
-        <p14:creationId xmlns:p14="http://schemas.microsoft.com/office/powerpoint/2010/main" val="3370431933"/>
+        <p14:creationId xmlns:p14="http://schemas.microsoft.com/office/powerpoint/2010/main" val="420813272"/>
       </p:ext>
     </p:extLst>
   </p:cSld>
@@ -8192,9 +9540,9 @@
     <a:masterClrMapping/>
   </p:clrMapOvr>
   <mc:AlternateContent xmlns:mc="http://schemas.openxmlformats.org/markup-compatibility/2006">
-    <mc:Choice xmlns:p15="http://schemas.microsoft.com/office/powerpoint/2012/main" Requires="p15">
+    <mc:Choice xmlns:p14="http://schemas.microsoft.com/office/powerpoint/2010/main" Requires="p14">
       <p:transition spd="slow">
-        <p15:prstTrans prst="fracture"/>
+        <p14:reveal/>
       </p:transition>
     </mc:Choice>
     <mc:Fallback>
@@ -8242,6 +9590,88 @@
         </p:nvSpPr>
         <p:spPr>
           <a:xfrm>
+            <a:off x="838200" y="2295331"/>
+            <a:ext cx="10515600" cy="2071396"/>
+          </a:xfrm>
+        </p:spPr>
+        <p:txBody>
+          <a:bodyPr anchor="ctr">
+            <a:normAutofit/>
+          </a:bodyPr>
+          <a:lstStyle/>
+          <a:p>
+            <a:pPr marL="0" indent="0" algn="ctr">
+              <a:buNone/>
+            </a:pPr>
+            <a:r>
+              <a:rPr lang="en-US" sz="4000" b="1" dirty="0" smtClean="0"/>
+              <a:t>How to solve it?</a:t>
+            </a:r>
+            <a:endParaRPr lang="en-US" sz="4000" b="1" dirty="0"/>
+          </a:p>
+        </p:txBody>
+      </p:sp>
+    </p:spTree>
+    <p:extLst>
+      <p:ext uri="{BB962C8B-B14F-4D97-AF65-F5344CB8AC3E}">
+        <p14:creationId xmlns:p14="http://schemas.microsoft.com/office/powerpoint/2010/main" val="3370431933"/>
+      </p:ext>
+    </p:extLst>
+  </p:cSld>
+  <p:clrMapOvr>
+    <a:masterClrMapping/>
+  </p:clrMapOvr>
+  <mc:AlternateContent xmlns:mc="http://schemas.openxmlformats.org/markup-compatibility/2006">
+    <mc:Choice xmlns:p15="http://schemas.microsoft.com/office/powerpoint/2012/main" Requires="p15">
+      <p:transition spd="slow">
+        <p15:prstTrans prst="fracture"/>
+      </p:transition>
+    </mc:Choice>
+    <mc:Fallback>
+      <p:transition spd="slow">
+        <p:fade/>
+      </p:transition>
+    </mc:Fallback>
+  </mc:AlternateContent>
+  <p:timing>
+    <p:tnLst>
+      <p:par>
+        <p:cTn id="1" dur="indefinite" restart="never" nodeType="tmRoot"/>
+      </p:par>
+    </p:tnLst>
+  </p:timing>
+</p:sld>
+</file>
+
+<file path=ppt/slides/slide8.xml><?xml version="1.0" encoding="utf-8"?>
+<p:sld xmlns:a="http://schemas.openxmlformats.org/drawingml/2006/main" xmlns:r="http://schemas.openxmlformats.org/officeDocument/2006/relationships" xmlns:p="http://schemas.openxmlformats.org/presentationml/2006/main">
+  <p:cSld>
+    <p:spTree>
+      <p:nvGrpSpPr>
+        <p:cNvPr id="1" name=""/>
+        <p:cNvGrpSpPr/>
+        <p:nvPr/>
+      </p:nvGrpSpPr>
+      <p:grpSpPr>
+        <a:xfrm>
+          <a:off x="0" y="0"/>
+          <a:ext cx="0" cy="0"/>
+          <a:chOff x="0" y="0"/>
+          <a:chExt cx="0" cy="0"/>
+        </a:xfrm>
+      </p:grpSpPr>
+      <p:sp>
+        <p:nvSpPr>
+          <p:cNvPr id="3" name="Content Placeholder 2"/>
+          <p:cNvSpPr>
+            <a:spLocks noGrp="1"/>
+          </p:cNvSpPr>
+          <p:nvPr>
+            <p:ph idx="1"/>
+          </p:nvPr>
+        </p:nvSpPr>
+        <p:spPr>
+          <a:xfrm>
             <a:off x="838200" y="3331029"/>
             <a:ext cx="10515600" cy="2071396"/>
           </a:xfrm>
@@ -8283,7 +9713,7 @@
           <p:nvPr/>
         </p:nvPicPr>
         <p:blipFill>
-          <a:blip r:embed="rId2">
+          <a:blip r:embed="rId3">
             <a:extLst>
               <a:ext uri="{28A0092B-C50C-407E-A947-70E740481C1C}">
                 <a14:useLocalDpi xmlns:a14="http://schemas.microsoft.com/office/drawing/2010/main" val="0"/>
@@ -8336,7 +9766,7 @@
 </p:sld>
 </file>
 
-<file path=ppt/slides/slide8.xml><?xml version="1.0" encoding="utf-8"?>
+<file path=ppt/slides/slide9.xml><?xml version="1.0" encoding="utf-8"?>
 <p:sld xmlns:a="http://schemas.openxmlformats.org/drawingml/2006/main" xmlns:r="http://schemas.openxmlformats.org/officeDocument/2006/relationships" xmlns:p="http://schemas.openxmlformats.org/presentationml/2006/main">
   <p:cSld>
     <p:spTree>
@@ -8398,218 +9828,6 @@
   </p:clrMapOvr>
   <p:transition spd="med">
     <p:pull/>
-  </p:transition>
-  <p:timing>
-    <p:tnLst>
-      <p:par>
-        <p:cTn id="1" dur="indefinite" restart="never" nodeType="tmRoot"/>
-      </p:par>
-    </p:tnLst>
-  </p:timing>
-</p:sld>
-</file>
-
-<file path=ppt/slides/slide9.xml><?xml version="1.0" encoding="utf-8"?>
-<p:sld xmlns:a="http://schemas.openxmlformats.org/drawingml/2006/main" xmlns:r="http://schemas.openxmlformats.org/officeDocument/2006/relationships" xmlns:p="http://schemas.openxmlformats.org/presentationml/2006/main">
-  <p:cSld>
-    <p:bg>
-      <p:bgPr>
-        <a:solidFill>
-          <a:schemeClr val="tx1"/>
-        </a:solidFill>
-        <a:effectLst/>
-      </p:bgPr>
-    </p:bg>
-    <p:spTree>
-      <p:nvGrpSpPr>
-        <p:cNvPr id="1" name=""/>
-        <p:cNvGrpSpPr/>
-        <p:nvPr/>
-      </p:nvGrpSpPr>
-      <p:grpSpPr>
-        <a:xfrm>
-          <a:off x="0" y="0"/>
-          <a:ext cx="0" cy="0"/>
-          <a:chOff x="0" y="0"/>
-          <a:chExt cx="0" cy="0"/>
-        </a:xfrm>
-      </p:grpSpPr>
-      <p:sp>
-        <p:nvSpPr>
-          <p:cNvPr id="4" name="Rectangle 3"/>
-          <p:cNvSpPr/>
-          <p:nvPr/>
-        </p:nvSpPr>
-        <p:spPr>
-          <a:xfrm>
-            <a:off x="0" y="0"/>
-            <a:ext cx="12192000" cy="1380931"/>
-          </a:xfrm>
-          <a:prstGeom prst="rect">
-            <a:avLst/>
-          </a:prstGeom>
-          <a:solidFill>
-            <a:srgbClr val="1896F2"/>
-          </a:solidFill>
-          <a:ln>
-            <a:noFill/>
-          </a:ln>
-          <a:effectLst>
-            <a:outerShdw blurRad="50800" dist="38100" dir="5400000" algn="t" rotWithShape="0">
-              <a:prstClr val="black">
-                <a:alpha val="40000"/>
-              </a:prstClr>
-            </a:outerShdw>
-          </a:effectLst>
-        </p:spPr>
-        <p:style>
-          <a:lnRef idx="2">
-            <a:schemeClr val="accent1">
-              <a:shade val="50000"/>
-            </a:schemeClr>
-          </a:lnRef>
-          <a:fillRef idx="1">
-            <a:schemeClr val="accent1"/>
-          </a:fillRef>
-          <a:effectRef idx="0">
-            <a:schemeClr val="accent1"/>
-          </a:effectRef>
-          <a:fontRef idx="minor">
-            <a:schemeClr val="lt1"/>
-          </a:fontRef>
-        </p:style>
-        <p:txBody>
-          <a:bodyPr rtlCol="0" anchor="ctr"/>
-          <a:lstStyle/>
-          <a:p>
-            <a:pPr algn="ctr"/>
-            <a:endParaRPr lang="en-US"/>
-          </a:p>
-        </p:txBody>
-      </p:sp>
-      <p:sp>
-        <p:nvSpPr>
-          <p:cNvPr id="2" name="Title 1"/>
-          <p:cNvSpPr>
-            <a:spLocks noGrp="1"/>
-          </p:cNvSpPr>
-          <p:nvPr>
-            <p:ph type="title"/>
-          </p:nvPr>
-        </p:nvSpPr>
-        <p:spPr>
-          <a:xfrm>
-            <a:off x="838200" y="205273"/>
-            <a:ext cx="10515600" cy="1007707"/>
-          </a:xfrm>
-        </p:spPr>
-        <p:txBody>
-          <a:bodyPr/>
-          <a:lstStyle/>
-          <a:p>
-            <a:endParaRPr lang="en-US" dirty="0"/>
-          </a:p>
-        </p:txBody>
-      </p:sp>
-      <p:sp>
-        <p:nvSpPr>
-          <p:cNvPr id="3" name="Content Placeholder 2"/>
-          <p:cNvSpPr>
-            <a:spLocks noGrp="1"/>
-          </p:cNvSpPr>
-          <p:nvPr>
-            <p:ph idx="1"/>
-          </p:nvPr>
-        </p:nvSpPr>
-        <p:spPr>
-          <a:xfrm>
-            <a:off x="838200" y="1586204"/>
-            <a:ext cx="10515600" cy="4590759"/>
-          </a:xfrm>
-        </p:spPr>
-        <p:txBody>
-          <a:bodyPr anchor="ctr">
-            <a:normAutofit/>
-          </a:bodyPr>
-          <a:lstStyle/>
-          <a:p>
-            <a:pPr marL="0" indent="0" algn="ctr">
-              <a:buNone/>
-            </a:pPr>
-            <a:r>
-              <a:rPr lang="en-GB" sz="3600" dirty="0">
-                <a:solidFill>
-                  <a:srgbClr val="1582D2"/>
-                </a:solidFill>
-              </a:rPr>
-              <a:t>Autonomous decision making knowledge</a:t>
-            </a:r>
-            <a:r>
-              <a:rPr lang="el-GR" sz="3600" dirty="0">
-                <a:solidFill>
-                  <a:srgbClr val="1582D2"/>
-                </a:solidFill>
-              </a:rPr>
-              <a:t> </a:t>
-            </a:r>
-            <a:r>
-              <a:rPr lang="en-US" sz="3600" dirty="0" smtClean="0">
-                <a:solidFill>
-                  <a:srgbClr val="1582D2"/>
-                </a:solidFill>
-              </a:rPr>
-              <a:t>with the creation of a reliable model that integrates machine learning</a:t>
-            </a:r>
-            <a:endParaRPr lang="en-US" sz="3600" dirty="0">
-              <a:solidFill>
-                <a:srgbClr val="1582D2"/>
-              </a:solidFill>
-            </a:endParaRPr>
-          </a:p>
-        </p:txBody>
-      </p:sp>
-      <p:pic>
-        <p:nvPicPr>
-          <p:cNvPr id="5" name="Picture 4"/>
-          <p:cNvPicPr>
-            <a:picLocks noChangeAspect="1"/>
-          </p:cNvPicPr>
-          <p:nvPr/>
-        </p:nvPicPr>
-        <p:blipFill>
-          <a:blip r:embed="rId2">
-            <a:extLst>
-              <a:ext uri="{28A0092B-C50C-407E-A947-70E740481C1C}">
-                <a14:useLocalDpi xmlns:a14="http://schemas.microsoft.com/office/drawing/2010/main" val="0"/>
-              </a:ext>
-            </a:extLst>
-          </a:blip>
-          <a:stretch>
-            <a:fillRect/>
-          </a:stretch>
-        </p:blipFill>
-        <p:spPr>
-          <a:xfrm>
-            <a:off x="5413938" y="509218"/>
-            <a:ext cx="1364124" cy="399816"/>
-          </a:xfrm>
-          <a:prstGeom prst="rect">
-            <a:avLst/>
-          </a:prstGeom>
-        </p:spPr>
-      </p:pic>
-    </p:spTree>
-    <p:extLst>
-      <p:ext uri="{BB962C8B-B14F-4D97-AF65-F5344CB8AC3E}">
-        <p14:creationId xmlns:p14="http://schemas.microsoft.com/office/powerpoint/2010/main" val="1703006118"/>
-      </p:ext>
-    </p:extLst>
-  </p:cSld>
-  <p:clrMapOvr>
-    <a:masterClrMapping/>
-  </p:clrMapOvr>
-  <p:transition spd="slow">
-    <p:push dir="u"/>
   </p:transition>
   <p:timing>
     <p:tnLst>
